--- a/CBP專案/Liability API.pptx
+++ b/CBP專案/Liability API.pptx
@@ -106,6 +106,11 @@
       </a:defRPr>
     </a:lvl9pPr>
   </p:defaultTextStyle>
+  <p:extLst>
+    <p:ext uri="{EFAFB233-063F-42B5-8137-9DF3F51BA10A}">
+      <p15:sldGuideLst xmlns:p15="http://schemas.microsoft.com/office/powerpoint/2012/main"/>
+    </p:ext>
+  </p:extLst>
 </p:presentation>
 </file>
 
@@ -256,7 +261,7 @@
           <a:p>
             <a:fld id="{E6B4921D-A753-CA47-8F9B-AC8DE863B4DA}" type="datetimeFigureOut">
               <a:rPr kumimoji="1" lang="zh-TW" altLang="en-US" smtClean="0"/>
-              <a:t>2023/1/18</a:t>
+              <a:t>2023/1/19</a:t>
             </a:fld>
             <a:endParaRPr kumimoji="1" lang="zh-TW" altLang="en-US"/>
           </a:p>
@@ -454,7 +459,7 @@
           <a:p>
             <a:fld id="{E6B4921D-A753-CA47-8F9B-AC8DE863B4DA}" type="datetimeFigureOut">
               <a:rPr kumimoji="1" lang="zh-TW" altLang="en-US" smtClean="0"/>
-              <a:t>2023/1/18</a:t>
+              <a:t>2023/1/19</a:t>
             </a:fld>
             <a:endParaRPr kumimoji="1" lang="zh-TW" altLang="en-US"/>
           </a:p>
@@ -662,7 +667,7 @@
           <a:p>
             <a:fld id="{E6B4921D-A753-CA47-8F9B-AC8DE863B4DA}" type="datetimeFigureOut">
               <a:rPr kumimoji="1" lang="zh-TW" altLang="en-US" smtClean="0"/>
-              <a:t>2023/1/18</a:t>
+              <a:t>2023/1/19</a:t>
             </a:fld>
             <a:endParaRPr kumimoji="1" lang="zh-TW" altLang="en-US"/>
           </a:p>
@@ -860,7 +865,7 @@
           <a:p>
             <a:fld id="{E6B4921D-A753-CA47-8F9B-AC8DE863B4DA}" type="datetimeFigureOut">
               <a:rPr kumimoji="1" lang="zh-TW" altLang="en-US" smtClean="0"/>
-              <a:t>2023/1/18</a:t>
+              <a:t>2023/1/19</a:t>
             </a:fld>
             <a:endParaRPr kumimoji="1" lang="zh-TW" altLang="en-US"/>
           </a:p>
@@ -1135,7 +1140,7 @@
           <a:p>
             <a:fld id="{E6B4921D-A753-CA47-8F9B-AC8DE863B4DA}" type="datetimeFigureOut">
               <a:rPr kumimoji="1" lang="zh-TW" altLang="en-US" smtClean="0"/>
-              <a:t>2023/1/18</a:t>
+              <a:t>2023/1/19</a:t>
             </a:fld>
             <a:endParaRPr kumimoji="1" lang="zh-TW" altLang="en-US"/>
           </a:p>
@@ -1400,7 +1405,7 @@
           <a:p>
             <a:fld id="{E6B4921D-A753-CA47-8F9B-AC8DE863B4DA}" type="datetimeFigureOut">
               <a:rPr kumimoji="1" lang="zh-TW" altLang="en-US" smtClean="0"/>
-              <a:t>2023/1/18</a:t>
+              <a:t>2023/1/19</a:t>
             </a:fld>
             <a:endParaRPr kumimoji="1" lang="zh-TW" altLang="en-US"/>
           </a:p>
@@ -1812,7 +1817,7 @@
           <a:p>
             <a:fld id="{E6B4921D-A753-CA47-8F9B-AC8DE863B4DA}" type="datetimeFigureOut">
               <a:rPr kumimoji="1" lang="zh-TW" altLang="en-US" smtClean="0"/>
-              <a:t>2023/1/18</a:t>
+              <a:t>2023/1/19</a:t>
             </a:fld>
             <a:endParaRPr kumimoji="1" lang="zh-TW" altLang="en-US"/>
           </a:p>
@@ -1953,7 +1958,7 @@
           <a:p>
             <a:fld id="{E6B4921D-A753-CA47-8F9B-AC8DE863B4DA}" type="datetimeFigureOut">
               <a:rPr kumimoji="1" lang="zh-TW" altLang="en-US" smtClean="0"/>
-              <a:t>2023/1/18</a:t>
+              <a:t>2023/1/19</a:t>
             </a:fld>
             <a:endParaRPr kumimoji="1" lang="zh-TW" altLang="en-US"/>
           </a:p>
@@ -2066,7 +2071,7 @@
           <a:p>
             <a:fld id="{E6B4921D-A753-CA47-8F9B-AC8DE863B4DA}" type="datetimeFigureOut">
               <a:rPr kumimoji="1" lang="zh-TW" altLang="en-US" smtClean="0"/>
-              <a:t>2023/1/18</a:t>
+              <a:t>2023/1/19</a:t>
             </a:fld>
             <a:endParaRPr kumimoji="1" lang="zh-TW" altLang="en-US"/>
           </a:p>
@@ -2377,7 +2382,7 @@
           <a:p>
             <a:fld id="{E6B4921D-A753-CA47-8F9B-AC8DE863B4DA}" type="datetimeFigureOut">
               <a:rPr kumimoji="1" lang="zh-TW" altLang="en-US" smtClean="0"/>
-              <a:t>2023/1/18</a:t>
+              <a:t>2023/1/19</a:t>
             </a:fld>
             <a:endParaRPr kumimoji="1" lang="zh-TW" altLang="en-US"/>
           </a:p>
@@ -2665,7 +2670,7 @@
           <a:p>
             <a:fld id="{E6B4921D-A753-CA47-8F9B-AC8DE863B4DA}" type="datetimeFigureOut">
               <a:rPr kumimoji="1" lang="zh-TW" altLang="en-US" smtClean="0"/>
-              <a:t>2023/1/18</a:t>
+              <a:t>2023/1/19</a:t>
             </a:fld>
             <a:endParaRPr kumimoji="1" lang="zh-TW" altLang="en-US"/>
           </a:p>
@@ -2906,7 +2911,7 @@
           <a:p>
             <a:fld id="{E6B4921D-A753-CA47-8F9B-AC8DE863B4DA}" type="datetimeFigureOut">
               <a:rPr kumimoji="1" lang="zh-TW" altLang="en-US" smtClean="0"/>
-              <a:t>2023/1/18</a:t>
+              <a:t>2023/1/19</a:t>
             </a:fld>
             <a:endParaRPr kumimoji="1" lang="zh-TW" altLang="en-US"/>
           </a:p>
@@ -3462,13 +3467,18 @@
         </p:nvSpPr>
         <p:spPr>
           <a:xfrm>
-            <a:off x="8007485" y="1965947"/>
+            <a:off x="8099087" y="1965947"/>
             <a:ext cx="3043136" cy="3600986"/>
           </a:xfrm>
           <a:prstGeom prst="rect">
             <a:avLst/>
           </a:prstGeom>
           <a:noFill/>
+          <a:ln>
+            <a:solidFill>
+              <a:schemeClr val="tx1"/>
+            </a:solidFill>
+          </a:ln>
         </p:spPr>
         <p:txBody>
           <a:bodyPr wrap="square">

--- a/CBP專案/Liability API.pptx
+++ b/CBP專案/Liability API.pptx
@@ -6,8 +6,9 @@
   </p:sldMasterIdLst>
   <p:sldIdLst>
     <p:sldId id="256" r:id="rId2"/>
-    <p:sldId id="257" r:id="rId3"/>
-    <p:sldId id="258" r:id="rId4"/>
+    <p:sldId id="262" r:id="rId3"/>
+    <p:sldId id="261" r:id="rId4"/>
+    <p:sldId id="263" r:id="rId5"/>
   </p:sldIdLst>
   <p:sldSz cx="12192000" cy="6858000"/>
   <p:notesSz cx="6858000" cy="9144000"/>
@@ -261,7 +262,7 @@
           <a:p>
             <a:fld id="{E6B4921D-A753-CA47-8F9B-AC8DE863B4DA}" type="datetimeFigureOut">
               <a:rPr kumimoji="1" lang="zh-TW" altLang="en-US" smtClean="0"/>
-              <a:t>2023/1/19</a:t>
+              <a:t>2023/2/4</a:t>
             </a:fld>
             <a:endParaRPr kumimoji="1" lang="zh-TW" altLang="en-US"/>
           </a:p>
@@ -459,7 +460,7 @@
           <a:p>
             <a:fld id="{E6B4921D-A753-CA47-8F9B-AC8DE863B4DA}" type="datetimeFigureOut">
               <a:rPr kumimoji="1" lang="zh-TW" altLang="en-US" smtClean="0"/>
-              <a:t>2023/1/19</a:t>
+              <a:t>2023/2/4</a:t>
             </a:fld>
             <a:endParaRPr kumimoji="1" lang="zh-TW" altLang="en-US"/>
           </a:p>
@@ -667,7 +668,7 @@
           <a:p>
             <a:fld id="{E6B4921D-A753-CA47-8F9B-AC8DE863B4DA}" type="datetimeFigureOut">
               <a:rPr kumimoji="1" lang="zh-TW" altLang="en-US" smtClean="0"/>
-              <a:t>2023/1/19</a:t>
+              <a:t>2023/2/4</a:t>
             </a:fld>
             <a:endParaRPr kumimoji="1" lang="zh-TW" altLang="en-US"/>
           </a:p>
@@ -865,7 +866,7 @@
           <a:p>
             <a:fld id="{E6B4921D-A753-CA47-8F9B-AC8DE863B4DA}" type="datetimeFigureOut">
               <a:rPr kumimoji="1" lang="zh-TW" altLang="en-US" smtClean="0"/>
-              <a:t>2023/1/19</a:t>
+              <a:t>2023/2/4</a:t>
             </a:fld>
             <a:endParaRPr kumimoji="1" lang="zh-TW" altLang="en-US"/>
           </a:p>
@@ -1140,7 +1141,7 @@
           <a:p>
             <a:fld id="{E6B4921D-A753-CA47-8F9B-AC8DE863B4DA}" type="datetimeFigureOut">
               <a:rPr kumimoji="1" lang="zh-TW" altLang="en-US" smtClean="0"/>
-              <a:t>2023/1/19</a:t>
+              <a:t>2023/2/4</a:t>
             </a:fld>
             <a:endParaRPr kumimoji="1" lang="zh-TW" altLang="en-US"/>
           </a:p>
@@ -1405,7 +1406,7 @@
           <a:p>
             <a:fld id="{E6B4921D-A753-CA47-8F9B-AC8DE863B4DA}" type="datetimeFigureOut">
               <a:rPr kumimoji="1" lang="zh-TW" altLang="en-US" smtClean="0"/>
-              <a:t>2023/1/19</a:t>
+              <a:t>2023/2/4</a:t>
             </a:fld>
             <a:endParaRPr kumimoji="1" lang="zh-TW" altLang="en-US"/>
           </a:p>
@@ -1817,7 +1818,7 @@
           <a:p>
             <a:fld id="{E6B4921D-A753-CA47-8F9B-AC8DE863B4DA}" type="datetimeFigureOut">
               <a:rPr kumimoji="1" lang="zh-TW" altLang="en-US" smtClean="0"/>
-              <a:t>2023/1/19</a:t>
+              <a:t>2023/2/4</a:t>
             </a:fld>
             <a:endParaRPr kumimoji="1" lang="zh-TW" altLang="en-US"/>
           </a:p>
@@ -1958,7 +1959,7 @@
           <a:p>
             <a:fld id="{E6B4921D-A753-CA47-8F9B-AC8DE863B4DA}" type="datetimeFigureOut">
               <a:rPr kumimoji="1" lang="zh-TW" altLang="en-US" smtClean="0"/>
-              <a:t>2023/1/19</a:t>
+              <a:t>2023/2/4</a:t>
             </a:fld>
             <a:endParaRPr kumimoji="1" lang="zh-TW" altLang="en-US"/>
           </a:p>
@@ -2071,7 +2072,7 @@
           <a:p>
             <a:fld id="{E6B4921D-A753-CA47-8F9B-AC8DE863B4DA}" type="datetimeFigureOut">
               <a:rPr kumimoji="1" lang="zh-TW" altLang="en-US" smtClean="0"/>
-              <a:t>2023/1/19</a:t>
+              <a:t>2023/2/4</a:t>
             </a:fld>
             <a:endParaRPr kumimoji="1" lang="zh-TW" altLang="en-US"/>
           </a:p>
@@ -2382,7 +2383,7 @@
           <a:p>
             <a:fld id="{E6B4921D-A753-CA47-8F9B-AC8DE863B4DA}" type="datetimeFigureOut">
               <a:rPr kumimoji="1" lang="zh-TW" altLang="en-US" smtClean="0"/>
-              <a:t>2023/1/19</a:t>
+              <a:t>2023/2/4</a:t>
             </a:fld>
             <a:endParaRPr kumimoji="1" lang="zh-TW" altLang="en-US"/>
           </a:p>
@@ -2670,7 +2671,7 @@
           <a:p>
             <a:fld id="{E6B4921D-A753-CA47-8F9B-AC8DE863B4DA}" type="datetimeFigureOut">
               <a:rPr kumimoji="1" lang="zh-TW" altLang="en-US" smtClean="0"/>
-              <a:t>2023/1/19</a:t>
+              <a:t>2023/2/4</a:t>
             </a:fld>
             <a:endParaRPr kumimoji="1" lang="zh-TW" altLang="en-US"/>
           </a:p>
@@ -2911,7 +2912,7 @@
           <a:p>
             <a:fld id="{E6B4921D-A753-CA47-8F9B-AC8DE863B4DA}" type="datetimeFigureOut">
               <a:rPr kumimoji="1" lang="zh-TW" altLang="en-US" smtClean="0"/>
-              <a:t>2023/1/19</a:t>
+              <a:t>2023/2/4</a:t>
             </a:fld>
             <a:endParaRPr kumimoji="1" lang="zh-TW" altLang="en-US"/>
           </a:p>
@@ -3349,7 +3350,15 @@
           <a:bodyPr/>
           <a:lstStyle/>
           <a:p>
-            <a:endParaRPr kumimoji="1" lang="zh-TW" altLang="en-US"/>
+            <a:r>
+              <a:rPr kumimoji="1" lang="en-US" altLang="zh-TW" dirty="0">
+                <a:latin typeface="Consolas" panose="020B0609020204030204" pitchFamily="49" charset="0"/>
+              </a:rPr>
+              <a:t>Liability API</a:t>
+            </a:r>
+            <a:endParaRPr kumimoji="1" lang="zh-TW" altLang="en-US" dirty="0">
+              <a:latin typeface="Consolas" panose="020B0609020204030204" pitchFamily="49" charset="0"/>
+            </a:endParaRPr>
           </a:p>
         </p:txBody>
       </p:sp>
@@ -3374,7 +3383,7 @@
           <a:bodyPr/>
           <a:lstStyle/>
           <a:p>
-            <a:endParaRPr kumimoji="1" lang="zh-TW" altLang="en-US"/>
+            <a:endParaRPr kumimoji="1" lang="zh-TW" altLang="en-US" dirty="0"/>
           </a:p>
         </p:txBody>
       </p:sp>
@@ -3424,7 +3433,12 @@
             <p:ph type="title"/>
           </p:nvPr>
         </p:nvSpPr>
-        <p:spPr/>
+        <p:spPr>
+          <a:xfrm>
+            <a:off x="-61370" y="-224911"/>
+            <a:ext cx="10515600" cy="1325563"/>
+          </a:xfrm>
+        </p:spPr>
         <p:txBody>
           <a:bodyPr/>
           <a:lstStyle/>
@@ -3453,12 +3467,42 @@
           </a:p>
         </p:txBody>
       </p:sp>
-      <p:sp>
-        <p:nvSpPr>
-          <p:cNvPr id="5" name="文字方塊 4">
-            <a:extLst>
-              <a:ext uri="{FF2B5EF4-FFF2-40B4-BE49-F238E27FC236}">
-                <a16:creationId xmlns:a16="http://schemas.microsoft.com/office/drawing/2014/main" id="{A1016D32-42EC-0E0F-1DA7-98E65F064155}"/>
+      <p:pic>
+        <p:nvPicPr>
+          <p:cNvPr id="8" name="圖片 7">
+            <a:extLst>
+              <a:ext uri="{FF2B5EF4-FFF2-40B4-BE49-F238E27FC236}">
+                <a16:creationId xmlns:a16="http://schemas.microsoft.com/office/drawing/2014/main" id="{07B75AC9-F65B-4599-8209-E202EED3CDC9}"/>
+              </a:ext>
+            </a:extLst>
+          </p:cNvPr>
+          <p:cNvPicPr>
+            <a:picLocks noChangeAspect="1"/>
+          </p:cNvPicPr>
+          <p:nvPr/>
+        </p:nvPicPr>
+        <p:blipFill>
+          <a:blip r:embed="rId2"/>
+          <a:stretch>
+            <a:fillRect/>
+          </a:stretch>
+        </p:blipFill>
+        <p:spPr>
+          <a:xfrm>
+            <a:off x="360620" y="890740"/>
+            <a:ext cx="6951952" cy="2787552"/>
+          </a:xfrm>
+          <a:prstGeom prst="rect">
+            <a:avLst/>
+          </a:prstGeom>
+        </p:spPr>
+      </p:pic>
+      <p:sp>
+        <p:nvSpPr>
+          <p:cNvPr id="20" name="文字方塊 19">
+            <a:extLst>
+              <a:ext uri="{FF2B5EF4-FFF2-40B4-BE49-F238E27FC236}">
+                <a16:creationId xmlns:a16="http://schemas.microsoft.com/office/drawing/2014/main" id="{47B4458A-66D7-44C9-9909-EB95CDC02608}"/>
               </a:ext>
             </a:extLst>
           </p:cNvPr>
@@ -3467,8 +3511,8 @@
         </p:nvSpPr>
         <p:spPr>
           <a:xfrm>
-            <a:off x="8099087" y="1965947"/>
-            <a:ext cx="3043136" cy="3600986"/>
+            <a:off x="939801" y="3886040"/>
+            <a:ext cx="5633936" cy="461665"/>
           </a:xfrm>
           <a:prstGeom prst="rect">
             <a:avLst/>
@@ -3491,8 +3535,19 @@
                 <a:latin typeface="Consolas" panose="020B0609020204030204" pitchFamily="49" charset="0"/>
                 <a:cs typeface="Consolas" panose="020B0609020204030204" pitchFamily="49" charset="0"/>
               </a:rPr>
-              <a:t>[</a:t>
-            </a:r>
+              <a:t>Method: </a:t>
+            </a:r>
+            <a:r>
+              <a:rPr lang="en-US" altLang="zh-TW" sz="1200" dirty="0">
+                <a:latin typeface="Consolas" panose="020B0609020204030204" pitchFamily="49" charset="0"/>
+                <a:cs typeface="Consolas" panose="020B0609020204030204" pitchFamily="49" charset="0"/>
+              </a:rPr>
+              <a:t>GET</a:t>
+            </a:r>
+            <a:endParaRPr lang="zh-TW" altLang="en-US" sz="1200" dirty="0">
+              <a:latin typeface="Consolas" panose="020B0609020204030204" pitchFamily="49" charset="0"/>
+              <a:cs typeface="Consolas" panose="020B0609020204030204" pitchFamily="49" charset="0"/>
+            </a:endParaRPr>
           </a:p>
           <a:p>
             <a:r>
@@ -3500,265 +3555,226 @@
                 <a:latin typeface="Consolas" panose="020B0609020204030204" pitchFamily="49" charset="0"/>
                 <a:cs typeface="Consolas" panose="020B0609020204030204" pitchFamily="49" charset="0"/>
               </a:rPr>
-              <a:t>  {</a:t>
-            </a:r>
-          </a:p>
-          <a:p>
+              <a:t>URL:</a:t>
+            </a:r>
+            <a:r>
+              <a:rPr lang="en-US" altLang="zh-TW" sz="1200" dirty="0">
+                <a:latin typeface="Consolas" panose="020B0609020204030204" pitchFamily="49" charset="0"/>
+                <a:cs typeface="Consolas" panose="020B0609020204030204" pitchFamily="49" charset="0"/>
+              </a:rPr>
+              <a:t> </a:t>
+            </a:r>
             <a:r>
               <a:rPr lang="zh-TW" altLang="en-US" sz="1200" dirty="0">
                 <a:latin typeface="Consolas" panose="020B0609020204030204" pitchFamily="49" charset="0"/>
                 <a:cs typeface="Consolas" panose="020B0609020204030204" pitchFamily="49" charset="0"/>
-              </a:rPr>
-              <a:t>    "WorkTitle": "Construction",</a:t>
-            </a:r>
-          </a:p>
-          <a:p>
-            <a:r>
-              <a:rPr lang="zh-TW" altLang="en-US" sz="1200" dirty="0">
-                <a:latin typeface="Consolas" panose="020B0609020204030204" pitchFamily="49" charset="0"/>
-                <a:cs typeface="Consolas" panose="020B0609020204030204" pitchFamily="49" charset="0"/>
-              </a:rPr>
-              <a:t>    "LBRatio": 7.1428571429,</a:t>
-            </a:r>
-          </a:p>
-          <a:p>
-            <a:r>
-              <a:rPr lang="zh-TW" altLang="en-US" sz="1200" dirty="0">
-                <a:latin typeface="Consolas" panose="020B0609020204030204" pitchFamily="49" charset="0"/>
-                <a:cs typeface="Consolas" panose="020B0609020204030204" pitchFamily="49" charset="0"/>
-              </a:rPr>
-              <a:t>    "BillMilestone": "BM9a",</a:t>
-            </a:r>
-          </a:p>
-          <a:p>
-            <a:r>
-              <a:rPr lang="zh-TW" altLang="en-US" sz="1200" dirty="0">
-                <a:latin typeface="Consolas" panose="020B0609020204030204" pitchFamily="49" charset="0"/>
-                <a:cs typeface="Consolas" panose="020B0609020204030204" pitchFamily="49" charset="0"/>
-              </a:rPr>
-              <a:t>    "SubmarineCable": "SJC2",</a:t>
-            </a:r>
-          </a:p>
-          <a:p>
-            <a:r>
-              <a:rPr lang="zh-TW" altLang="en-US" sz="1200" dirty="0">
-                <a:latin typeface="Consolas" panose="020B0609020204030204" pitchFamily="49" charset="0"/>
-                <a:cs typeface="Consolas" panose="020B0609020204030204" pitchFamily="49" charset="0"/>
-              </a:rPr>
-              <a:t>    "PartyName": "CHT"</a:t>
-            </a:r>
-          </a:p>
-          <a:p>
-            <a:r>
-              <a:rPr lang="zh-TW" altLang="en-US" sz="1200" dirty="0">
-                <a:latin typeface="Consolas" panose="020B0609020204030204" pitchFamily="49" charset="0"/>
-                <a:cs typeface="Consolas" panose="020B0609020204030204" pitchFamily="49" charset="0"/>
-              </a:rPr>
-              <a:t>  },</a:t>
-            </a:r>
-          </a:p>
-          <a:p>
-            <a:r>
-              <a:rPr lang="zh-TW" altLang="en-US" sz="1200" dirty="0">
-                <a:latin typeface="Consolas" panose="020B0609020204030204" pitchFamily="49" charset="0"/>
-                <a:cs typeface="Consolas" panose="020B0609020204030204" pitchFamily="49" charset="0"/>
-              </a:rPr>
-              <a:t>  {</a:t>
-            </a:r>
-          </a:p>
-          <a:p>
-            <a:r>
-              <a:rPr lang="zh-TW" altLang="en-US" sz="1200" dirty="0">
-                <a:latin typeface="Consolas" panose="020B0609020204030204" pitchFamily="49" charset="0"/>
-                <a:cs typeface="Consolas" panose="020B0609020204030204" pitchFamily="49" charset="0"/>
-              </a:rPr>
-              <a:t>    "WorkTitle": "Construction",</a:t>
-            </a:r>
-          </a:p>
-          <a:p>
-            <a:r>
-              <a:rPr lang="zh-TW" altLang="en-US" sz="1200" dirty="0">
-                <a:latin typeface="Consolas" panose="020B0609020204030204" pitchFamily="49" charset="0"/>
-                <a:cs typeface="Consolas" panose="020B0609020204030204" pitchFamily="49" charset="0"/>
-              </a:rPr>
-              <a:t>    "LBRatio": 7.1428571429,</a:t>
-            </a:r>
-          </a:p>
-          <a:p>
-            <a:r>
-              <a:rPr lang="zh-TW" altLang="en-US" sz="1200" dirty="0">
-                <a:latin typeface="Consolas" panose="020B0609020204030204" pitchFamily="49" charset="0"/>
-                <a:cs typeface="Consolas" panose="020B0609020204030204" pitchFamily="49" charset="0"/>
-              </a:rPr>
-              <a:t>    "BillMilestone": "BM12",</a:t>
-            </a:r>
-          </a:p>
-          <a:p>
-            <a:r>
-              <a:rPr lang="zh-TW" altLang="en-US" sz="1200" dirty="0">
-                <a:latin typeface="Consolas" panose="020B0609020204030204" pitchFamily="49" charset="0"/>
-                <a:cs typeface="Consolas" panose="020B0609020204030204" pitchFamily="49" charset="0"/>
-              </a:rPr>
-              <a:t>    "SubmarineCable": "SJC2",</a:t>
-            </a:r>
-          </a:p>
-          <a:p>
-            <a:r>
-              <a:rPr lang="zh-TW" altLang="en-US" sz="1200" dirty="0">
-                <a:latin typeface="Consolas" panose="020B0609020204030204" pitchFamily="49" charset="0"/>
-                <a:cs typeface="Consolas" panose="020B0609020204030204" pitchFamily="49" charset="0"/>
-              </a:rPr>
-              <a:t>    "PartyName": "CHT"</a:t>
-            </a:r>
-          </a:p>
-          <a:p>
-            <a:r>
-              <a:rPr lang="zh-TW" altLang="en-US" sz="1200" dirty="0">
-                <a:latin typeface="Consolas" panose="020B0609020204030204" pitchFamily="49" charset="0"/>
-                <a:cs typeface="Consolas" panose="020B0609020204030204" pitchFamily="49" charset="0"/>
-              </a:rPr>
-              <a:t>  },</a:t>
-            </a:r>
-          </a:p>
-          <a:p>
-            <a:r>
-              <a:rPr lang="zh-TW" altLang="en-US" sz="1200" dirty="0">
-                <a:latin typeface="Consolas" panose="020B0609020204030204" pitchFamily="49" charset="0"/>
-                <a:cs typeface="Consolas" panose="020B0609020204030204" pitchFamily="49" charset="0"/>
-              </a:rPr>
-              <a:t>  {...},</a:t>
-            </a:r>
-          </a:p>
-          <a:p>
-            <a:r>
-              <a:rPr lang="zh-TW" altLang="en-US" sz="1200" dirty="0">
-                <a:latin typeface="Consolas" panose="020B0609020204030204" pitchFamily="49" charset="0"/>
-                <a:cs typeface="Consolas" panose="020B0609020204030204" pitchFamily="49" charset="0"/>
-              </a:rPr>
-              <a:t>  {...},</a:t>
-            </a:r>
-          </a:p>
-          <a:p>
-            <a:r>
-              <a:rPr lang="zh-TW" altLang="en-US" sz="1200" dirty="0">
-                <a:latin typeface="Consolas" panose="020B0609020204030204" pitchFamily="49" charset="0"/>
-                <a:cs typeface="Consolas" panose="020B0609020204030204" pitchFamily="49" charset="0"/>
-              </a:rPr>
-              <a:t>  {...}</a:t>
-            </a:r>
-          </a:p>
-          <a:p>
-            <a:r>
-              <a:rPr lang="zh-TW" altLang="en-US" sz="1200" dirty="0">
-                <a:latin typeface="Consolas" panose="020B0609020204030204" pitchFamily="49" charset="0"/>
-                <a:cs typeface="Consolas" panose="020B0609020204030204" pitchFamily="49" charset="0"/>
-              </a:rPr>
-              <a:t>]</a:t>
-            </a:r>
-          </a:p>
-        </p:txBody>
-      </p:sp>
-      <p:sp>
-        <p:nvSpPr>
-          <p:cNvPr id="7" name="文字方塊 6">
-            <a:extLst>
-              <a:ext uri="{FF2B5EF4-FFF2-40B4-BE49-F238E27FC236}">
-                <a16:creationId xmlns:a16="http://schemas.microsoft.com/office/drawing/2014/main" id="{3CF2A71B-0A2B-138D-A063-460C85CB5EAC}"/>
-              </a:ext>
-            </a:extLst>
-          </p:cNvPr>
-          <p:cNvSpPr txBox="1"/>
+                <a:hlinkClick r:id="rId3"/>
+              </a:rPr>
+              <a:t>http://127.0.0.1:8000/api/v1/</a:t>
+            </a:r>
+            <a:r>
+              <a:rPr lang="en-US" altLang="zh-TW" sz="1200" dirty="0" err="1">
+                <a:latin typeface="Consolas" panose="020B0609020204030204" pitchFamily="49" charset="0"/>
+                <a:cs typeface="Consolas" panose="020B0609020204030204" pitchFamily="49" charset="0"/>
+                <a:hlinkClick r:id="rId3"/>
+              </a:rPr>
+              <a:t>SubmarineCables</a:t>
+            </a:r>
+            <a:r>
+              <a:rPr lang="en-US" altLang="zh-TW" sz="1200" dirty="0">
+                <a:latin typeface="Consolas" panose="020B0609020204030204" pitchFamily="49" charset="0"/>
+                <a:cs typeface="Consolas" panose="020B0609020204030204" pitchFamily="49" charset="0"/>
+                <a:hlinkClick r:id="rId3"/>
+              </a:rPr>
+              <a:t>/all</a:t>
+            </a:r>
+            <a:endParaRPr lang="en-US" altLang="zh-TW" sz="1200" dirty="0">
+              <a:latin typeface="Consolas" panose="020B0609020204030204" pitchFamily="49" charset="0"/>
+              <a:cs typeface="Consolas" panose="020B0609020204030204" pitchFamily="49" charset="0"/>
+            </a:endParaRPr>
+          </a:p>
+        </p:txBody>
+      </p:sp>
+      <p:sp>
+        <p:nvSpPr>
+          <p:cNvPr id="21" name="矩形 20">
+            <a:extLst>
+              <a:ext uri="{FF2B5EF4-FFF2-40B4-BE49-F238E27FC236}">
+                <a16:creationId xmlns:a16="http://schemas.microsoft.com/office/drawing/2014/main" id="{BCE0E014-F526-4526-B079-85EBBDE302CC}"/>
+              </a:ext>
+            </a:extLst>
+          </p:cNvPr>
+          <p:cNvSpPr/>
           <p:nvPr/>
         </p:nvSpPr>
         <p:spPr>
           <a:xfrm>
-            <a:off x="838200" y="5566933"/>
-            <a:ext cx="4657928" cy="646331"/>
+            <a:off x="3013768" y="1671846"/>
+            <a:ext cx="1748732" cy="271254"/>
           </a:xfrm>
           <a:prstGeom prst="rect">
             <a:avLst/>
           </a:prstGeom>
           <a:noFill/>
+          <a:ln>
+            <a:solidFill>
+              <a:srgbClr val="FF0000"/>
+            </a:solidFill>
+          </a:ln>
         </p:spPr>
-        <p:txBody>
-          <a:bodyPr wrap="square">
-            <a:spAutoFit/>
-          </a:bodyPr>
-          <a:lstStyle/>
-          <a:p>
-            <a:r>
-              <a:rPr lang="zh-TW" altLang="en-US" sz="1200" dirty="0">
-                <a:latin typeface="Consolas" panose="020B0609020204030204" pitchFamily="49" charset="0"/>
-                <a:cs typeface="Consolas" panose="020B0609020204030204" pitchFamily="49" charset="0"/>
-              </a:rPr>
-              <a:t>Method: POST</a:t>
-            </a:r>
-          </a:p>
-          <a:p>
-            <a:r>
-              <a:rPr lang="zh-TW" altLang="en-US" sz="1200" dirty="0">
-                <a:latin typeface="Consolas" panose="020B0609020204030204" pitchFamily="49" charset="0"/>
-                <a:cs typeface="Consolas" panose="020B0609020204030204" pitchFamily="49" charset="0"/>
-              </a:rPr>
-              <a:t>URL:</a:t>
-            </a:r>
-            <a:r>
-              <a:rPr lang="en-US" altLang="zh-TW" sz="1200" dirty="0">
-                <a:latin typeface="Consolas" panose="020B0609020204030204" pitchFamily="49" charset="0"/>
-                <a:cs typeface="Consolas" panose="020B0609020204030204" pitchFamily="49" charset="0"/>
-              </a:rPr>
-              <a:t> </a:t>
-            </a:r>
-            <a:r>
-              <a:rPr lang="zh-TW" altLang="en-US" sz="1200" dirty="0">
-                <a:latin typeface="Consolas" panose="020B0609020204030204" pitchFamily="49" charset="0"/>
-                <a:cs typeface="Consolas" panose="020B0609020204030204" pitchFamily="49" charset="0"/>
-                <a:hlinkClick r:id="rId2"/>
-              </a:rPr>
-              <a:t>http://127.0.0.1:8000/api/v1/</a:t>
-            </a:r>
-            <a:r>
-              <a:rPr lang="en" altLang="zh-TW" sz="1200" dirty="0">
-                <a:latin typeface="Consolas" panose="020B0609020204030204" pitchFamily="49" charset="0"/>
-                <a:cs typeface="Consolas" panose="020B0609020204030204" pitchFamily="49" charset="0"/>
-                <a:hlinkClick r:id="rId2"/>
-              </a:rPr>
-              <a:t>batchAddLiability</a:t>
-            </a:r>
-            <a:endParaRPr lang="en" altLang="zh-TW" sz="1200" dirty="0">
-              <a:latin typeface="Consolas" panose="020B0609020204030204" pitchFamily="49" charset="0"/>
-              <a:cs typeface="Consolas" panose="020B0609020204030204" pitchFamily="49" charset="0"/>
-            </a:endParaRPr>
-          </a:p>
-          <a:p>
-            <a:endParaRPr lang="en-US" altLang="zh-TW" sz="1200" dirty="0">
-              <a:latin typeface="Consolas" panose="020B0609020204030204" pitchFamily="49" charset="0"/>
-              <a:cs typeface="Consolas" panose="020B0609020204030204" pitchFamily="49" charset="0"/>
-            </a:endParaRPr>
-          </a:p>
-        </p:txBody>
-      </p:sp>
-      <p:sp>
-        <p:nvSpPr>
-          <p:cNvPr id="8" name="文字方塊 7">
-            <a:extLst>
-              <a:ext uri="{FF2B5EF4-FFF2-40B4-BE49-F238E27FC236}">
-                <a16:creationId xmlns:a16="http://schemas.microsoft.com/office/drawing/2014/main" id="{9A529C31-6975-47D1-536D-DF82BC9B50B4}"/>
-              </a:ext>
-            </a:extLst>
-          </p:cNvPr>
-          <p:cNvSpPr txBox="1"/>
+        <p:style>
+          <a:lnRef idx="2">
+            <a:schemeClr val="accent1">
+              <a:shade val="50000"/>
+            </a:schemeClr>
+          </a:lnRef>
+          <a:fillRef idx="1">
+            <a:schemeClr val="accent1"/>
+          </a:fillRef>
+          <a:effectRef idx="0">
+            <a:schemeClr val="accent1"/>
+          </a:effectRef>
+          <a:fontRef idx="minor">
+            <a:schemeClr val="lt1"/>
+          </a:fontRef>
+        </p:style>
+        <p:txBody>
+          <a:bodyPr rtlCol="0" anchor="ctr"/>
+          <a:lstStyle/>
+          <a:p>
+            <a:pPr algn="ctr"/>
+            <a:endParaRPr lang="zh-TW" altLang="en-US"/>
+          </a:p>
+        </p:txBody>
+      </p:sp>
+      <p:cxnSp>
+        <p:nvCxnSpPr>
+          <p:cNvPr id="11" name="接點: 肘形 10">
+            <a:extLst>
+              <a:ext uri="{FF2B5EF4-FFF2-40B4-BE49-F238E27FC236}">
+                <a16:creationId xmlns:a16="http://schemas.microsoft.com/office/drawing/2014/main" id="{717CAFAB-7D96-4DCC-BAD1-90CB5E5E445B}"/>
+              </a:ext>
+            </a:extLst>
+          </p:cNvPr>
+          <p:cNvCxnSpPr>
+            <a:cxnSpLocks/>
+            <a:stCxn id="21" idx="1"/>
+            <a:endCxn id="20" idx="3"/>
+          </p:cNvCxnSpPr>
+          <p:nvPr/>
+        </p:nvCxnSpPr>
+        <p:spPr>
+          <a:xfrm rot="10800000" flipH="1" flipV="1">
+            <a:off x="3013767" y="1807473"/>
+            <a:ext cx="3559969" cy="2309400"/>
+          </a:xfrm>
+          <a:prstGeom prst="bentConnector5">
+            <a:avLst>
+              <a:gd name="adj1" fmla="val -2318"/>
+              <a:gd name="adj2" fmla="val 65097"/>
+              <a:gd name="adj3" fmla="val 104495"/>
+            </a:avLst>
+          </a:prstGeom>
+          <a:ln>
+            <a:solidFill>
+              <a:srgbClr val="FF0000"/>
+            </a:solidFill>
+            <a:tailEnd type="triangle"/>
+          </a:ln>
+        </p:spPr>
+        <p:style>
+          <a:lnRef idx="1">
+            <a:schemeClr val="accent1"/>
+          </a:lnRef>
+          <a:fillRef idx="0">
+            <a:schemeClr val="accent1"/>
+          </a:fillRef>
+          <a:effectRef idx="0">
+            <a:schemeClr val="accent1"/>
+          </a:effectRef>
+          <a:fontRef idx="minor">
+            <a:schemeClr val="tx1"/>
+          </a:fontRef>
+        </p:style>
+      </p:cxnSp>
+      <p:sp>
+        <p:nvSpPr>
+          <p:cNvPr id="25" name="矩形 24">
+            <a:extLst>
+              <a:ext uri="{FF2B5EF4-FFF2-40B4-BE49-F238E27FC236}">
+                <a16:creationId xmlns:a16="http://schemas.microsoft.com/office/drawing/2014/main" id="{4F0C06A0-1F28-44C1-AA5F-F7DDD31CAC23}"/>
+              </a:ext>
+            </a:extLst>
+          </p:cNvPr>
+          <p:cNvSpPr/>
           <p:nvPr/>
         </p:nvSpPr>
         <p:spPr>
           <a:xfrm>
-            <a:off x="8007485" y="1596615"/>
-            <a:ext cx="1613170" cy="369332"/>
+            <a:off x="3013768" y="1991633"/>
+            <a:ext cx="3559969" cy="227061"/>
           </a:xfrm>
           <a:prstGeom prst="rect">
             <a:avLst/>
           </a:prstGeom>
           <a:noFill/>
+          <a:ln>
+            <a:solidFill>
+              <a:srgbClr val="FF0000"/>
+            </a:solidFill>
+          </a:ln>
+        </p:spPr>
+        <p:style>
+          <a:lnRef idx="2">
+            <a:schemeClr val="accent1">
+              <a:shade val="50000"/>
+            </a:schemeClr>
+          </a:lnRef>
+          <a:fillRef idx="1">
+            <a:schemeClr val="accent1"/>
+          </a:fillRef>
+          <a:effectRef idx="0">
+            <a:schemeClr val="accent1"/>
+          </a:effectRef>
+          <a:fontRef idx="minor">
+            <a:schemeClr val="lt1"/>
+          </a:fontRef>
+        </p:style>
+        <p:txBody>
+          <a:bodyPr rtlCol="0" anchor="ctr"/>
+          <a:lstStyle/>
+          <a:p>
+            <a:pPr algn="ctr"/>
+            <a:endParaRPr lang="zh-TW" altLang="en-US"/>
+          </a:p>
+        </p:txBody>
+      </p:sp>
+      <p:sp>
+        <p:nvSpPr>
+          <p:cNvPr id="26" name="文字方塊 25">
+            <a:extLst>
+              <a:ext uri="{FF2B5EF4-FFF2-40B4-BE49-F238E27FC236}">
+                <a16:creationId xmlns:a16="http://schemas.microsoft.com/office/drawing/2014/main" id="{F4C01479-2668-42D4-9858-7290C8FBE04E}"/>
+              </a:ext>
+            </a:extLst>
+          </p:cNvPr>
+          <p:cNvSpPr txBox="1"/>
+          <p:nvPr/>
+        </p:nvSpPr>
+        <p:spPr>
+          <a:xfrm>
+            <a:off x="952501" y="4441282"/>
+            <a:ext cx="5633936" cy="461665"/>
+          </a:xfrm>
+          <a:prstGeom prst="rect">
+            <a:avLst/>
+          </a:prstGeom>
+          <a:noFill/>
+          <a:ln>
+            <a:solidFill>
+              <a:schemeClr val="tx1"/>
+            </a:solidFill>
+          </a:ln>
         </p:spPr>
         <p:txBody>
           <a:bodyPr wrap="square">
@@ -3767,11 +3783,1335 @@
           <a:lstStyle/>
           <a:p>
             <a:r>
-              <a:rPr lang="zh-TW" altLang="en-US" dirty="0">
-                <a:latin typeface="Consolas" panose="020B0609020204030204" pitchFamily="49" charset="0"/>
-                <a:cs typeface="Consolas" panose="020B0609020204030204" pitchFamily="49" charset="0"/>
-              </a:rPr>
-              <a:t>POST Body</a:t>
+              <a:rPr lang="zh-TW" altLang="en-US" sz="1200" dirty="0">
+                <a:latin typeface="Consolas" panose="020B0609020204030204" pitchFamily="49" charset="0"/>
+                <a:cs typeface="Consolas" panose="020B0609020204030204" pitchFamily="49" charset="0"/>
+              </a:rPr>
+              <a:t>Method: </a:t>
+            </a:r>
+            <a:r>
+              <a:rPr lang="en-US" altLang="zh-TW" sz="1200" dirty="0">
+                <a:latin typeface="Consolas" panose="020B0609020204030204" pitchFamily="49" charset="0"/>
+                <a:cs typeface="Consolas" panose="020B0609020204030204" pitchFamily="49" charset="0"/>
+              </a:rPr>
+              <a:t>GET</a:t>
+            </a:r>
+            <a:endParaRPr lang="zh-TW" altLang="en-US" sz="1200" dirty="0">
+              <a:latin typeface="Consolas" panose="020B0609020204030204" pitchFamily="49" charset="0"/>
+              <a:cs typeface="Consolas" panose="020B0609020204030204" pitchFamily="49" charset="0"/>
+            </a:endParaRPr>
+          </a:p>
+          <a:p>
+            <a:r>
+              <a:rPr lang="zh-TW" altLang="en-US" sz="1200" dirty="0">
+                <a:latin typeface="Consolas" panose="020B0609020204030204" pitchFamily="49" charset="0"/>
+                <a:cs typeface="Consolas" panose="020B0609020204030204" pitchFamily="49" charset="0"/>
+              </a:rPr>
+              <a:t>URL:</a:t>
+            </a:r>
+            <a:r>
+              <a:rPr lang="en-US" altLang="zh-TW" sz="1200" dirty="0">
+                <a:latin typeface="Consolas" panose="020B0609020204030204" pitchFamily="49" charset="0"/>
+                <a:cs typeface="Consolas" panose="020B0609020204030204" pitchFamily="49" charset="0"/>
+              </a:rPr>
+              <a:t> </a:t>
+            </a:r>
+            <a:r>
+              <a:rPr lang="zh-TW" altLang="en-US" sz="1200" dirty="0">
+                <a:latin typeface="Consolas" panose="020B0609020204030204" pitchFamily="49" charset="0"/>
+                <a:cs typeface="Consolas" panose="020B0609020204030204" pitchFamily="49" charset="0"/>
+                <a:hlinkClick r:id="rId4"/>
+              </a:rPr>
+              <a:t>http://127.0.0.1:8000/api/v1/</a:t>
+            </a:r>
+            <a:r>
+              <a:rPr lang="en-US" altLang="zh-TW" sz="1200" dirty="0">
+                <a:latin typeface="Consolas" panose="020B0609020204030204" pitchFamily="49" charset="0"/>
+                <a:cs typeface="Consolas" panose="020B0609020204030204" pitchFamily="49" charset="0"/>
+                <a:hlinkClick r:id="rId4"/>
+              </a:rPr>
+              <a:t>Parties/all</a:t>
+            </a:r>
+            <a:endParaRPr lang="en-US" altLang="zh-TW" sz="1200" dirty="0">
+              <a:latin typeface="Consolas" panose="020B0609020204030204" pitchFamily="49" charset="0"/>
+              <a:cs typeface="Consolas" panose="020B0609020204030204" pitchFamily="49" charset="0"/>
+            </a:endParaRPr>
+          </a:p>
+        </p:txBody>
+      </p:sp>
+      <p:cxnSp>
+        <p:nvCxnSpPr>
+          <p:cNvPr id="30" name="接點: 肘形 29">
+            <a:extLst>
+              <a:ext uri="{FF2B5EF4-FFF2-40B4-BE49-F238E27FC236}">
+                <a16:creationId xmlns:a16="http://schemas.microsoft.com/office/drawing/2014/main" id="{5DE79A80-8EAE-4CB9-A626-0D403A02F2AB}"/>
+              </a:ext>
+            </a:extLst>
+          </p:cNvPr>
+          <p:cNvCxnSpPr>
+            <a:cxnSpLocks/>
+            <a:stCxn id="25" idx="3"/>
+            <a:endCxn id="26" idx="3"/>
+          </p:cNvCxnSpPr>
+          <p:nvPr/>
+        </p:nvCxnSpPr>
+        <p:spPr>
+          <a:xfrm>
+            <a:off x="6573737" y="2105164"/>
+            <a:ext cx="12700" cy="2566951"/>
+          </a:xfrm>
+          <a:prstGeom prst="bentConnector3">
+            <a:avLst>
+              <a:gd name="adj1" fmla="val 3640000"/>
+            </a:avLst>
+          </a:prstGeom>
+          <a:ln>
+            <a:solidFill>
+              <a:srgbClr val="FF0000"/>
+            </a:solidFill>
+            <a:tailEnd type="triangle"/>
+          </a:ln>
+        </p:spPr>
+        <p:style>
+          <a:lnRef idx="1">
+            <a:schemeClr val="accent1"/>
+          </a:lnRef>
+          <a:fillRef idx="0">
+            <a:schemeClr val="accent1"/>
+          </a:fillRef>
+          <a:effectRef idx="0">
+            <a:schemeClr val="accent1"/>
+          </a:effectRef>
+          <a:fontRef idx="minor">
+            <a:schemeClr val="tx1"/>
+          </a:fontRef>
+        </p:style>
+      </p:cxnSp>
+      <p:sp>
+        <p:nvSpPr>
+          <p:cNvPr id="36" name="文字方塊 35">
+            <a:extLst>
+              <a:ext uri="{FF2B5EF4-FFF2-40B4-BE49-F238E27FC236}">
+                <a16:creationId xmlns:a16="http://schemas.microsoft.com/office/drawing/2014/main" id="{B08FC477-463C-472F-9273-B7E95150E677}"/>
+              </a:ext>
+            </a:extLst>
+          </p:cNvPr>
+          <p:cNvSpPr txBox="1"/>
+          <p:nvPr/>
+        </p:nvSpPr>
+        <p:spPr>
+          <a:xfrm>
+            <a:off x="939800" y="7861332"/>
+            <a:ext cx="5633936" cy="461665"/>
+          </a:xfrm>
+          <a:prstGeom prst="rect">
+            <a:avLst/>
+          </a:prstGeom>
+          <a:noFill/>
+          <a:ln>
+            <a:solidFill>
+              <a:schemeClr val="tx1"/>
+            </a:solidFill>
+          </a:ln>
+        </p:spPr>
+        <p:txBody>
+          <a:bodyPr wrap="square">
+            <a:spAutoFit/>
+          </a:bodyPr>
+          <a:lstStyle/>
+          <a:p>
+            <a:r>
+              <a:rPr lang="zh-TW" altLang="en-US" sz="1200" dirty="0">
+                <a:highlight>
+                  <a:srgbClr val="FFFF00"/>
+                </a:highlight>
+                <a:latin typeface="Consolas" panose="020B0609020204030204" pitchFamily="49" charset="0"/>
+                <a:cs typeface="Consolas" panose="020B0609020204030204" pitchFamily="49" charset="0"/>
+              </a:rPr>
+              <a:t>Method: </a:t>
+            </a:r>
+            <a:r>
+              <a:rPr lang="en-US" altLang="zh-TW" sz="1200" dirty="0">
+                <a:highlight>
+                  <a:srgbClr val="FFFF00"/>
+                </a:highlight>
+                <a:latin typeface="Consolas" panose="020B0609020204030204" pitchFamily="49" charset="0"/>
+                <a:cs typeface="Consolas" panose="020B0609020204030204" pitchFamily="49" charset="0"/>
+              </a:rPr>
+              <a:t>POST</a:t>
+            </a:r>
+            <a:endParaRPr lang="zh-TW" altLang="en-US" sz="1200" dirty="0">
+              <a:highlight>
+                <a:srgbClr val="FFFF00"/>
+              </a:highlight>
+              <a:latin typeface="Consolas" panose="020B0609020204030204" pitchFamily="49" charset="0"/>
+              <a:cs typeface="Consolas" panose="020B0609020204030204" pitchFamily="49" charset="0"/>
+            </a:endParaRPr>
+          </a:p>
+          <a:p>
+            <a:r>
+              <a:rPr lang="zh-TW" altLang="en-US" sz="1200" dirty="0">
+                <a:highlight>
+                  <a:srgbClr val="FFFF00"/>
+                </a:highlight>
+                <a:latin typeface="Consolas" panose="020B0609020204030204" pitchFamily="49" charset="0"/>
+                <a:cs typeface="Consolas" panose="020B0609020204030204" pitchFamily="49" charset="0"/>
+              </a:rPr>
+              <a:t>URL:</a:t>
+            </a:r>
+            <a:r>
+              <a:rPr lang="en-US" altLang="zh-TW" sz="1200" dirty="0">
+                <a:highlight>
+                  <a:srgbClr val="FFFF00"/>
+                </a:highlight>
+                <a:latin typeface="Consolas" panose="020B0609020204030204" pitchFamily="49" charset="0"/>
+                <a:cs typeface="Consolas" panose="020B0609020204030204" pitchFamily="49" charset="0"/>
+              </a:rPr>
+              <a:t> </a:t>
+            </a:r>
+            <a:r>
+              <a:rPr lang="zh-TW" altLang="en-US" sz="1200" dirty="0">
+                <a:highlight>
+                  <a:srgbClr val="FFFF00"/>
+                </a:highlight>
+                <a:latin typeface="Consolas" panose="020B0609020204030204" pitchFamily="49" charset="0"/>
+                <a:cs typeface="Consolas" panose="020B0609020204030204" pitchFamily="49" charset="0"/>
+                <a:hlinkClick r:id="rId5"/>
+              </a:rPr>
+              <a:t>http://127.0.0.1:8000/api/v1/</a:t>
+            </a:r>
+            <a:r>
+              <a:rPr lang="en-US" altLang="zh-TW" sz="1200" dirty="0" err="1">
+                <a:highlight>
+                  <a:srgbClr val="FFFF00"/>
+                </a:highlight>
+                <a:latin typeface="Consolas" panose="020B0609020204030204" pitchFamily="49" charset="0"/>
+                <a:cs typeface="Consolas" panose="020B0609020204030204" pitchFamily="49" charset="0"/>
+                <a:hlinkClick r:id="rId5"/>
+              </a:rPr>
+              <a:t>batchAddLiability</a:t>
+            </a:r>
+            <a:endParaRPr lang="en-US" altLang="zh-TW" sz="1200" dirty="0">
+              <a:highlight>
+                <a:srgbClr val="FFFF00"/>
+              </a:highlight>
+              <a:latin typeface="Consolas" panose="020B0609020204030204" pitchFamily="49" charset="0"/>
+              <a:cs typeface="Consolas" panose="020B0609020204030204" pitchFamily="49" charset="0"/>
+            </a:endParaRPr>
+          </a:p>
+        </p:txBody>
+      </p:sp>
+      <p:sp>
+        <p:nvSpPr>
+          <p:cNvPr id="38" name="文字方塊 37">
+            <a:extLst>
+              <a:ext uri="{FF2B5EF4-FFF2-40B4-BE49-F238E27FC236}">
+                <a16:creationId xmlns:a16="http://schemas.microsoft.com/office/drawing/2014/main" id="{6D9AFC86-21F7-4C35-AC18-0682D23FF848}"/>
+              </a:ext>
+            </a:extLst>
+          </p:cNvPr>
+          <p:cNvSpPr txBox="1"/>
+          <p:nvPr/>
+        </p:nvSpPr>
+        <p:spPr>
+          <a:xfrm>
+            <a:off x="8595565" y="5086414"/>
+            <a:ext cx="2812356" cy="2677656"/>
+          </a:xfrm>
+          <a:prstGeom prst="rect">
+            <a:avLst/>
+          </a:prstGeom>
+          <a:noFill/>
+          <a:ln>
+            <a:solidFill>
+              <a:schemeClr val="tx1"/>
+            </a:solidFill>
+          </a:ln>
+        </p:spPr>
+        <p:txBody>
+          <a:bodyPr wrap="square">
+            <a:spAutoFit/>
+          </a:bodyPr>
+          <a:lstStyle/>
+          <a:p>
+            <a:r>
+              <a:rPr lang="en-US" altLang="zh-TW" sz="1200" dirty="0">
+                <a:latin typeface="Consolas" panose="020B0609020204030204" pitchFamily="49" charset="0"/>
+              </a:rPr>
+              <a:t>POST Body:</a:t>
+            </a:r>
+          </a:p>
+          <a:p>
+            <a:endParaRPr lang="en-US" altLang="zh-TW" sz="1200" dirty="0">
+              <a:latin typeface="Consolas" panose="020B0609020204030204" pitchFamily="49" charset="0"/>
+            </a:endParaRPr>
+          </a:p>
+          <a:p>
+            <a:r>
+              <a:rPr lang="zh-TW" altLang="en-US" sz="1200" dirty="0">
+                <a:highlight>
+                  <a:srgbClr val="FFFF00"/>
+                </a:highlight>
+                <a:latin typeface="Consolas" panose="020B0609020204030204" pitchFamily="49" charset="0"/>
+              </a:rPr>
+              <a:t>[</a:t>
+            </a:r>
+          </a:p>
+          <a:p>
+            <a:r>
+              <a:rPr lang="zh-TW" altLang="en-US" sz="1200" dirty="0">
+                <a:highlight>
+                  <a:srgbClr val="FFFF00"/>
+                </a:highlight>
+                <a:latin typeface="Consolas" panose="020B0609020204030204" pitchFamily="49" charset="0"/>
+              </a:rPr>
+              <a:t>    {</a:t>
+            </a:r>
+          </a:p>
+          <a:p>
+            <a:r>
+              <a:rPr lang="zh-TW" altLang="en-US" sz="1200" dirty="0">
+                <a:highlight>
+                  <a:srgbClr val="FFFF00"/>
+                </a:highlight>
+                <a:latin typeface="Consolas" panose="020B0609020204030204" pitchFamily="49" charset="0"/>
+              </a:rPr>
+              <a:t>        "SubmarineCable": "str",</a:t>
+            </a:r>
+          </a:p>
+          <a:p>
+            <a:r>
+              <a:rPr lang="zh-TW" altLang="en-US" sz="1200" dirty="0">
+                <a:highlight>
+                  <a:srgbClr val="FFFF00"/>
+                </a:highlight>
+                <a:latin typeface="Consolas" panose="020B0609020204030204" pitchFamily="49" charset="0"/>
+              </a:rPr>
+              <a:t>        "BillMilestone": "str",</a:t>
+            </a:r>
+          </a:p>
+          <a:p>
+            <a:r>
+              <a:rPr lang="zh-TW" altLang="en-US" sz="1200" dirty="0">
+                <a:highlight>
+                  <a:srgbClr val="FFFF00"/>
+                </a:highlight>
+                <a:latin typeface="Consolas" panose="020B0609020204030204" pitchFamily="49" charset="0"/>
+              </a:rPr>
+              <a:t>        "PartyName": "str",</a:t>
+            </a:r>
+          </a:p>
+          <a:p>
+            <a:r>
+              <a:rPr lang="zh-TW" altLang="en-US" sz="1200" dirty="0">
+                <a:highlight>
+                  <a:srgbClr val="FFFF00"/>
+                </a:highlight>
+                <a:latin typeface="Consolas" panose="020B0609020204030204" pitchFamily="49" charset="0"/>
+              </a:rPr>
+              <a:t>        "WorkTitle": "str",</a:t>
+            </a:r>
+          </a:p>
+          <a:p>
+            <a:r>
+              <a:rPr lang="zh-TW" altLang="en-US" sz="1200" dirty="0">
+                <a:highlight>
+                  <a:srgbClr val="FFFF00"/>
+                </a:highlight>
+                <a:latin typeface="Consolas" panose="020B0609020204030204" pitchFamily="49" charset="0"/>
+              </a:rPr>
+              <a:t>        "LBRatio": float</a:t>
+            </a:r>
+          </a:p>
+          <a:p>
+            <a:r>
+              <a:rPr lang="zh-TW" altLang="en-US" sz="1200" dirty="0">
+                <a:highlight>
+                  <a:srgbClr val="FFFF00"/>
+                </a:highlight>
+                <a:latin typeface="Consolas" panose="020B0609020204030204" pitchFamily="49" charset="0"/>
+              </a:rPr>
+              <a:t>     },</a:t>
+            </a:r>
+          </a:p>
+          <a:p>
+            <a:r>
+              <a:rPr lang="zh-TW" altLang="en-US" sz="1200" dirty="0">
+                <a:highlight>
+                  <a:srgbClr val="FFFF00"/>
+                </a:highlight>
+                <a:latin typeface="Consolas" panose="020B0609020204030204" pitchFamily="49" charset="0"/>
+              </a:rPr>
+              <a:t>     {...},</a:t>
+            </a:r>
+          </a:p>
+          <a:p>
+            <a:r>
+              <a:rPr lang="zh-TW" altLang="en-US" sz="1200" dirty="0">
+                <a:highlight>
+                  <a:srgbClr val="FFFF00"/>
+                </a:highlight>
+                <a:latin typeface="Consolas" panose="020B0609020204030204" pitchFamily="49" charset="0"/>
+              </a:rPr>
+              <a:t>     {...},</a:t>
+            </a:r>
+          </a:p>
+          <a:p>
+            <a:r>
+              <a:rPr lang="zh-TW" altLang="en-US" sz="1200" dirty="0">
+                <a:highlight>
+                  <a:srgbClr val="FFFF00"/>
+                </a:highlight>
+                <a:latin typeface="Consolas" panose="020B0609020204030204" pitchFamily="49" charset="0"/>
+              </a:rPr>
+              <a:t>     {...},</a:t>
+            </a:r>
+          </a:p>
+          <a:p>
+            <a:r>
+              <a:rPr lang="zh-TW" altLang="en-US" sz="1200" dirty="0">
+                <a:highlight>
+                  <a:srgbClr val="FFFF00"/>
+                </a:highlight>
+                <a:latin typeface="Consolas" panose="020B0609020204030204" pitchFamily="49" charset="0"/>
+              </a:rPr>
+              <a:t>]</a:t>
+            </a:r>
+          </a:p>
+        </p:txBody>
+      </p:sp>
+      <p:cxnSp>
+        <p:nvCxnSpPr>
+          <p:cNvPr id="43" name="接點: 肘形 42">
+            <a:extLst>
+              <a:ext uri="{FF2B5EF4-FFF2-40B4-BE49-F238E27FC236}">
+                <a16:creationId xmlns:a16="http://schemas.microsoft.com/office/drawing/2014/main" id="{00746E24-6C26-4663-B59F-D12B63D77FCA}"/>
+              </a:ext>
+            </a:extLst>
+          </p:cNvPr>
+          <p:cNvCxnSpPr>
+            <a:stCxn id="36" idx="3"/>
+            <a:endCxn id="38" idx="1"/>
+          </p:cNvCxnSpPr>
+          <p:nvPr/>
+        </p:nvCxnSpPr>
+        <p:spPr>
+          <a:xfrm flipV="1">
+            <a:off x="6573736" y="6425242"/>
+            <a:ext cx="2021829" cy="1666923"/>
+          </a:xfrm>
+          <a:prstGeom prst="bentConnector3">
+            <a:avLst>
+              <a:gd name="adj1" fmla="val 64454"/>
+            </a:avLst>
+          </a:prstGeom>
+          <a:ln>
+            <a:solidFill>
+              <a:srgbClr val="FF0000"/>
+            </a:solidFill>
+            <a:tailEnd type="triangle"/>
+          </a:ln>
+        </p:spPr>
+        <p:style>
+          <a:lnRef idx="1">
+            <a:schemeClr val="accent1"/>
+          </a:lnRef>
+          <a:fillRef idx="0">
+            <a:schemeClr val="accent1"/>
+          </a:fillRef>
+          <a:effectRef idx="0">
+            <a:schemeClr val="accent1"/>
+          </a:effectRef>
+          <a:fontRef idx="minor">
+            <a:schemeClr val="tx1"/>
+          </a:fontRef>
+        </p:style>
+      </p:cxnSp>
+      <p:sp>
+        <p:nvSpPr>
+          <p:cNvPr id="47" name="矩形 46">
+            <a:extLst>
+              <a:ext uri="{FF2B5EF4-FFF2-40B4-BE49-F238E27FC236}">
+                <a16:creationId xmlns:a16="http://schemas.microsoft.com/office/drawing/2014/main" id="{954FA79E-3D1B-4A10-A366-615C0A183676}"/>
+              </a:ext>
+            </a:extLst>
+          </p:cNvPr>
+          <p:cNvSpPr/>
+          <p:nvPr/>
+        </p:nvSpPr>
+        <p:spPr>
+          <a:xfrm>
+            <a:off x="5879306" y="2790525"/>
+            <a:ext cx="404813" cy="252714"/>
+          </a:xfrm>
+          <a:prstGeom prst="rect">
+            <a:avLst/>
+          </a:prstGeom>
+          <a:noFill/>
+          <a:ln>
+            <a:solidFill>
+              <a:srgbClr val="FF0000"/>
+            </a:solidFill>
+          </a:ln>
+        </p:spPr>
+        <p:style>
+          <a:lnRef idx="2">
+            <a:schemeClr val="accent1">
+              <a:shade val="50000"/>
+            </a:schemeClr>
+          </a:lnRef>
+          <a:fillRef idx="1">
+            <a:schemeClr val="accent1"/>
+          </a:fillRef>
+          <a:effectRef idx="0">
+            <a:schemeClr val="accent1"/>
+          </a:effectRef>
+          <a:fontRef idx="minor">
+            <a:schemeClr val="lt1"/>
+          </a:fontRef>
+        </p:style>
+        <p:txBody>
+          <a:bodyPr rtlCol="0" anchor="ctr"/>
+          <a:lstStyle/>
+          <a:p>
+            <a:pPr algn="ctr"/>
+            <a:endParaRPr lang="zh-TW" altLang="en-US"/>
+          </a:p>
+        </p:txBody>
+      </p:sp>
+      <p:cxnSp>
+        <p:nvCxnSpPr>
+          <p:cNvPr id="48" name="接點: 肘形 47">
+            <a:extLst>
+              <a:ext uri="{FF2B5EF4-FFF2-40B4-BE49-F238E27FC236}">
+                <a16:creationId xmlns:a16="http://schemas.microsoft.com/office/drawing/2014/main" id="{DC8ECEA1-A775-4E42-8646-63D8D6543D40}"/>
+              </a:ext>
+            </a:extLst>
+          </p:cNvPr>
+          <p:cNvCxnSpPr>
+            <a:cxnSpLocks/>
+            <a:stCxn id="47" idx="1"/>
+            <a:endCxn id="36" idx="1"/>
+          </p:cNvCxnSpPr>
+          <p:nvPr/>
+        </p:nvCxnSpPr>
+        <p:spPr>
+          <a:xfrm rot="10800000" flipV="1">
+            <a:off x="939800" y="2916881"/>
+            <a:ext cx="4939506" cy="5175283"/>
+          </a:xfrm>
+          <a:prstGeom prst="bentConnector3">
+            <a:avLst>
+              <a:gd name="adj1" fmla="val 104628"/>
+            </a:avLst>
+          </a:prstGeom>
+          <a:ln>
+            <a:solidFill>
+              <a:srgbClr val="FF0000"/>
+            </a:solidFill>
+            <a:tailEnd type="triangle"/>
+          </a:ln>
+        </p:spPr>
+        <p:style>
+          <a:lnRef idx="1">
+            <a:schemeClr val="accent1"/>
+          </a:lnRef>
+          <a:fillRef idx="0">
+            <a:schemeClr val="accent1"/>
+          </a:fillRef>
+          <a:effectRef idx="0">
+            <a:schemeClr val="accent1"/>
+          </a:effectRef>
+          <a:fontRef idx="minor">
+            <a:schemeClr val="tx1"/>
+          </a:fontRef>
+        </p:style>
+      </p:cxnSp>
+      <p:sp>
+        <p:nvSpPr>
+          <p:cNvPr id="55" name="文字方塊 54">
+            <a:extLst>
+              <a:ext uri="{FF2B5EF4-FFF2-40B4-BE49-F238E27FC236}">
+                <a16:creationId xmlns:a16="http://schemas.microsoft.com/office/drawing/2014/main" id="{30C46A9E-0933-4B93-8F02-3B13D7B52AEA}"/>
+              </a:ext>
+            </a:extLst>
+          </p:cNvPr>
+          <p:cNvSpPr txBox="1"/>
+          <p:nvPr/>
+        </p:nvSpPr>
+        <p:spPr>
+          <a:xfrm>
+            <a:off x="939800" y="4996523"/>
+            <a:ext cx="5633936" cy="2677656"/>
+          </a:xfrm>
+          <a:prstGeom prst="rect">
+            <a:avLst/>
+          </a:prstGeom>
+          <a:noFill/>
+          <a:ln>
+            <a:solidFill>
+              <a:schemeClr val="tx1"/>
+            </a:solidFill>
+          </a:ln>
+        </p:spPr>
+        <p:txBody>
+          <a:bodyPr wrap="square">
+            <a:spAutoFit/>
+          </a:bodyPr>
+          <a:lstStyle/>
+          <a:p>
+            <a:r>
+              <a:rPr lang="zh-TW" altLang="en-US" sz="1200" dirty="0">
+                <a:latin typeface="Consolas" panose="020B0609020204030204" pitchFamily="49" charset="0"/>
+                <a:cs typeface="Consolas" panose="020B0609020204030204" pitchFamily="49" charset="0"/>
+              </a:rPr>
+              <a:t>Method: </a:t>
+            </a:r>
+            <a:r>
+              <a:rPr lang="en-US" altLang="zh-TW" sz="1200" dirty="0">
+                <a:latin typeface="Consolas" panose="020B0609020204030204" pitchFamily="49" charset="0"/>
+                <a:cs typeface="Consolas" panose="020B0609020204030204" pitchFamily="49" charset="0"/>
+              </a:rPr>
+              <a:t>POST</a:t>
+            </a:r>
+            <a:endParaRPr lang="zh-TW" altLang="en-US" sz="1200" dirty="0">
+              <a:latin typeface="Consolas" panose="020B0609020204030204" pitchFamily="49" charset="0"/>
+              <a:cs typeface="Consolas" panose="020B0609020204030204" pitchFamily="49" charset="0"/>
+            </a:endParaRPr>
+          </a:p>
+          <a:p>
+            <a:r>
+              <a:rPr lang="zh-TW" altLang="en-US" sz="1200" dirty="0">
+                <a:latin typeface="Consolas" panose="020B0609020204030204" pitchFamily="49" charset="0"/>
+                <a:cs typeface="Consolas" panose="020B0609020204030204" pitchFamily="49" charset="0"/>
+              </a:rPr>
+              <a:t>URL:</a:t>
+            </a:r>
+            <a:r>
+              <a:rPr lang="en-US" altLang="zh-TW" sz="1200" dirty="0">
+                <a:latin typeface="Consolas" panose="020B0609020204030204" pitchFamily="49" charset="0"/>
+                <a:cs typeface="Consolas" panose="020B0609020204030204" pitchFamily="49" charset="0"/>
+              </a:rPr>
+              <a:t> </a:t>
+            </a:r>
+            <a:r>
+              <a:rPr lang="zh-TW" altLang="en-US" sz="1200" dirty="0">
+                <a:latin typeface="Consolas" panose="020B0609020204030204" pitchFamily="49" charset="0"/>
+                <a:cs typeface="Consolas" panose="020B0609020204030204" pitchFamily="49" charset="0"/>
+                <a:hlinkClick r:id="rId6"/>
+              </a:rPr>
+              <a:t>http://127.0.0.1:8000/api/v1/</a:t>
+            </a:r>
+            <a:r>
+              <a:rPr lang="en-US" altLang="zh-TW" sz="1200" dirty="0" err="1">
+                <a:latin typeface="Consolas" panose="020B0609020204030204" pitchFamily="49" charset="0"/>
+                <a:cs typeface="Consolas" panose="020B0609020204030204" pitchFamily="49" charset="0"/>
+                <a:hlinkClick r:id="rId6"/>
+              </a:rPr>
+              <a:t>compareLiability</a:t>
+            </a:r>
+            <a:endParaRPr lang="en-US" altLang="zh-TW" sz="1200" dirty="0">
+              <a:latin typeface="Consolas" panose="020B0609020204030204" pitchFamily="49" charset="0"/>
+              <a:cs typeface="Consolas" panose="020B0609020204030204" pitchFamily="49" charset="0"/>
+            </a:endParaRPr>
+          </a:p>
+          <a:p>
+            <a:r>
+              <a:rPr lang="en-US" altLang="zh-TW" sz="1200" dirty="0">
+                <a:latin typeface="Consolas" panose="020B0609020204030204" pitchFamily="49" charset="0"/>
+                <a:cs typeface="Consolas" panose="020B0609020204030204" pitchFamily="49" charset="0"/>
+              </a:rPr>
+              <a:t>Response:</a:t>
+            </a:r>
+            <a:br>
+              <a:rPr lang="en-US" altLang="zh-TW" sz="1200" dirty="0">
+                <a:latin typeface="Consolas" panose="020B0609020204030204" pitchFamily="49" charset="0"/>
+                <a:cs typeface="Consolas" panose="020B0609020204030204" pitchFamily="49" charset="0"/>
+              </a:rPr>
+            </a:br>
+            <a:r>
+              <a:rPr lang="en-US" altLang="zh-TW" sz="1200" dirty="0">
+                <a:latin typeface="Consolas" panose="020B0609020204030204" pitchFamily="49" charset="0"/>
+                <a:cs typeface="Consolas" panose="020B0609020204030204" pitchFamily="49" charset="0"/>
+              </a:rPr>
+              <a:t>1. </a:t>
+            </a:r>
+            <a:r>
+              <a:rPr lang="en-US" altLang="zh-TW" sz="1200" dirty="0">
+                <a:solidFill>
+                  <a:srgbClr val="FF0000"/>
+                </a:solidFill>
+                <a:latin typeface="Consolas" panose="020B0609020204030204" pitchFamily="49" charset="0"/>
+                <a:cs typeface="Consolas" panose="020B0609020204030204" pitchFamily="49" charset="0"/>
+              </a:rPr>
+              <a:t>{</a:t>
+            </a:r>
+          </a:p>
+          <a:p>
+            <a:r>
+              <a:rPr lang="en-US" altLang="zh-TW" sz="1200" dirty="0">
+                <a:solidFill>
+                  <a:srgbClr val="FF0000"/>
+                </a:solidFill>
+                <a:latin typeface="Consolas" panose="020B0609020204030204" pitchFamily="49" charset="0"/>
+                <a:cs typeface="Consolas" panose="020B0609020204030204" pitchFamily="49" charset="0"/>
+              </a:rPr>
+              <a:t>    "message": "No same data", </a:t>
+            </a:r>
+          </a:p>
+          <a:p>
+            <a:r>
+              <a:rPr lang="en-US" altLang="zh-TW" sz="1200" dirty="0">
+                <a:solidFill>
+                  <a:srgbClr val="FF0000"/>
+                </a:solidFill>
+                <a:latin typeface="Consolas" panose="020B0609020204030204" pitchFamily="49" charset="0"/>
+                <a:cs typeface="Consolas" panose="020B0609020204030204" pitchFamily="49" charset="0"/>
+              </a:rPr>
+              <a:t>    "</a:t>
+            </a:r>
+            <a:r>
+              <a:rPr lang="en-US" altLang="zh-TW" sz="1200" dirty="0" err="1">
+                <a:solidFill>
+                  <a:srgbClr val="FF0000"/>
+                </a:solidFill>
+                <a:latin typeface="Consolas" panose="020B0609020204030204" pitchFamily="49" charset="0"/>
+                <a:cs typeface="Consolas" panose="020B0609020204030204" pitchFamily="49" charset="0"/>
+              </a:rPr>
+              <a:t>compareResult</a:t>
+            </a:r>
+            <a:r>
+              <a:rPr lang="en-US" altLang="zh-TW" sz="1200" dirty="0">
+                <a:solidFill>
+                  <a:srgbClr val="FF0000"/>
+                </a:solidFill>
+                <a:latin typeface="Consolas" panose="020B0609020204030204" pitchFamily="49" charset="0"/>
+                <a:cs typeface="Consolas" panose="020B0609020204030204" pitchFamily="49" charset="0"/>
+              </a:rPr>
+              <a:t>": </a:t>
+            </a:r>
+            <a:r>
+              <a:rPr lang="en-US" altLang="zh-TW" sz="1200" dirty="0" err="1">
+                <a:solidFill>
+                  <a:srgbClr val="FF0000"/>
+                </a:solidFill>
+                <a:latin typeface="Consolas" panose="020B0609020204030204" pitchFamily="49" charset="0"/>
+                <a:cs typeface="Consolas" panose="020B0609020204030204" pitchFamily="49" charset="0"/>
+              </a:rPr>
+              <a:t>compareResultList</a:t>
+            </a:r>
+            <a:endParaRPr lang="en-US" altLang="zh-TW" sz="1200" dirty="0">
+              <a:solidFill>
+                <a:srgbClr val="FF0000"/>
+              </a:solidFill>
+              <a:latin typeface="Consolas" panose="020B0609020204030204" pitchFamily="49" charset="0"/>
+              <a:cs typeface="Consolas" panose="020B0609020204030204" pitchFamily="49" charset="0"/>
+            </a:endParaRPr>
+          </a:p>
+          <a:p>
+            <a:r>
+              <a:rPr lang="en-US" altLang="zh-TW" sz="1200" dirty="0">
+                <a:solidFill>
+                  <a:srgbClr val="FF0000"/>
+                </a:solidFill>
+                <a:latin typeface="Consolas" panose="020B0609020204030204" pitchFamily="49" charset="0"/>
+                <a:cs typeface="Consolas" panose="020B0609020204030204" pitchFamily="49" charset="0"/>
+              </a:rPr>
+              <a:t>   }</a:t>
+            </a:r>
+          </a:p>
+          <a:p>
+            <a:r>
+              <a:rPr lang="en-US" altLang="zh-TW" sz="1200" dirty="0">
+                <a:latin typeface="Consolas" panose="020B0609020204030204" pitchFamily="49" charset="0"/>
+                <a:cs typeface="Consolas" panose="020B0609020204030204" pitchFamily="49" charset="0"/>
+              </a:rPr>
+              <a:t>2. </a:t>
+            </a:r>
+            <a:r>
+              <a:rPr lang="en-US" altLang="zh-TW" sz="1200" dirty="0">
+                <a:solidFill>
+                  <a:srgbClr val="FF0000"/>
+                </a:solidFill>
+                <a:latin typeface="Consolas" panose="020B0609020204030204" pitchFamily="49" charset="0"/>
+                <a:cs typeface="Consolas" panose="020B0609020204030204" pitchFamily="49" charset="0"/>
+              </a:rPr>
+              <a:t>{</a:t>
+            </a:r>
+          </a:p>
+          <a:p>
+            <a:r>
+              <a:rPr lang="en-US" altLang="zh-TW" sz="1200" dirty="0">
+                <a:solidFill>
+                  <a:srgbClr val="FF0000"/>
+                </a:solidFill>
+                <a:latin typeface="Consolas" panose="020B0609020204030204" pitchFamily="49" charset="0"/>
+                <a:cs typeface="Consolas" panose="020B0609020204030204" pitchFamily="49" charset="0"/>
+              </a:rPr>
+              <a:t>    "message": "There some same </a:t>
+            </a:r>
+            <a:r>
+              <a:rPr lang="en-US" altLang="zh-TW" sz="1200" dirty="0" err="1">
+                <a:solidFill>
+                  <a:srgbClr val="FF0000"/>
+                </a:solidFill>
+                <a:latin typeface="Consolas" panose="020B0609020204030204" pitchFamily="49" charset="0"/>
+                <a:cs typeface="Consolas" panose="020B0609020204030204" pitchFamily="49" charset="0"/>
+              </a:rPr>
+              <a:t>datas</a:t>
+            </a:r>
+            <a:r>
+              <a:rPr lang="en-US" altLang="zh-TW" sz="1200" dirty="0">
+                <a:solidFill>
+                  <a:srgbClr val="FF0000"/>
+                </a:solidFill>
+                <a:latin typeface="Consolas" panose="020B0609020204030204" pitchFamily="49" charset="0"/>
+                <a:cs typeface="Consolas" panose="020B0609020204030204" pitchFamily="49" charset="0"/>
+              </a:rPr>
+              <a:t>", </a:t>
+            </a:r>
+          </a:p>
+          <a:p>
+            <a:r>
+              <a:rPr lang="en-US" altLang="zh-TW" sz="1200" dirty="0">
+                <a:solidFill>
+                  <a:srgbClr val="FF0000"/>
+                </a:solidFill>
+                <a:latin typeface="Consolas" panose="020B0609020204030204" pitchFamily="49" charset="0"/>
+                <a:cs typeface="Consolas" panose="020B0609020204030204" pitchFamily="49" charset="0"/>
+              </a:rPr>
+              <a:t>    "</a:t>
+            </a:r>
+            <a:r>
+              <a:rPr lang="en-US" altLang="zh-TW" sz="1200" dirty="0" err="1">
+                <a:solidFill>
+                  <a:srgbClr val="FF0000"/>
+                </a:solidFill>
+                <a:latin typeface="Consolas" panose="020B0609020204030204" pitchFamily="49" charset="0"/>
+                <a:cs typeface="Consolas" panose="020B0609020204030204" pitchFamily="49" charset="0"/>
+              </a:rPr>
+              <a:t>compareResult</a:t>
+            </a:r>
+            <a:r>
+              <a:rPr lang="en-US" altLang="zh-TW" sz="1200" dirty="0">
+                <a:solidFill>
+                  <a:srgbClr val="FF0000"/>
+                </a:solidFill>
+                <a:latin typeface="Consolas" panose="020B0609020204030204" pitchFamily="49" charset="0"/>
+                <a:cs typeface="Consolas" panose="020B0609020204030204" pitchFamily="49" charset="0"/>
+              </a:rPr>
+              <a:t>": </a:t>
+            </a:r>
+            <a:r>
+              <a:rPr lang="en-US" altLang="zh-TW" sz="1200" dirty="0" err="1">
+                <a:solidFill>
+                  <a:srgbClr val="FF0000"/>
+                </a:solidFill>
+                <a:latin typeface="Consolas" panose="020B0609020204030204" pitchFamily="49" charset="0"/>
+                <a:cs typeface="Consolas" panose="020B0609020204030204" pitchFamily="49" charset="0"/>
+              </a:rPr>
+              <a:t>compareResultList</a:t>
+            </a:r>
+            <a:endParaRPr lang="en-US" altLang="zh-TW" sz="1200" dirty="0">
+              <a:solidFill>
+                <a:srgbClr val="FF0000"/>
+              </a:solidFill>
+              <a:latin typeface="Consolas" panose="020B0609020204030204" pitchFamily="49" charset="0"/>
+              <a:cs typeface="Consolas" panose="020B0609020204030204" pitchFamily="49" charset="0"/>
+            </a:endParaRPr>
+          </a:p>
+          <a:p>
+            <a:r>
+              <a:rPr lang="en-US" altLang="zh-TW" sz="1200" dirty="0">
+                <a:solidFill>
+                  <a:srgbClr val="FF0000"/>
+                </a:solidFill>
+                <a:latin typeface="Consolas" panose="020B0609020204030204" pitchFamily="49" charset="0"/>
+                <a:cs typeface="Consolas" panose="020B0609020204030204" pitchFamily="49" charset="0"/>
+              </a:rPr>
+              <a:t>   }</a:t>
+            </a:r>
+          </a:p>
+          <a:p>
+            <a:r>
+              <a:rPr lang="zh-TW" altLang="en-US" sz="1200" dirty="0">
+                <a:latin typeface="Consolas" panose="020B0609020204030204" pitchFamily="49" charset="0"/>
+                <a:ea typeface="BiauKai" panose="02010601000101010101"/>
+                <a:cs typeface="Consolas" panose="020B0609020204030204" pitchFamily="49" charset="0"/>
+              </a:rPr>
+              <a:t>如果得到的</a:t>
+            </a:r>
+            <a:r>
+              <a:rPr lang="en-US" altLang="zh-TW" sz="1200" dirty="0">
+                <a:latin typeface="Consolas" panose="020B0609020204030204" pitchFamily="49" charset="0"/>
+                <a:ea typeface="BiauKai" panose="02010601000101010101"/>
+                <a:cs typeface="Consolas" panose="020B0609020204030204" pitchFamily="49" charset="0"/>
+              </a:rPr>
+              <a:t>Response</a:t>
+            </a:r>
+            <a:r>
+              <a:rPr lang="zh-TW" altLang="en-US" sz="1200" dirty="0">
+                <a:latin typeface="Consolas" panose="020B0609020204030204" pitchFamily="49" charset="0"/>
+                <a:ea typeface="BiauKai" panose="02010601000101010101"/>
+                <a:cs typeface="Consolas" panose="020B0609020204030204" pitchFamily="49" charset="0"/>
+              </a:rPr>
+              <a:t>為第一種，</a:t>
+            </a:r>
+            <a:r>
+              <a:rPr lang="en-US" altLang="zh-TW" sz="1200" dirty="0">
+                <a:latin typeface="Consolas" panose="020B0609020204030204" pitchFamily="49" charset="0"/>
+                <a:cs typeface="Consolas" panose="020B0609020204030204" pitchFamily="49" charset="0"/>
+              </a:rPr>
+              <a:t>"</a:t>
+            </a:r>
+            <a:r>
+              <a:rPr lang="en-US" altLang="zh-TW" sz="1200" dirty="0" err="1">
+                <a:latin typeface="Consolas" panose="020B0609020204030204" pitchFamily="49" charset="0"/>
+                <a:ea typeface="BiauKai" panose="02010601000101010101"/>
+                <a:cs typeface="Consolas" panose="020B0609020204030204" pitchFamily="49" charset="0"/>
+              </a:rPr>
+              <a:t>compareResult</a:t>
+            </a:r>
+            <a:r>
+              <a:rPr lang="en-US" altLang="zh-TW" sz="1200" dirty="0">
+                <a:latin typeface="Consolas" panose="020B0609020204030204" pitchFamily="49" charset="0"/>
+                <a:cs typeface="Consolas" panose="020B0609020204030204" pitchFamily="49" charset="0"/>
+              </a:rPr>
+              <a:t>"</a:t>
+            </a:r>
+            <a:r>
+              <a:rPr lang="zh-TW" altLang="en-US" sz="1200" dirty="0">
+                <a:latin typeface="Consolas" panose="020B0609020204030204" pitchFamily="49" charset="0"/>
+                <a:ea typeface="BiauKai" panose="02010601000101010101"/>
+                <a:cs typeface="Consolas" panose="020B0609020204030204" pitchFamily="49" charset="0"/>
+              </a:rPr>
+              <a:t>的</a:t>
+            </a:r>
+            <a:r>
+              <a:rPr lang="en-US" altLang="zh-TW" sz="1200" dirty="0">
+                <a:latin typeface="Consolas" panose="020B0609020204030204" pitchFamily="49" charset="0"/>
+                <a:ea typeface="BiauKai" panose="02010601000101010101"/>
+                <a:cs typeface="Consolas" panose="020B0609020204030204" pitchFamily="49" charset="0"/>
+              </a:rPr>
+              <a:t>value</a:t>
+            </a:r>
+            <a:r>
+              <a:rPr lang="zh-TW" altLang="en-US" sz="1200" dirty="0">
+                <a:latin typeface="Consolas" panose="020B0609020204030204" pitchFamily="49" charset="0"/>
+                <a:ea typeface="BiauKai" panose="02010601000101010101"/>
+                <a:cs typeface="Consolas" panose="020B0609020204030204" pitchFamily="49" charset="0"/>
+              </a:rPr>
+              <a:t>會得到空矩陣</a:t>
+            </a:r>
+            <a:endParaRPr lang="en-US" altLang="zh-TW" sz="1200" dirty="0">
+              <a:latin typeface="Consolas" panose="020B0609020204030204" pitchFamily="49" charset="0"/>
+              <a:ea typeface="BiauKai" panose="02010601000101010101"/>
+              <a:cs typeface="Consolas" panose="020B0609020204030204" pitchFamily="49" charset="0"/>
+            </a:endParaRPr>
+          </a:p>
+          <a:p>
+            <a:r>
+              <a:rPr lang="zh-TW" altLang="en-US" sz="1200" dirty="0">
+                <a:latin typeface="Consolas" panose="020B0609020204030204" pitchFamily="49" charset="0"/>
+                <a:ea typeface="BiauKai" panose="02010601000101010101"/>
+                <a:cs typeface="Consolas" panose="020B0609020204030204" pitchFamily="49" charset="0"/>
+              </a:rPr>
+              <a:t>若是第二種則</a:t>
+            </a:r>
+            <a:r>
+              <a:rPr lang="en-US" altLang="zh-TW" sz="1200" dirty="0">
+                <a:latin typeface="Consolas" panose="020B0609020204030204" pitchFamily="49" charset="0"/>
+                <a:cs typeface="Consolas" panose="020B0609020204030204" pitchFamily="49" charset="0"/>
+              </a:rPr>
+              <a:t>"</a:t>
+            </a:r>
+            <a:r>
+              <a:rPr lang="en-US" altLang="zh-TW" sz="1200" dirty="0" err="1">
+                <a:latin typeface="Consolas" panose="020B0609020204030204" pitchFamily="49" charset="0"/>
+                <a:ea typeface="BiauKai" panose="02010601000101010101"/>
+                <a:cs typeface="Consolas" panose="020B0609020204030204" pitchFamily="49" charset="0"/>
+              </a:rPr>
+              <a:t>compareResult</a:t>
+            </a:r>
+            <a:r>
+              <a:rPr lang="en-US" altLang="zh-TW" sz="1200" dirty="0">
+                <a:latin typeface="Consolas" panose="020B0609020204030204" pitchFamily="49" charset="0"/>
+                <a:cs typeface="Consolas" panose="020B0609020204030204" pitchFamily="49" charset="0"/>
+              </a:rPr>
+              <a:t>"</a:t>
+            </a:r>
+            <a:r>
+              <a:rPr lang="zh-TW" altLang="en-US" sz="1200" dirty="0">
+                <a:latin typeface="Consolas" panose="020B0609020204030204" pitchFamily="49" charset="0"/>
+                <a:ea typeface="BiauKai" panose="02010601000101010101"/>
+                <a:cs typeface="Consolas" panose="020B0609020204030204" pitchFamily="49" charset="0"/>
+              </a:rPr>
+              <a:t>不是空矩陣</a:t>
+            </a:r>
+            <a:endParaRPr lang="en-US" altLang="zh-TW" sz="1200" dirty="0">
+              <a:latin typeface="Consolas" panose="020B0609020204030204" pitchFamily="49" charset="0"/>
+              <a:ea typeface="BiauKai" panose="02010601000101010101"/>
+              <a:cs typeface="Consolas" panose="020B0609020204030204" pitchFamily="49" charset="0"/>
+            </a:endParaRPr>
+          </a:p>
+          <a:p>
+            <a:r>
+              <a:rPr lang="zh-TW" altLang="en-US" sz="1200" dirty="0">
+                <a:latin typeface="Consolas" panose="020B0609020204030204" pitchFamily="49" charset="0"/>
+                <a:ea typeface="BiauKai" panose="02010601000101010101"/>
+                <a:cs typeface="Consolas" panose="020B0609020204030204" pitchFamily="49" charset="0"/>
+              </a:rPr>
+              <a:t>若是空矩陣才要</a:t>
+            </a:r>
+            <a:r>
+              <a:rPr lang="zh-TW" altLang="en-US" sz="1200" dirty="0">
+                <a:highlight>
+                  <a:srgbClr val="FFFF00"/>
+                </a:highlight>
+                <a:latin typeface="Consolas" panose="020B0609020204030204" pitchFamily="49" charset="0"/>
+                <a:ea typeface="BiauKai" panose="02010601000101010101"/>
+                <a:cs typeface="Consolas" panose="020B0609020204030204" pitchFamily="49" charset="0"/>
+              </a:rPr>
+              <a:t>進行增加</a:t>
+            </a:r>
+            <a:r>
+              <a:rPr lang="en-US" altLang="zh-TW" sz="1200" dirty="0">
+                <a:highlight>
+                  <a:srgbClr val="FFFF00"/>
+                </a:highlight>
+                <a:latin typeface="Consolas" panose="020B0609020204030204" pitchFamily="49" charset="0"/>
+                <a:ea typeface="BiauKai" panose="02010601000101010101"/>
+                <a:cs typeface="Consolas" panose="020B0609020204030204" pitchFamily="49" charset="0"/>
+              </a:rPr>
+              <a:t>Liability</a:t>
+            </a:r>
+          </a:p>
+        </p:txBody>
+      </p:sp>
+      <p:cxnSp>
+        <p:nvCxnSpPr>
+          <p:cNvPr id="59" name="接點: 肘形 58">
+            <a:extLst>
+              <a:ext uri="{FF2B5EF4-FFF2-40B4-BE49-F238E27FC236}">
+                <a16:creationId xmlns:a16="http://schemas.microsoft.com/office/drawing/2014/main" id="{8E82482A-91F2-4037-9614-9FF0A0AB177E}"/>
+              </a:ext>
+            </a:extLst>
+          </p:cNvPr>
+          <p:cNvCxnSpPr>
+            <a:cxnSpLocks/>
+            <a:stCxn id="55" idx="3"/>
+            <a:endCxn id="110" idx="1"/>
+          </p:cNvCxnSpPr>
+          <p:nvPr/>
+        </p:nvCxnSpPr>
+        <p:spPr>
+          <a:xfrm flipV="1">
+            <a:off x="6573736" y="2916881"/>
+            <a:ext cx="2073965" cy="3418470"/>
+          </a:xfrm>
+          <a:prstGeom prst="bentConnector3">
+            <a:avLst>
+              <a:gd name="adj1" fmla="val 48637"/>
+            </a:avLst>
+          </a:prstGeom>
+          <a:ln>
+            <a:solidFill>
+              <a:srgbClr val="FF0000"/>
+            </a:solidFill>
+            <a:tailEnd type="triangle"/>
+          </a:ln>
+        </p:spPr>
+        <p:style>
+          <a:lnRef idx="1">
+            <a:schemeClr val="accent1"/>
+          </a:lnRef>
+          <a:fillRef idx="0">
+            <a:schemeClr val="accent1"/>
+          </a:fillRef>
+          <a:effectRef idx="0">
+            <a:schemeClr val="accent1"/>
+          </a:effectRef>
+          <a:fontRef idx="minor">
+            <a:schemeClr val="tx1"/>
+          </a:fontRef>
+        </p:style>
+      </p:cxnSp>
+      <p:cxnSp>
+        <p:nvCxnSpPr>
+          <p:cNvPr id="64" name="接點: 肘形 63">
+            <a:extLst>
+              <a:ext uri="{FF2B5EF4-FFF2-40B4-BE49-F238E27FC236}">
+                <a16:creationId xmlns:a16="http://schemas.microsoft.com/office/drawing/2014/main" id="{580D17DA-E00B-4469-982A-EEFB9CB9E53B}"/>
+              </a:ext>
+            </a:extLst>
+          </p:cNvPr>
+          <p:cNvCxnSpPr>
+            <a:cxnSpLocks/>
+            <a:stCxn id="47" idx="1"/>
+            <a:endCxn id="55" idx="1"/>
+          </p:cNvCxnSpPr>
+          <p:nvPr/>
+        </p:nvCxnSpPr>
+        <p:spPr>
+          <a:xfrm rot="10800000" flipV="1">
+            <a:off x="939800" y="2916881"/>
+            <a:ext cx="4939506" cy="3418469"/>
+          </a:xfrm>
+          <a:prstGeom prst="bentConnector3">
+            <a:avLst>
+              <a:gd name="adj1" fmla="val 104628"/>
+            </a:avLst>
+          </a:prstGeom>
+          <a:ln>
+            <a:solidFill>
+              <a:srgbClr val="FF0000"/>
+            </a:solidFill>
+            <a:tailEnd type="triangle"/>
+          </a:ln>
+        </p:spPr>
+        <p:style>
+          <a:lnRef idx="1">
+            <a:schemeClr val="accent1"/>
+          </a:lnRef>
+          <a:fillRef idx="0">
+            <a:schemeClr val="accent1"/>
+          </a:fillRef>
+          <a:effectRef idx="0">
+            <a:schemeClr val="accent1"/>
+          </a:effectRef>
+          <a:fontRef idx="minor">
+            <a:schemeClr val="tx1"/>
+          </a:fontRef>
+        </p:style>
+      </p:cxnSp>
+      <p:cxnSp>
+        <p:nvCxnSpPr>
+          <p:cNvPr id="85" name="直線單箭頭接點 84">
+            <a:extLst>
+              <a:ext uri="{FF2B5EF4-FFF2-40B4-BE49-F238E27FC236}">
+                <a16:creationId xmlns:a16="http://schemas.microsoft.com/office/drawing/2014/main" id="{51389E80-F67E-4DE3-B82D-4072511C7885}"/>
+              </a:ext>
+            </a:extLst>
+          </p:cNvPr>
+          <p:cNvCxnSpPr>
+            <a:cxnSpLocks/>
+          </p:cNvCxnSpPr>
+          <p:nvPr/>
+        </p:nvCxnSpPr>
+        <p:spPr>
+          <a:xfrm flipH="1">
+            <a:off x="1803400" y="7599445"/>
+            <a:ext cx="891420" cy="325355"/>
+          </a:xfrm>
+          <a:prstGeom prst="straightConnector1">
+            <a:avLst/>
+          </a:prstGeom>
+          <a:ln>
+            <a:solidFill>
+              <a:srgbClr val="FF0000"/>
+            </a:solidFill>
+            <a:tailEnd type="triangle"/>
+          </a:ln>
+        </p:spPr>
+        <p:style>
+          <a:lnRef idx="1">
+            <a:schemeClr val="accent1"/>
+          </a:lnRef>
+          <a:fillRef idx="0">
+            <a:schemeClr val="accent1"/>
+          </a:fillRef>
+          <a:effectRef idx="0">
+            <a:schemeClr val="accent1"/>
+          </a:effectRef>
+          <a:fontRef idx="minor">
+            <a:schemeClr val="tx1"/>
+          </a:fontRef>
+        </p:style>
+      </p:cxnSp>
+      <p:sp>
+        <p:nvSpPr>
+          <p:cNvPr id="110" name="文字方塊 109">
+            <a:extLst>
+              <a:ext uri="{FF2B5EF4-FFF2-40B4-BE49-F238E27FC236}">
+                <a16:creationId xmlns:a16="http://schemas.microsoft.com/office/drawing/2014/main" id="{F982FA9D-3C87-40A8-9C65-0D5772D09001}"/>
+              </a:ext>
+            </a:extLst>
+          </p:cNvPr>
+          <p:cNvSpPr txBox="1"/>
+          <p:nvPr/>
+        </p:nvSpPr>
+        <p:spPr>
+          <a:xfrm>
+            <a:off x="8647701" y="1578053"/>
+            <a:ext cx="2812356" cy="2677656"/>
+          </a:xfrm>
+          <a:prstGeom prst="rect">
+            <a:avLst/>
+          </a:prstGeom>
+          <a:noFill/>
+          <a:ln>
+            <a:solidFill>
+              <a:schemeClr val="tx1"/>
+            </a:solidFill>
+          </a:ln>
+        </p:spPr>
+        <p:txBody>
+          <a:bodyPr wrap="square">
+            <a:spAutoFit/>
+          </a:bodyPr>
+          <a:lstStyle/>
+          <a:p>
+            <a:r>
+              <a:rPr lang="en-US" altLang="zh-TW" sz="1200" dirty="0">
+                <a:latin typeface="Consolas" panose="020B0609020204030204" pitchFamily="49" charset="0"/>
+              </a:rPr>
+              <a:t>POST Body:</a:t>
+            </a:r>
+          </a:p>
+          <a:p>
+            <a:endParaRPr lang="en-US" altLang="zh-TW" sz="1200" dirty="0">
+              <a:latin typeface="Consolas" panose="020B0609020204030204" pitchFamily="49" charset="0"/>
+            </a:endParaRPr>
+          </a:p>
+          <a:p>
+            <a:r>
+              <a:rPr lang="zh-TW" altLang="en-US" sz="1200" dirty="0">
+                <a:highlight>
+                  <a:srgbClr val="FFFF00"/>
+                </a:highlight>
+                <a:latin typeface="Consolas" panose="020B0609020204030204" pitchFamily="49" charset="0"/>
+              </a:rPr>
+              <a:t>[</a:t>
+            </a:r>
+          </a:p>
+          <a:p>
+            <a:r>
+              <a:rPr lang="zh-TW" altLang="en-US" sz="1200" dirty="0">
+                <a:highlight>
+                  <a:srgbClr val="FFFF00"/>
+                </a:highlight>
+                <a:latin typeface="Consolas" panose="020B0609020204030204" pitchFamily="49" charset="0"/>
+              </a:rPr>
+              <a:t>    {</a:t>
+            </a:r>
+          </a:p>
+          <a:p>
+            <a:r>
+              <a:rPr lang="zh-TW" altLang="en-US" sz="1200" dirty="0">
+                <a:highlight>
+                  <a:srgbClr val="FFFF00"/>
+                </a:highlight>
+                <a:latin typeface="Consolas" panose="020B0609020204030204" pitchFamily="49" charset="0"/>
+              </a:rPr>
+              <a:t>        "SubmarineCable": "str",</a:t>
+            </a:r>
+          </a:p>
+          <a:p>
+            <a:r>
+              <a:rPr lang="zh-TW" altLang="en-US" sz="1200" dirty="0">
+                <a:highlight>
+                  <a:srgbClr val="FFFF00"/>
+                </a:highlight>
+                <a:latin typeface="Consolas" panose="020B0609020204030204" pitchFamily="49" charset="0"/>
+              </a:rPr>
+              <a:t>        "BillMilestone": "str",</a:t>
+            </a:r>
+          </a:p>
+          <a:p>
+            <a:r>
+              <a:rPr lang="zh-TW" altLang="en-US" sz="1200" dirty="0">
+                <a:highlight>
+                  <a:srgbClr val="FFFF00"/>
+                </a:highlight>
+                <a:latin typeface="Consolas" panose="020B0609020204030204" pitchFamily="49" charset="0"/>
+              </a:rPr>
+              <a:t>        "PartyName": "str",</a:t>
+            </a:r>
+          </a:p>
+          <a:p>
+            <a:r>
+              <a:rPr lang="zh-TW" altLang="en-US" sz="1200" dirty="0">
+                <a:highlight>
+                  <a:srgbClr val="FFFF00"/>
+                </a:highlight>
+                <a:latin typeface="Consolas" panose="020B0609020204030204" pitchFamily="49" charset="0"/>
+              </a:rPr>
+              <a:t>        "WorkTitle": "str",</a:t>
+            </a:r>
+          </a:p>
+          <a:p>
+            <a:r>
+              <a:rPr lang="zh-TW" altLang="en-US" sz="1200" dirty="0">
+                <a:highlight>
+                  <a:srgbClr val="FFFF00"/>
+                </a:highlight>
+                <a:latin typeface="Consolas" panose="020B0609020204030204" pitchFamily="49" charset="0"/>
+              </a:rPr>
+              <a:t>        </a:t>
+            </a:r>
+            <a:r>
+              <a:rPr lang="zh-TW" altLang="en-US" sz="1200" strike="sngStrike" dirty="0">
+                <a:highlight>
+                  <a:srgbClr val="FFFF00"/>
+                </a:highlight>
+                <a:latin typeface="Consolas" panose="020B0609020204030204" pitchFamily="49" charset="0"/>
+              </a:rPr>
+              <a:t>"LBRatio": float</a:t>
+            </a:r>
+          </a:p>
+          <a:p>
+            <a:r>
+              <a:rPr lang="zh-TW" altLang="en-US" sz="1200" dirty="0">
+                <a:highlight>
+                  <a:srgbClr val="FFFF00"/>
+                </a:highlight>
+                <a:latin typeface="Consolas" panose="020B0609020204030204" pitchFamily="49" charset="0"/>
+              </a:rPr>
+              <a:t>     },</a:t>
+            </a:r>
+          </a:p>
+          <a:p>
+            <a:r>
+              <a:rPr lang="zh-TW" altLang="en-US" sz="1200" dirty="0">
+                <a:highlight>
+                  <a:srgbClr val="FFFF00"/>
+                </a:highlight>
+                <a:latin typeface="Consolas" panose="020B0609020204030204" pitchFamily="49" charset="0"/>
+              </a:rPr>
+              <a:t>     {...},</a:t>
+            </a:r>
+          </a:p>
+          <a:p>
+            <a:r>
+              <a:rPr lang="zh-TW" altLang="en-US" sz="1200" dirty="0">
+                <a:highlight>
+                  <a:srgbClr val="FFFF00"/>
+                </a:highlight>
+                <a:latin typeface="Consolas" panose="020B0609020204030204" pitchFamily="49" charset="0"/>
+              </a:rPr>
+              <a:t>     {...},</a:t>
+            </a:r>
+          </a:p>
+          <a:p>
+            <a:r>
+              <a:rPr lang="zh-TW" altLang="en-US" sz="1200" dirty="0">
+                <a:highlight>
+                  <a:srgbClr val="FFFF00"/>
+                </a:highlight>
+                <a:latin typeface="Consolas" panose="020B0609020204030204" pitchFamily="49" charset="0"/>
+              </a:rPr>
+              <a:t>     {...},</a:t>
+            </a:r>
+          </a:p>
+          <a:p>
+            <a:r>
+              <a:rPr lang="zh-TW" altLang="en-US" sz="1200" dirty="0">
+                <a:highlight>
+                  <a:srgbClr val="FFFF00"/>
+                </a:highlight>
+                <a:latin typeface="Consolas" panose="020B0609020204030204" pitchFamily="49" charset="0"/>
+              </a:rPr>
+              <a:t>]</a:t>
             </a:r>
           </a:p>
         </p:txBody>
@@ -3779,7 +5119,7 @@
     </p:spTree>
     <p:extLst>
       <p:ext uri="{BB962C8B-B14F-4D97-AF65-F5344CB8AC3E}">
-        <p14:creationId xmlns:p14="http://schemas.microsoft.com/office/powerpoint/2010/main" val="4269360803"/>
+        <p14:creationId xmlns:p14="http://schemas.microsoft.com/office/powerpoint/2010/main" val="79748170"/>
       </p:ext>
     </p:extLst>
   </p:cSld>
@@ -3841,7 +5181,7 @@
                 <a:ea typeface="BiauKai" panose="02010601000101010101" pitchFamily="2" charset="-120"/>
                 <a:cs typeface="Consolas" panose="020B0609020204030204" pitchFamily="49" charset="0"/>
               </a:rPr>
-              <a:t>Liability</a:t>
+              <a:t>Liability-1(</a:t>
             </a:r>
             <a:r>
               <a:rPr kumimoji="1" lang="zh-TW" altLang="en-US" dirty="0">
@@ -3849,17 +5189,30 @@
                 <a:ea typeface="BiauKai" panose="02010601000101010101" pitchFamily="2" charset="-120"/>
                 <a:cs typeface="Consolas" panose="020B0609020204030204" pitchFamily="49" charset="0"/>
               </a:rPr>
-              <a:t>是否已經存在</a:t>
-            </a:r>
-          </a:p>
-        </p:txBody>
-      </p:sp>
-      <p:sp>
-        <p:nvSpPr>
-          <p:cNvPr id="5" name="文字方塊 4">
-            <a:extLst>
-              <a:ext uri="{FF2B5EF4-FFF2-40B4-BE49-F238E27FC236}">
-                <a16:creationId xmlns:a16="http://schemas.microsoft.com/office/drawing/2014/main" id="{A1016D32-42EC-0E0F-1DA7-98E65F064155}"/>
+              <a:t>下拉選單</a:t>
+            </a:r>
+            <a:r>
+              <a:rPr kumimoji="1" lang="en-US" altLang="zh-TW" dirty="0">
+                <a:latin typeface="Consolas" panose="020B0609020204030204" pitchFamily="49" charset="0"/>
+                <a:ea typeface="BiauKai" panose="02010601000101010101" pitchFamily="2" charset="-120"/>
+                <a:cs typeface="Consolas" panose="020B0609020204030204" pitchFamily="49" charset="0"/>
+              </a:rPr>
+              <a:t>)</a:t>
+            </a:r>
+            <a:endParaRPr kumimoji="1" lang="zh-TW" altLang="en-US" dirty="0">
+              <a:latin typeface="Consolas" panose="020B0609020204030204" pitchFamily="49" charset="0"/>
+              <a:ea typeface="BiauKai" panose="02010601000101010101" pitchFamily="2" charset="-120"/>
+              <a:cs typeface="Consolas" panose="020B0609020204030204" pitchFamily="49" charset="0"/>
+            </a:endParaRPr>
+          </a:p>
+        </p:txBody>
+      </p:sp>
+      <p:sp>
+        <p:nvSpPr>
+          <p:cNvPr id="7" name="文字方塊 6">
+            <a:extLst>
+              <a:ext uri="{FF2B5EF4-FFF2-40B4-BE49-F238E27FC236}">
+                <a16:creationId xmlns:a16="http://schemas.microsoft.com/office/drawing/2014/main" id="{3CF2A71B-0A2B-138D-A063-460C85CB5EAC}"/>
               </a:ext>
             </a:extLst>
           </p:cNvPr>
@@ -3868,8 +5221,8 @@
         </p:nvSpPr>
         <p:spPr>
           <a:xfrm>
-            <a:off x="4689543" y="2060020"/>
-            <a:ext cx="3130685" cy="3600986"/>
+            <a:off x="910797" y="3941219"/>
+            <a:ext cx="5633936" cy="461665"/>
           </a:xfrm>
           <a:prstGeom prst="rect">
             <a:avLst/>
@@ -3892,8 +5245,19 @@
                 <a:latin typeface="Consolas" panose="020B0609020204030204" pitchFamily="49" charset="0"/>
                 <a:cs typeface="Consolas" panose="020B0609020204030204" pitchFamily="49" charset="0"/>
               </a:rPr>
-              <a:t>[</a:t>
-            </a:r>
+              <a:t>Method: </a:t>
+            </a:r>
+            <a:r>
+              <a:rPr lang="en-US" altLang="zh-TW" sz="1200" dirty="0">
+                <a:latin typeface="Consolas" panose="020B0609020204030204" pitchFamily="49" charset="0"/>
+                <a:cs typeface="Consolas" panose="020B0609020204030204" pitchFamily="49" charset="0"/>
+              </a:rPr>
+              <a:t>GET</a:t>
+            </a:r>
+            <a:endParaRPr lang="zh-TW" altLang="en-US" sz="1200" dirty="0">
+              <a:latin typeface="Consolas" panose="020B0609020204030204" pitchFamily="49" charset="0"/>
+              <a:cs typeface="Consolas" panose="020B0609020204030204" pitchFamily="49" charset="0"/>
+            </a:endParaRPr>
           </a:p>
           <a:p>
             <a:r>
@@ -3901,313 +5265,225 @@
                 <a:latin typeface="Consolas" panose="020B0609020204030204" pitchFamily="49" charset="0"/>
                 <a:cs typeface="Consolas" panose="020B0609020204030204" pitchFamily="49" charset="0"/>
               </a:rPr>
-              <a:t>  {</a:t>
-            </a:r>
-          </a:p>
-          <a:p>
+              <a:t>URL:</a:t>
+            </a:r>
+            <a:r>
+              <a:rPr lang="en-US" altLang="zh-TW" sz="1200" dirty="0">
+                <a:latin typeface="Consolas" panose="020B0609020204030204" pitchFamily="49" charset="0"/>
+                <a:cs typeface="Consolas" panose="020B0609020204030204" pitchFamily="49" charset="0"/>
+              </a:rPr>
+              <a:t> </a:t>
+            </a:r>
             <a:r>
               <a:rPr lang="zh-TW" altLang="en-US" sz="1200" dirty="0">
                 <a:latin typeface="Consolas" panose="020B0609020204030204" pitchFamily="49" charset="0"/>
                 <a:cs typeface="Consolas" panose="020B0609020204030204" pitchFamily="49" charset="0"/>
-              </a:rPr>
-              <a:t>    "WorkTitle": "Construction",</a:t>
-            </a:r>
-          </a:p>
-          <a:p>
-            <a:r>
-              <a:rPr lang="zh-TW" altLang="en-US" sz="1200" dirty="0">
-                <a:latin typeface="Consolas" panose="020B0609020204030204" pitchFamily="49" charset="0"/>
-                <a:cs typeface="Consolas" panose="020B0609020204030204" pitchFamily="49" charset="0"/>
-              </a:rPr>
-              <a:t>    "LBRatio": 7.1428571429,</a:t>
-            </a:r>
-          </a:p>
-          <a:p>
-            <a:r>
-              <a:rPr lang="zh-TW" altLang="en-US" sz="1200" dirty="0">
-                <a:latin typeface="Consolas" panose="020B0609020204030204" pitchFamily="49" charset="0"/>
-                <a:cs typeface="Consolas" panose="020B0609020204030204" pitchFamily="49" charset="0"/>
-              </a:rPr>
-              <a:t>    "BillMilestone": "BM9a",</a:t>
-            </a:r>
-          </a:p>
-          <a:p>
-            <a:r>
-              <a:rPr lang="zh-TW" altLang="en-US" sz="1200" dirty="0">
-                <a:latin typeface="Consolas" panose="020B0609020204030204" pitchFamily="49" charset="0"/>
-                <a:cs typeface="Consolas" panose="020B0609020204030204" pitchFamily="49" charset="0"/>
-              </a:rPr>
-              <a:t>    "SubmarineCable": "SJC2",</a:t>
-            </a:r>
-          </a:p>
-          <a:p>
-            <a:r>
-              <a:rPr lang="zh-TW" altLang="en-US" sz="1200" dirty="0">
-                <a:latin typeface="Consolas" panose="020B0609020204030204" pitchFamily="49" charset="0"/>
-                <a:cs typeface="Consolas" panose="020B0609020204030204" pitchFamily="49" charset="0"/>
-              </a:rPr>
-              <a:t>    "PartyName": "CHT"</a:t>
-            </a:r>
-          </a:p>
-          <a:p>
-            <a:r>
-              <a:rPr lang="zh-TW" altLang="en-US" sz="1200" dirty="0">
-                <a:latin typeface="Consolas" panose="020B0609020204030204" pitchFamily="49" charset="0"/>
-                <a:cs typeface="Consolas" panose="020B0609020204030204" pitchFamily="49" charset="0"/>
-              </a:rPr>
-              <a:t>  },</a:t>
-            </a:r>
-          </a:p>
-          <a:p>
-            <a:r>
-              <a:rPr lang="zh-TW" altLang="en-US" sz="1200" dirty="0">
-                <a:latin typeface="Consolas" panose="020B0609020204030204" pitchFamily="49" charset="0"/>
-                <a:cs typeface="Consolas" panose="020B0609020204030204" pitchFamily="49" charset="0"/>
-              </a:rPr>
-              <a:t>  {</a:t>
-            </a:r>
-          </a:p>
-          <a:p>
-            <a:r>
-              <a:rPr lang="zh-TW" altLang="en-US" sz="1200" dirty="0">
-                <a:latin typeface="Consolas" panose="020B0609020204030204" pitchFamily="49" charset="0"/>
-                <a:cs typeface="Consolas" panose="020B0609020204030204" pitchFamily="49" charset="0"/>
-              </a:rPr>
-              <a:t>    "WorkTitle": "Construction",</a:t>
-            </a:r>
-          </a:p>
-          <a:p>
-            <a:r>
-              <a:rPr lang="zh-TW" altLang="en-US" sz="1200" dirty="0">
-                <a:latin typeface="Consolas" panose="020B0609020204030204" pitchFamily="49" charset="0"/>
-                <a:cs typeface="Consolas" panose="020B0609020204030204" pitchFamily="49" charset="0"/>
-              </a:rPr>
-              <a:t>    "LBRatio": 7.1428571429,</a:t>
-            </a:r>
-          </a:p>
-          <a:p>
-            <a:r>
-              <a:rPr lang="zh-TW" altLang="en-US" sz="1200" dirty="0">
-                <a:latin typeface="Consolas" panose="020B0609020204030204" pitchFamily="49" charset="0"/>
-                <a:cs typeface="Consolas" panose="020B0609020204030204" pitchFamily="49" charset="0"/>
-              </a:rPr>
-              <a:t>    "BillMilestone": "BM12",</a:t>
-            </a:r>
-          </a:p>
-          <a:p>
-            <a:r>
-              <a:rPr lang="zh-TW" altLang="en-US" sz="1200" dirty="0">
-                <a:latin typeface="Consolas" panose="020B0609020204030204" pitchFamily="49" charset="0"/>
-                <a:cs typeface="Consolas" panose="020B0609020204030204" pitchFamily="49" charset="0"/>
-              </a:rPr>
-              <a:t>    "SubmarineCable": "SJC2",</a:t>
-            </a:r>
-          </a:p>
-          <a:p>
-            <a:r>
-              <a:rPr lang="zh-TW" altLang="en-US" sz="1200" dirty="0">
-                <a:latin typeface="Consolas" panose="020B0609020204030204" pitchFamily="49" charset="0"/>
-                <a:cs typeface="Consolas" panose="020B0609020204030204" pitchFamily="49" charset="0"/>
-              </a:rPr>
-              <a:t>    "PartyName": "CHT"</a:t>
-            </a:r>
-          </a:p>
-          <a:p>
-            <a:r>
-              <a:rPr lang="zh-TW" altLang="en-US" sz="1200" dirty="0">
-                <a:latin typeface="Consolas" panose="020B0609020204030204" pitchFamily="49" charset="0"/>
-                <a:cs typeface="Consolas" panose="020B0609020204030204" pitchFamily="49" charset="0"/>
-              </a:rPr>
-              <a:t>  },</a:t>
-            </a:r>
-          </a:p>
-          <a:p>
-            <a:r>
-              <a:rPr lang="zh-TW" altLang="en-US" sz="1200" dirty="0">
-                <a:latin typeface="Consolas" panose="020B0609020204030204" pitchFamily="49" charset="0"/>
-                <a:cs typeface="Consolas" panose="020B0609020204030204" pitchFamily="49" charset="0"/>
-              </a:rPr>
-              <a:t>  {...},</a:t>
-            </a:r>
-          </a:p>
-          <a:p>
-            <a:r>
-              <a:rPr lang="zh-TW" altLang="en-US" sz="1200" dirty="0">
-                <a:latin typeface="Consolas" panose="020B0609020204030204" pitchFamily="49" charset="0"/>
-                <a:cs typeface="Consolas" panose="020B0609020204030204" pitchFamily="49" charset="0"/>
-              </a:rPr>
-              <a:t>  {...},</a:t>
-            </a:r>
-          </a:p>
-          <a:p>
-            <a:r>
-              <a:rPr lang="zh-TW" altLang="en-US" sz="1200" dirty="0">
-                <a:latin typeface="Consolas" panose="020B0609020204030204" pitchFamily="49" charset="0"/>
-                <a:cs typeface="Consolas" panose="020B0609020204030204" pitchFamily="49" charset="0"/>
-              </a:rPr>
-              <a:t>  {...}</a:t>
-            </a:r>
-          </a:p>
-          <a:p>
-            <a:r>
-              <a:rPr lang="zh-TW" altLang="en-US" sz="1200" dirty="0">
-                <a:latin typeface="Consolas" panose="020B0609020204030204" pitchFamily="49" charset="0"/>
-                <a:cs typeface="Consolas" panose="020B0609020204030204" pitchFamily="49" charset="0"/>
-              </a:rPr>
-              <a:t>]</a:t>
-            </a:r>
-          </a:p>
-        </p:txBody>
-      </p:sp>
-      <p:sp>
-        <p:nvSpPr>
-          <p:cNvPr id="7" name="文字方塊 6">
-            <a:extLst>
-              <a:ext uri="{FF2B5EF4-FFF2-40B4-BE49-F238E27FC236}">
-                <a16:creationId xmlns:a16="http://schemas.microsoft.com/office/drawing/2014/main" id="{3CF2A71B-0A2B-138D-A063-460C85CB5EAC}"/>
-              </a:ext>
-            </a:extLst>
-          </p:cNvPr>
-          <p:cNvSpPr txBox="1"/>
+                <a:hlinkClick r:id="rId2"/>
+              </a:rPr>
+              <a:t>http://127.0.0.1:8000/api/v1/</a:t>
+            </a:r>
+            <a:r>
+              <a:rPr lang="en-US" altLang="zh-TW" sz="1200" dirty="0" err="1">
+                <a:latin typeface="Consolas" panose="020B0609020204030204" pitchFamily="49" charset="0"/>
+                <a:cs typeface="Consolas" panose="020B0609020204030204" pitchFamily="49" charset="0"/>
+                <a:hlinkClick r:id="rId2"/>
+              </a:rPr>
+              <a:t>dropdownmenuBillMilestone</a:t>
+            </a:r>
+            <a:endParaRPr lang="en-US" altLang="zh-TW" sz="1200" dirty="0">
+              <a:latin typeface="Consolas" panose="020B0609020204030204" pitchFamily="49" charset="0"/>
+              <a:cs typeface="Consolas" panose="020B0609020204030204" pitchFamily="49" charset="0"/>
+            </a:endParaRPr>
+          </a:p>
+        </p:txBody>
+      </p:sp>
+      <p:pic>
+        <p:nvPicPr>
+          <p:cNvPr id="6" name="圖片 5">
+            <a:extLst>
+              <a:ext uri="{FF2B5EF4-FFF2-40B4-BE49-F238E27FC236}">
+                <a16:creationId xmlns:a16="http://schemas.microsoft.com/office/drawing/2014/main" id="{4034305A-EF54-4C8D-ADC5-ACDD1A019F58}"/>
+              </a:ext>
+            </a:extLst>
+          </p:cNvPr>
+          <p:cNvPicPr>
+            <a:picLocks noChangeAspect="1"/>
+          </p:cNvPicPr>
           <p:nvPr/>
-        </p:nvSpPr>
+        </p:nvPicPr>
+        <p:blipFill>
+          <a:blip r:embed="rId3"/>
+          <a:stretch>
+            <a:fillRect/>
+          </a:stretch>
+        </p:blipFill>
         <p:spPr>
           <a:xfrm>
-            <a:off x="838200" y="5751758"/>
-            <a:ext cx="4657928" cy="646331"/>
+            <a:off x="910797" y="1600184"/>
+            <a:ext cx="8119533" cy="2217995"/>
+          </a:xfrm>
+          <a:prstGeom prst="rect">
+            <a:avLst/>
+          </a:prstGeom>
+        </p:spPr>
+      </p:pic>
+      <p:sp>
+        <p:nvSpPr>
+          <p:cNvPr id="9" name="矩形 8">
+            <a:extLst>
+              <a:ext uri="{FF2B5EF4-FFF2-40B4-BE49-F238E27FC236}">
+                <a16:creationId xmlns:a16="http://schemas.microsoft.com/office/drawing/2014/main" id="{76A815E9-48F5-4B04-A48D-34738CD1681A}"/>
+              </a:ext>
+            </a:extLst>
+          </p:cNvPr>
+          <p:cNvSpPr/>
+          <p:nvPr/>
+        </p:nvSpPr>
+        <p:spPr>
+          <a:xfrm>
+            <a:off x="1235869" y="2357438"/>
+            <a:ext cx="1812131" cy="269081"/>
           </a:xfrm>
           <a:prstGeom prst="rect">
             <a:avLst/>
           </a:prstGeom>
           <a:noFill/>
+          <a:ln>
+            <a:solidFill>
+              <a:srgbClr val="FF0000"/>
+            </a:solidFill>
+          </a:ln>
         </p:spPr>
-        <p:txBody>
-          <a:bodyPr wrap="square">
-            <a:spAutoFit/>
-          </a:bodyPr>
-          <a:lstStyle/>
-          <a:p>
-            <a:r>
-              <a:rPr lang="zh-TW" altLang="en-US" sz="1200" dirty="0">
-                <a:latin typeface="Consolas" panose="020B0609020204030204" pitchFamily="49" charset="0"/>
-                <a:cs typeface="Consolas" panose="020B0609020204030204" pitchFamily="49" charset="0"/>
-              </a:rPr>
-              <a:t>Method: POST</a:t>
-            </a:r>
-          </a:p>
-          <a:p>
-            <a:r>
-              <a:rPr lang="zh-TW" altLang="en-US" sz="1200" dirty="0">
-                <a:latin typeface="Consolas" panose="020B0609020204030204" pitchFamily="49" charset="0"/>
-                <a:cs typeface="Consolas" panose="020B0609020204030204" pitchFamily="49" charset="0"/>
-              </a:rPr>
-              <a:t>URL:</a:t>
-            </a:r>
-            <a:r>
-              <a:rPr lang="en-US" altLang="zh-TW" sz="1200" dirty="0">
-                <a:latin typeface="Consolas" panose="020B0609020204030204" pitchFamily="49" charset="0"/>
-                <a:cs typeface="Consolas" panose="020B0609020204030204" pitchFamily="49" charset="0"/>
-              </a:rPr>
-              <a:t> </a:t>
-            </a:r>
-            <a:r>
-              <a:rPr lang="zh-TW" altLang="en-US" sz="1200" dirty="0">
-                <a:latin typeface="Consolas" panose="020B0609020204030204" pitchFamily="49" charset="0"/>
-                <a:cs typeface="Consolas" panose="020B0609020204030204" pitchFamily="49" charset="0"/>
-                <a:hlinkClick r:id="rId2"/>
-              </a:rPr>
-              <a:t>http://127.0.0.1:8000/api/v1/</a:t>
-            </a:r>
-            <a:r>
-              <a:rPr lang="en" altLang="zh-TW" sz="1200" dirty="0">
-                <a:latin typeface="Consolas" panose="020B0609020204030204" pitchFamily="49" charset="0"/>
-                <a:cs typeface="Consolas" panose="020B0609020204030204" pitchFamily="49" charset="0"/>
-                <a:hlinkClick r:id="rId2"/>
-              </a:rPr>
-              <a:t>compareLiability</a:t>
-            </a:r>
-            <a:endParaRPr lang="en" altLang="zh-TW" sz="1200" dirty="0">
-              <a:latin typeface="Consolas" panose="020B0609020204030204" pitchFamily="49" charset="0"/>
-              <a:cs typeface="Consolas" panose="020B0609020204030204" pitchFamily="49" charset="0"/>
-            </a:endParaRPr>
-          </a:p>
-          <a:p>
-            <a:endParaRPr lang="en-US" altLang="zh-TW" sz="1200" dirty="0">
-              <a:latin typeface="Consolas" panose="020B0609020204030204" pitchFamily="49" charset="0"/>
-              <a:cs typeface="Consolas" panose="020B0609020204030204" pitchFamily="49" charset="0"/>
-            </a:endParaRPr>
-          </a:p>
-        </p:txBody>
-      </p:sp>
-      <p:sp>
-        <p:nvSpPr>
-          <p:cNvPr id="4" name="文字方塊 3">
-            <a:extLst>
-              <a:ext uri="{FF2B5EF4-FFF2-40B4-BE49-F238E27FC236}">
-                <a16:creationId xmlns:a16="http://schemas.microsoft.com/office/drawing/2014/main" id="{A55457FB-B937-051E-8EF9-C4A00E04BCE0}"/>
-              </a:ext>
-            </a:extLst>
-          </p:cNvPr>
-          <p:cNvSpPr txBox="1"/>
+        <p:style>
+          <a:lnRef idx="2">
+            <a:schemeClr val="accent1">
+              <a:shade val="50000"/>
+            </a:schemeClr>
+          </a:lnRef>
+          <a:fillRef idx="1">
+            <a:schemeClr val="accent1"/>
+          </a:fillRef>
+          <a:effectRef idx="0">
+            <a:schemeClr val="accent1"/>
+          </a:effectRef>
+          <a:fontRef idx="minor">
+            <a:schemeClr val="lt1"/>
+          </a:fontRef>
+        </p:style>
+        <p:txBody>
+          <a:bodyPr rtlCol="0" anchor="ctr"/>
+          <a:lstStyle/>
+          <a:p>
+            <a:pPr algn="ctr"/>
+            <a:endParaRPr lang="zh-TW" altLang="en-US"/>
+          </a:p>
+        </p:txBody>
+      </p:sp>
+      <p:sp>
+        <p:nvSpPr>
+          <p:cNvPr id="14" name="矩形 13">
+            <a:extLst>
+              <a:ext uri="{FF2B5EF4-FFF2-40B4-BE49-F238E27FC236}">
+                <a16:creationId xmlns:a16="http://schemas.microsoft.com/office/drawing/2014/main" id="{258C6A6C-A088-4D83-AEBD-FC25BDAD2154}"/>
+              </a:ext>
+            </a:extLst>
+          </p:cNvPr>
+          <p:cNvSpPr/>
           <p:nvPr/>
         </p:nvSpPr>
         <p:spPr>
           <a:xfrm>
-            <a:off x="8629244" y="1770597"/>
-            <a:ext cx="2032270" cy="276999"/>
+            <a:off x="1235869" y="2654285"/>
+            <a:ext cx="1812131" cy="222265"/>
           </a:xfrm>
           <a:prstGeom prst="rect">
             <a:avLst/>
           </a:prstGeom>
           <a:noFill/>
+          <a:ln>
+            <a:solidFill>
+              <a:srgbClr val="FF0000"/>
+            </a:solidFill>
+          </a:ln>
         </p:spPr>
-        <p:txBody>
-          <a:bodyPr wrap="square">
-            <a:spAutoFit/>
-          </a:bodyPr>
-          <a:lstStyle/>
-          <a:p>
-            <a:r>
-              <a:rPr lang="zh-TW" altLang="en-US" sz="1200" dirty="0">
-                <a:highlight>
-                  <a:srgbClr val="FFFF00"/>
-                </a:highlight>
-                <a:latin typeface="Consolas" panose="020B0609020204030204" pitchFamily="49" charset="0"/>
-                <a:ea typeface="BiauKai" panose="02010601000101010101" pitchFamily="2" charset="-120"/>
-                <a:cs typeface="Consolas" panose="020B0609020204030204" pitchFamily="49" charset="0"/>
-              </a:rPr>
-              <a:t>沒有</a:t>
-            </a:r>
-            <a:r>
-              <a:rPr lang="zh-TW" altLang="en-US" sz="1200" dirty="0">
-                <a:latin typeface="Consolas" panose="020B0609020204030204" pitchFamily="49" charset="0"/>
-                <a:ea typeface="BiauKai" panose="02010601000101010101" pitchFamily="2" charset="-120"/>
-                <a:cs typeface="Consolas" panose="020B0609020204030204" pitchFamily="49" charset="0"/>
-              </a:rPr>
-              <a:t>已經存在的</a:t>
-            </a:r>
-            <a:r>
-              <a:rPr lang="en-US" altLang="zh-TW" sz="1200" dirty="0">
-                <a:latin typeface="Consolas" panose="020B0609020204030204" pitchFamily="49" charset="0"/>
-                <a:ea typeface="BiauKai" panose="02010601000101010101" pitchFamily="2" charset="-120"/>
-                <a:cs typeface="Consolas" panose="020B0609020204030204" pitchFamily="49" charset="0"/>
-              </a:rPr>
-              <a:t>Liability</a:t>
-            </a:r>
-            <a:endParaRPr lang="zh-TW" altLang="en-US" sz="1200" dirty="0">
-              <a:latin typeface="Consolas" panose="020B0609020204030204" pitchFamily="49" charset="0"/>
-              <a:ea typeface="BiauKai" panose="02010601000101010101" pitchFamily="2" charset="-120"/>
-              <a:cs typeface="Consolas" panose="020B0609020204030204" pitchFamily="49" charset="0"/>
-            </a:endParaRPr>
-          </a:p>
-        </p:txBody>
-      </p:sp>
-      <p:sp>
-        <p:nvSpPr>
-          <p:cNvPr id="8" name="文字方塊 7">
-            <a:extLst>
-              <a:ext uri="{FF2B5EF4-FFF2-40B4-BE49-F238E27FC236}">
-                <a16:creationId xmlns:a16="http://schemas.microsoft.com/office/drawing/2014/main" id="{A8772317-4EF1-A83E-88F4-D471C9248112}"/>
+        <p:style>
+          <a:lnRef idx="2">
+            <a:schemeClr val="accent1">
+              <a:shade val="50000"/>
+            </a:schemeClr>
+          </a:lnRef>
+          <a:fillRef idx="1">
+            <a:schemeClr val="accent1"/>
+          </a:fillRef>
+          <a:effectRef idx="0">
+            <a:schemeClr val="accent1"/>
+          </a:effectRef>
+          <a:fontRef idx="minor">
+            <a:schemeClr val="lt1"/>
+          </a:fontRef>
+        </p:style>
+        <p:txBody>
+          <a:bodyPr rtlCol="0" anchor="ctr"/>
+          <a:lstStyle/>
+          <a:p>
+            <a:pPr algn="ctr"/>
+            <a:endParaRPr lang="zh-TW" altLang="en-US"/>
+          </a:p>
+        </p:txBody>
+      </p:sp>
+      <p:cxnSp>
+        <p:nvCxnSpPr>
+          <p:cNvPr id="16" name="接點: 肘形 15">
+            <a:extLst>
+              <a:ext uri="{FF2B5EF4-FFF2-40B4-BE49-F238E27FC236}">
+                <a16:creationId xmlns:a16="http://schemas.microsoft.com/office/drawing/2014/main" id="{7E7F5FA1-F643-40C2-986D-856607017030}"/>
+              </a:ext>
+            </a:extLst>
+          </p:cNvPr>
+          <p:cNvCxnSpPr>
+            <a:stCxn id="9" idx="1"/>
+            <a:endCxn id="7" idx="1"/>
+          </p:cNvCxnSpPr>
+          <p:nvPr/>
+        </p:nvCxnSpPr>
+        <p:spPr>
+          <a:xfrm rot="10800000" flipV="1">
+            <a:off x="910797" y="2491978"/>
+            <a:ext cx="325072" cy="1680073"/>
+          </a:xfrm>
+          <a:prstGeom prst="bentConnector3">
+            <a:avLst>
+              <a:gd name="adj1" fmla="val 170323"/>
+            </a:avLst>
+          </a:prstGeom>
+          <a:ln>
+            <a:solidFill>
+              <a:schemeClr val="tx1"/>
+            </a:solidFill>
+            <a:tailEnd type="triangle"/>
+          </a:ln>
+        </p:spPr>
+        <p:style>
+          <a:lnRef idx="1">
+            <a:schemeClr val="accent1"/>
+          </a:lnRef>
+          <a:fillRef idx="0">
+            <a:schemeClr val="accent1"/>
+          </a:fillRef>
+          <a:effectRef idx="0">
+            <a:schemeClr val="accent1"/>
+          </a:effectRef>
+          <a:fontRef idx="minor">
+            <a:schemeClr val="tx1"/>
+          </a:fontRef>
+        </p:style>
+      </p:cxnSp>
+      <p:sp>
+        <p:nvSpPr>
+          <p:cNvPr id="17" name="文字方塊 16">
+            <a:extLst>
+              <a:ext uri="{FF2B5EF4-FFF2-40B4-BE49-F238E27FC236}">
+                <a16:creationId xmlns:a16="http://schemas.microsoft.com/office/drawing/2014/main" id="{69FE6F39-2CB3-4681-9496-884A582B19B8}"/>
               </a:ext>
             </a:extLst>
           </p:cNvPr>
@@ -4216,8 +5492,8 @@
         </p:nvSpPr>
         <p:spPr>
           <a:xfrm>
-            <a:off x="8720036" y="2060020"/>
-            <a:ext cx="2633764" cy="830997"/>
+            <a:off x="910797" y="4528258"/>
+            <a:ext cx="5633936" cy="461665"/>
           </a:xfrm>
           <a:prstGeom prst="rect">
             <a:avLst/>
@@ -4240,8 +5516,19 @@
                 <a:latin typeface="Consolas" panose="020B0609020204030204" pitchFamily="49" charset="0"/>
                 <a:cs typeface="Consolas" panose="020B0609020204030204" pitchFamily="49" charset="0"/>
               </a:rPr>
-              <a:t>{</a:t>
-            </a:r>
+              <a:t>Method: </a:t>
+            </a:r>
+            <a:r>
+              <a:rPr lang="en-US" altLang="zh-TW" sz="1200" dirty="0">
+                <a:latin typeface="Consolas" panose="020B0609020204030204" pitchFamily="49" charset="0"/>
+                <a:cs typeface="Consolas" panose="020B0609020204030204" pitchFamily="49" charset="0"/>
+              </a:rPr>
+              <a:t>GET</a:t>
+            </a:r>
+            <a:endParaRPr lang="zh-TW" altLang="en-US" sz="1200" dirty="0">
+              <a:latin typeface="Consolas" panose="020B0609020204030204" pitchFamily="49" charset="0"/>
+              <a:cs typeface="Consolas" panose="020B0609020204030204" pitchFamily="49" charset="0"/>
+            </a:endParaRPr>
           </a:p>
           <a:p>
             <a:r>
@@ -4249,35 +5536,144 @@
                 <a:latin typeface="Consolas" panose="020B0609020204030204" pitchFamily="49" charset="0"/>
                 <a:cs typeface="Consolas" panose="020B0609020204030204" pitchFamily="49" charset="0"/>
               </a:rPr>
-              <a:t>  "message": "No same data", </a:t>
-            </a:r>
-          </a:p>
-          <a:p>
+              <a:t>URL:</a:t>
+            </a:r>
+            <a:r>
+              <a:rPr lang="en-US" altLang="zh-TW" sz="1200" dirty="0">
+                <a:latin typeface="Consolas" panose="020B0609020204030204" pitchFamily="49" charset="0"/>
+                <a:cs typeface="Consolas" panose="020B0609020204030204" pitchFamily="49" charset="0"/>
+              </a:rPr>
+              <a:t> </a:t>
+            </a:r>
             <a:r>
               <a:rPr lang="zh-TW" altLang="en-US" sz="1200" dirty="0">
                 <a:latin typeface="Consolas" panose="020B0609020204030204" pitchFamily="49" charset="0"/>
                 <a:cs typeface="Consolas" panose="020B0609020204030204" pitchFamily="49" charset="0"/>
-              </a:rPr>
-              <a:t>  "compareResult": []</a:t>
-            </a:r>
-          </a:p>
-          <a:p>
-            <a:r>
-              <a:rPr lang="zh-TW" altLang="en-US" sz="1200" dirty="0">
-                <a:latin typeface="Consolas" panose="020B0609020204030204" pitchFamily="49" charset="0"/>
-                <a:cs typeface="Consolas" panose="020B0609020204030204" pitchFamily="49" charset="0"/>
-              </a:rPr>
-              <a:t>}</a:t>
-            </a:r>
-          </a:p>
-        </p:txBody>
-      </p:sp>
-      <p:sp>
-        <p:nvSpPr>
-          <p:cNvPr id="10" name="文字方塊 9">
-            <a:extLst>
-              <a:ext uri="{FF2B5EF4-FFF2-40B4-BE49-F238E27FC236}">
-                <a16:creationId xmlns:a16="http://schemas.microsoft.com/office/drawing/2014/main" id="{9FB8DB92-9504-385A-1F09-C8FB0B1FEA51}"/>
+                <a:hlinkClick r:id="rId4"/>
+              </a:rPr>
+              <a:t>http://127.0.0.1:8000/api/v1/</a:t>
+            </a:r>
+            <a:r>
+              <a:rPr lang="en-US" altLang="zh-TW" sz="1200" dirty="0" err="1">
+                <a:latin typeface="Consolas" panose="020B0609020204030204" pitchFamily="49" charset="0"/>
+                <a:cs typeface="Consolas" panose="020B0609020204030204" pitchFamily="49" charset="0"/>
+                <a:hlinkClick r:id="rId4"/>
+              </a:rPr>
+              <a:t>dropdownmenuSubmarineCable</a:t>
+            </a:r>
+            <a:endParaRPr lang="en-US" altLang="zh-TW" sz="1200" dirty="0">
+              <a:latin typeface="Consolas" panose="020B0609020204030204" pitchFamily="49" charset="0"/>
+              <a:cs typeface="Consolas" panose="020B0609020204030204" pitchFamily="49" charset="0"/>
+            </a:endParaRPr>
+          </a:p>
+        </p:txBody>
+      </p:sp>
+      <p:cxnSp>
+        <p:nvCxnSpPr>
+          <p:cNvPr id="18" name="接點: 肘形 17">
+            <a:extLst>
+              <a:ext uri="{FF2B5EF4-FFF2-40B4-BE49-F238E27FC236}">
+                <a16:creationId xmlns:a16="http://schemas.microsoft.com/office/drawing/2014/main" id="{B4B41D20-5207-4C68-B0FA-A9A8F7403B80}"/>
+              </a:ext>
+            </a:extLst>
+          </p:cNvPr>
+          <p:cNvCxnSpPr>
+            <a:cxnSpLocks/>
+            <a:stCxn id="14" idx="1"/>
+            <a:endCxn id="17" idx="1"/>
+          </p:cNvCxnSpPr>
+          <p:nvPr/>
+        </p:nvCxnSpPr>
+        <p:spPr>
+          <a:xfrm rot="10800000" flipV="1">
+            <a:off x="910797" y="2765417"/>
+            <a:ext cx="325072" cy="1993673"/>
+          </a:xfrm>
+          <a:prstGeom prst="bentConnector3">
+            <a:avLst>
+              <a:gd name="adj1" fmla="val 199624"/>
+            </a:avLst>
+          </a:prstGeom>
+          <a:ln>
+            <a:solidFill>
+              <a:schemeClr val="tx1"/>
+            </a:solidFill>
+            <a:tailEnd type="triangle"/>
+          </a:ln>
+        </p:spPr>
+        <p:style>
+          <a:lnRef idx="1">
+            <a:schemeClr val="accent1"/>
+          </a:lnRef>
+          <a:fillRef idx="0">
+            <a:schemeClr val="accent1"/>
+          </a:fillRef>
+          <a:effectRef idx="0">
+            <a:schemeClr val="accent1"/>
+          </a:effectRef>
+          <a:fontRef idx="minor">
+            <a:schemeClr val="tx1"/>
+          </a:fontRef>
+        </p:style>
+      </p:cxnSp>
+      <p:sp>
+        <p:nvSpPr>
+          <p:cNvPr id="22" name="矩形 21">
+            <a:extLst>
+              <a:ext uri="{FF2B5EF4-FFF2-40B4-BE49-F238E27FC236}">
+                <a16:creationId xmlns:a16="http://schemas.microsoft.com/office/drawing/2014/main" id="{FA490468-6C05-4178-80E0-BF414790E817}"/>
+              </a:ext>
+            </a:extLst>
+          </p:cNvPr>
+          <p:cNvSpPr/>
+          <p:nvPr/>
+        </p:nvSpPr>
+        <p:spPr>
+          <a:xfrm>
+            <a:off x="3200400" y="2357438"/>
+            <a:ext cx="1812131" cy="269081"/>
+          </a:xfrm>
+          <a:prstGeom prst="rect">
+            <a:avLst/>
+          </a:prstGeom>
+          <a:noFill/>
+          <a:ln>
+            <a:solidFill>
+              <a:srgbClr val="FF0000"/>
+            </a:solidFill>
+          </a:ln>
+        </p:spPr>
+        <p:style>
+          <a:lnRef idx="2">
+            <a:schemeClr val="accent1">
+              <a:shade val="50000"/>
+            </a:schemeClr>
+          </a:lnRef>
+          <a:fillRef idx="1">
+            <a:schemeClr val="accent1"/>
+          </a:fillRef>
+          <a:effectRef idx="0">
+            <a:schemeClr val="accent1"/>
+          </a:effectRef>
+          <a:fontRef idx="minor">
+            <a:schemeClr val="lt1"/>
+          </a:fontRef>
+        </p:style>
+        <p:txBody>
+          <a:bodyPr rtlCol="0" anchor="ctr"/>
+          <a:lstStyle/>
+          <a:p>
+            <a:pPr algn="ctr"/>
+            <a:endParaRPr lang="zh-TW" altLang="en-US"/>
+          </a:p>
+        </p:txBody>
+      </p:sp>
+      <p:sp>
+        <p:nvSpPr>
+          <p:cNvPr id="23" name="文字方塊 22">
+            <a:extLst>
+              <a:ext uri="{FF2B5EF4-FFF2-40B4-BE49-F238E27FC236}">
+                <a16:creationId xmlns:a16="http://schemas.microsoft.com/office/drawing/2014/main" id="{659A8A21-7506-4105-93C3-C978434EA861}"/>
               </a:ext>
             </a:extLst>
           </p:cNvPr>
@@ -4286,8 +5682,8 @@
         </p:nvSpPr>
         <p:spPr>
           <a:xfrm>
-            <a:off x="8668156" y="4091346"/>
-            <a:ext cx="3255524" cy="1569660"/>
+            <a:off x="910796" y="5118353"/>
+            <a:ext cx="5633936" cy="461665"/>
           </a:xfrm>
           <a:prstGeom prst="rect">
             <a:avLst/>
@@ -4310,8 +5706,19 @@
                 <a:latin typeface="Consolas" panose="020B0609020204030204" pitchFamily="49" charset="0"/>
                 <a:cs typeface="Consolas" panose="020B0609020204030204" pitchFamily="49" charset="0"/>
               </a:rPr>
-              <a:t>{</a:t>
-            </a:r>
+              <a:t>Method: </a:t>
+            </a:r>
+            <a:r>
+              <a:rPr lang="en-US" altLang="zh-TW" sz="1200" dirty="0">
+                <a:latin typeface="Consolas" panose="020B0609020204030204" pitchFamily="49" charset="0"/>
+                <a:cs typeface="Consolas" panose="020B0609020204030204" pitchFamily="49" charset="0"/>
+              </a:rPr>
+              <a:t>GET</a:t>
+            </a:r>
+            <a:endParaRPr lang="zh-TW" altLang="en-US" sz="1200" dirty="0">
+              <a:latin typeface="Consolas" panose="020B0609020204030204" pitchFamily="49" charset="0"/>
+              <a:cs typeface="Consolas" panose="020B0609020204030204" pitchFamily="49" charset="0"/>
+            </a:endParaRPr>
           </a:p>
           <a:p>
             <a:r>
@@ -4319,71 +5726,92 @@
                 <a:latin typeface="Consolas" panose="020B0609020204030204" pitchFamily="49" charset="0"/>
                 <a:cs typeface="Consolas" panose="020B0609020204030204" pitchFamily="49" charset="0"/>
               </a:rPr>
-              <a:t>  "message": "There some same datas", </a:t>
-            </a:r>
-          </a:p>
-          <a:p>
+              <a:t>URL:</a:t>
+            </a:r>
+            <a:r>
+              <a:rPr lang="en-US" altLang="zh-TW" sz="1200" dirty="0">
+                <a:latin typeface="Consolas" panose="020B0609020204030204" pitchFamily="49" charset="0"/>
+                <a:cs typeface="Consolas" panose="020B0609020204030204" pitchFamily="49" charset="0"/>
+              </a:rPr>
+              <a:t> </a:t>
+            </a:r>
             <a:r>
               <a:rPr lang="zh-TW" altLang="en-US" sz="1200" dirty="0">
                 <a:latin typeface="Consolas" panose="020B0609020204030204" pitchFamily="49" charset="0"/>
                 <a:cs typeface="Consolas" panose="020B0609020204030204" pitchFamily="49" charset="0"/>
-              </a:rPr>
-              <a:t>  "compareResult": [</a:t>
-            </a:r>
-          </a:p>
-          <a:p>
-            <a:r>
-              <a:rPr lang="zh-TW" altLang="en-US" sz="1200" dirty="0">
-                <a:latin typeface="Consolas" panose="020B0609020204030204" pitchFamily="49" charset="0"/>
-                <a:cs typeface="Consolas" panose="020B0609020204030204" pitchFamily="49" charset="0"/>
-              </a:rPr>
-              <a:t>    {...},</a:t>
-            </a:r>
-          </a:p>
-          <a:p>
-            <a:r>
-              <a:rPr lang="zh-TW" altLang="en-US" sz="1200" dirty="0">
-                <a:latin typeface="Consolas" panose="020B0609020204030204" pitchFamily="49" charset="0"/>
-                <a:cs typeface="Consolas" panose="020B0609020204030204" pitchFamily="49" charset="0"/>
-              </a:rPr>
-              <a:t>    {...},</a:t>
-            </a:r>
-          </a:p>
-          <a:p>
-            <a:r>
-              <a:rPr lang="zh-TW" altLang="en-US" sz="1200" dirty="0">
-                <a:latin typeface="Consolas" panose="020B0609020204030204" pitchFamily="49" charset="0"/>
-                <a:cs typeface="Consolas" panose="020B0609020204030204" pitchFamily="49" charset="0"/>
-              </a:rPr>
-              <a:t>    {...}</a:t>
-            </a:r>
-          </a:p>
-          <a:p>
-            <a:r>
-              <a:rPr lang="zh-TW" altLang="en-US" sz="1200" dirty="0">
-                <a:latin typeface="Consolas" panose="020B0609020204030204" pitchFamily="49" charset="0"/>
-                <a:cs typeface="Consolas" panose="020B0609020204030204" pitchFamily="49" charset="0"/>
-              </a:rPr>
-              <a:t>  ]</a:t>
-            </a:r>
-          </a:p>
-          <a:p>
-            <a:r>
-              <a:rPr lang="zh-TW" altLang="en-US" sz="1200" dirty="0">
-                <a:latin typeface="Consolas" panose="020B0609020204030204" pitchFamily="49" charset="0"/>
-                <a:cs typeface="Consolas" panose="020B0609020204030204" pitchFamily="49" charset="0"/>
-              </a:rPr>
-              <a:t>}</a:t>
-            </a:r>
-          </a:p>
-        </p:txBody>
-      </p:sp>
-      <p:sp>
-        <p:nvSpPr>
-          <p:cNvPr id="11" name="文字方塊 10">
-            <a:extLst>
-              <a:ext uri="{FF2B5EF4-FFF2-40B4-BE49-F238E27FC236}">
-                <a16:creationId xmlns:a16="http://schemas.microsoft.com/office/drawing/2014/main" id="{E0D34FF2-DA70-07E4-49E5-DDD5A555AD2F}"/>
+                <a:hlinkClick r:id="rId5"/>
+              </a:rPr>
+              <a:t>http://127.0.0.1:8000/api/v1/</a:t>
+            </a:r>
+            <a:r>
+              <a:rPr lang="en-US" altLang="zh-TW" sz="1200" dirty="0" err="1">
+                <a:latin typeface="Consolas" panose="020B0609020204030204" pitchFamily="49" charset="0"/>
+                <a:cs typeface="Consolas" panose="020B0609020204030204" pitchFamily="49" charset="0"/>
+                <a:hlinkClick r:id="rId5"/>
+              </a:rPr>
+              <a:t>dropdownmenuParties</a:t>
+            </a:r>
+            <a:endParaRPr lang="en-US" altLang="zh-TW" sz="1200" dirty="0">
+              <a:latin typeface="Consolas" panose="020B0609020204030204" pitchFamily="49" charset="0"/>
+              <a:cs typeface="Consolas" panose="020B0609020204030204" pitchFamily="49" charset="0"/>
+            </a:endParaRPr>
+          </a:p>
+        </p:txBody>
+      </p:sp>
+      <p:cxnSp>
+        <p:nvCxnSpPr>
+          <p:cNvPr id="24" name="接點: 肘形 23">
+            <a:extLst>
+              <a:ext uri="{FF2B5EF4-FFF2-40B4-BE49-F238E27FC236}">
+                <a16:creationId xmlns:a16="http://schemas.microsoft.com/office/drawing/2014/main" id="{E0993C7E-36B4-4075-9A83-4E0A6B6EB6DC}"/>
+              </a:ext>
+            </a:extLst>
+          </p:cNvPr>
+          <p:cNvCxnSpPr>
+            <a:cxnSpLocks/>
+            <a:stCxn id="22" idx="3"/>
+            <a:endCxn id="23" idx="3"/>
+          </p:cNvCxnSpPr>
+          <p:nvPr/>
+        </p:nvCxnSpPr>
+        <p:spPr>
+          <a:xfrm>
+            <a:off x="5012531" y="2491979"/>
+            <a:ext cx="1532201" cy="2857207"/>
+          </a:xfrm>
+          <a:prstGeom prst="bentConnector3">
+            <a:avLst>
+              <a:gd name="adj1" fmla="val 114920"/>
+            </a:avLst>
+          </a:prstGeom>
+          <a:ln>
+            <a:solidFill>
+              <a:schemeClr val="tx1"/>
+            </a:solidFill>
+            <a:tailEnd type="triangle"/>
+          </a:ln>
+        </p:spPr>
+        <p:style>
+          <a:lnRef idx="1">
+            <a:schemeClr val="accent1"/>
+          </a:lnRef>
+          <a:fillRef idx="0">
+            <a:schemeClr val="accent1"/>
+          </a:fillRef>
+          <a:effectRef idx="0">
+            <a:schemeClr val="accent1"/>
+          </a:effectRef>
+          <a:fontRef idx="minor">
+            <a:schemeClr val="tx1"/>
+          </a:fontRef>
+        </p:style>
+      </p:cxnSp>
+      <p:sp>
+        <p:nvSpPr>
+          <p:cNvPr id="27" name="文字方塊 26">
+            <a:extLst>
+              <a:ext uri="{FF2B5EF4-FFF2-40B4-BE49-F238E27FC236}">
+                <a16:creationId xmlns:a16="http://schemas.microsoft.com/office/drawing/2014/main" id="{FFBBE640-4015-4752-8947-5F4B7C5799E0}"/>
               </a:ext>
             </a:extLst>
           </p:cNvPr>
@@ -4392,13 +5820,18 @@
         </p:nvSpPr>
         <p:spPr>
           <a:xfrm>
-            <a:off x="4641715" y="1690688"/>
-            <a:ext cx="1613170" cy="369332"/>
+            <a:off x="910796" y="5708448"/>
+            <a:ext cx="5633936" cy="461665"/>
           </a:xfrm>
           <a:prstGeom prst="rect">
             <a:avLst/>
           </a:prstGeom>
           <a:noFill/>
+          <a:ln>
+            <a:solidFill>
+              <a:schemeClr val="tx1"/>
+            </a:solidFill>
+          </a:ln>
         </p:spPr>
         <p:txBody>
           <a:bodyPr wrap="square">
@@ -4407,71 +5840,230 @@
           <a:lstStyle/>
           <a:p>
             <a:r>
-              <a:rPr lang="zh-TW" altLang="en-US" dirty="0">
-                <a:latin typeface="Consolas" panose="020B0609020204030204" pitchFamily="49" charset="0"/>
-                <a:cs typeface="Consolas" panose="020B0609020204030204" pitchFamily="49" charset="0"/>
-              </a:rPr>
-              <a:t>POST Body</a:t>
-            </a:r>
-          </a:p>
-        </p:txBody>
-      </p:sp>
-      <p:sp>
-        <p:nvSpPr>
-          <p:cNvPr id="12" name="文字方塊 11">
-            <a:extLst>
-              <a:ext uri="{FF2B5EF4-FFF2-40B4-BE49-F238E27FC236}">
-                <a16:creationId xmlns:a16="http://schemas.microsoft.com/office/drawing/2014/main" id="{BE53D140-61AB-79DB-4582-C2B1B7B51DF7}"/>
-              </a:ext>
-            </a:extLst>
-          </p:cNvPr>
-          <p:cNvSpPr txBox="1"/>
+              <a:rPr lang="zh-TW" altLang="en-US" sz="1200">
+                <a:latin typeface="Consolas" panose="020B0609020204030204" pitchFamily="49" charset="0"/>
+                <a:cs typeface="Consolas" panose="020B0609020204030204" pitchFamily="49" charset="0"/>
+              </a:rPr>
+              <a:t>Method: </a:t>
+            </a:r>
+            <a:r>
+              <a:rPr lang="en-US" altLang="zh-TW" sz="1200">
+                <a:latin typeface="Consolas" panose="020B0609020204030204" pitchFamily="49" charset="0"/>
+                <a:cs typeface="Consolas" panose="020B0609020204030204" pitchFamily="49" charset="0"/>
+              </a:rPr>
+              <a:t>GET</a:t>
+            </a:r>
+            <a:endParaRPr lang="zh-TW" altLang="en-US" sz="1200">
+              <a:latin typeface="Consolas" panose="020B0609020204030204" pitchFamily="49" charset="0"/>
+              <a:cs typeface="Consolas" panose="020B0609020204030204" pitchFamily="49" charset="0"/>
+            </a:endParaRPr>
+          </a:p>
+          <a:p>
+            <a:r>
+              <a:rPr lang="zh-TW" altLang="en-US" sz="1200">
+                <a:latin typeface="Consolas" panose="020B0609020204030204" pitchFamily="49" charset="0"/>
+                <a:cs typeface="Consolas" panose="020B0609020204030204" pitchFamily="49" charset="0"/>
+              </a:rPr>
+              <a:t>URL:</a:t>
+            </a:r>
+            <a:r>
+              <a:rPr lang="en-US" altLang="zh-TW" sz="1200">
+                <a:latin typeface="Consolas" panose="020B0609020204030204" pitchFamily="49" charset="0"/>
+                <a:cs typeface="Consolas" panose="020B0609020204030204" pitchFamily="49" charset="0"/>
+              </a:rPr>
+              <a:t> </a:t>
+            </a:r>
+            <a:r>
+              <a:rPr lang="zh-TW" altLang="en-US" sz="1200">
+                <a:latin typeface="Consolas" panose="020B0609020204030204" pitchFamily="49" charset="0"/>
+                <a:cs typeface="Consolas" panose="020B0609020204030204" pitchFamily="49" charset="0"/>
+                <a:hlinkClick r:id="rId6"/>
+              </a:rPr>
+              <a:t>http://127.0.0.1:8000/api/v1/</a:t>
+            </a:r>
+            <a:r>
+              <a:rPr lang="en-US" altLang="zh-TW" sz="1200">
+                <a:latin typeface="Consolas" panose="020B0609020204030204" pitchFamily="49" charset="0"/>
+                <a:cs typeface="Consolas" panose="020B0609020204030204" pitchFamily="49" charset="0"/>
+                <a:hlinkClick r:id="rId6"/>
+              </a:rPr>
+              <a:t>dropdownmenuWorkTitle</a:t>
+            </a:r>
+            <a:endParaRPr lang="en-US" altLang="zh-TW" sz="1200" dirty="0">
+              <a:latin typeface="Consolas" panose="020B0609020204030204" pitchFamily="49" charset="0"/>
+              <a:cs typeface="Consolas" panose="020B0609020204030204" pitchFamily="49" charset="0"/>
+            </a:endParaRPr>
+          </a:p>
+        </p:txBody>
+      </p:sp>
+      <p:cxnSp>
+        <p:nvCxnSpPr>
+          <p:cNvPr id="28" name="接點: 肘形 27">
+            <a:extLst>
+              <a:ext uri="{FF2B5EF4-FFF2-40B4-BE49-F238E27FC236}">
+                <a16:creationId xmlns:a16="http://schemas.microsoft.com/office/drawing/2014/main" id="{BCD843CC-2274-46EB-9C27-AEACE343F302}"/>
+              </a:ext>
+            </a:extLst>
+          </p:cNvPr>
+          <p:cNvCxnSpPr>
+            <a:cxnSpLocks/>
+            <a:stCxn id="29" idx="3"/>
+            <a:endCxn id="27" idx="3"/>
+          </p:cNvCxnSpPr>
           <p:nvPr/>
-        </p:nvSpPr>
+        </p:nvCxnSpPr>
         <p:spPr>
           <a:xfrm>
-            <a:off x="8629244" y="3784195"/>
-            <a:ext cx="2032270" cy="276999"/>
+            <a:off x="5012531" y="2766609"/>
+            <a:ext cx="1532201" cy="3172672"/>
+          </a:xfrm>
+          <a:prstGeom prst="bentConnector3">
+            <a:avLst>
+              <a:gd name="adj1" fmla="val 125861"/>
+            </a:avLst>
+          </a:prstGeom>
+          <a:ln>
+            <a:solidFill>
+              <a:schemeClr val="tx1"/>
+            </a:solidFill>
+            <a:tailEnd type="triangle"/>
+          </a:ln>
+        </p:spPr>
+        <p:style>
+          <a:lnRef idx="1">
+            <a:schemeClr val="accent1"/>
+          </a:lnRef>
+          <a:fillRef idx="0">
+            <a:schemeClr val="accent1"/>
+          </a:fillRef>
+          <a:effectRef idx="0">
+            <a:schemeClr val="accent1"/>
+          </a:effectRef>
+          <a:fontRef idx="minor">
+            <a:schemeClr val="tx1"/>
+          </a:fontRef>
+        </p:style>
+      </p:cxnSp>
+      <p:sp>
+        <p:nvSpPr>
+          <p:cNvPr id="29" name="矩形 28">
+            <a:extLst>
+              <a:ext uri="{FF2B5EF4-FFF2-40B4-BE49-F238E27FC236}">
+                <a16:creationId xmlns:a16="http://schemas.microsoft.com/office/drawing/2014/main" id="{D9EEC491-BC8E-45D1-A42D-71E51E178A63}"/>
+              </a:ext>
+            </a:extLst>
+          </p:cNvPr>
+          <p:cNvSpPr/>
+          <p:nvPr/>
+        </p:nvSpPr>
+        <p:spPr>
+          <a:xfrm>
+            <a:off x="3200400" y="2656667"/>
+            <a:ext cx="1812131" cy="219884"/>
           </a:xfrm>
           <a:prstGeom prst="rect">
             <a:avLst/>
           </a:prstGeom>
           <a:noFill/>
+          <a:ln>
+            <a:solidFill>
+              <a:srgbClr val="FF0000"/>
+            </a:solidFill>
+          </a:ln>
         </p:spPr>
-        <p:txBody>
-          <a:bodyPr wrap="square">
-            <a:spAutoFit/>
-          </a:bodyPr>
-          <a:lstStyle/>
-          <a:p>
-            <a:r>
-              <a:rPr lang="zh-TW" altLang="en-US" sz="1200" dirty="0">
-                <a:highlight>
-                  <a:srgbClr val="FFFF00"/>
-                </a:highlight>
+        <p:style>
+          <a:lnRef idx="2">
+            <a:schemeClr val="accent1">
+              <a:shade val="50000"/>
+            </a:schemeClr>
+          </a:lnRef>
+          <a:fillRef idx="1">
+            <a:schemeClr val="accent1"/>
+          </a:fillRef>
+          <a:effectRef idx="0">
+            <a:schemeClr val="accent1"/>
+          </a:effectRef>
+          <a:fontRef idx="minor">
+            <a:schemeClr val="lt1"/>
+          </a:fontRef>
+        </p:style>
+        <p:txBody>
+          <a:bodyPr rtlCol="0" anchor="ctr"/>
+          <a:lstStyle/>
+          <a:p>
+            <a:pPr algn="ctr"/>
+            <a:endParaRPr lang="zh-TW" altLang="en-US"/>
+          </a:p>
+        </p:txBody>
+      </p:sp>
+    </p:spTree>
+    <p:extLst>
+      <p:ext uri="{BB962C8B-B14F-4D97-AF65-F5344CB8AC3E}">
+        <p14:creationId xmlns:p14="http://schemas.microsoft.com/office/powerpoint/2010/main" val="1078016393"/>
+      </p:ext>
+    </p:extLst>
+  </p:cSld>
+  <p:clrMapOvr>
+    <a:masterClrMapping/>
+  </p:clrMapOvr>
+</p:sld>
+</file>
+
+<file path=ppt/slides/slide4.xml><?xml version="1.0" encoding="utf-8"?>
+<p:sld xmlns:a="http://schemas.openxmlformats.org/drawingml/2006/main" xmlns:r="http://schemas.openxmlformats.org/officeDocument/2006/relationships" xmlns:p="http://schemas.openxmlformats.org/presentationml/2006/main">
+  <p:cSld>
+    <p:spTree>
+      <p:nvGrpSpPr>
+        <p:cNvPr id="1" name=""/>
+        <p:cNvGrpSpPr/>
+        <p:nvPr/>
+      </p:nvGrpSpPr>
+      <p:grpSpPr>
+        <a:xfrm>
+          <a:off x="0" y="0"/>
+          <a:ext cx="0" cy="0"/>
+          <a:chOff x="0" y="0"/>
+          <a:chExt cx="0" cy="0"/>
+        </a:xfrm>
+      </p:grpSpPr>
+      <p:sp>
+        <p:nvSpPr>
+          <p:cNvPr id="2" name="標題 1">
+            <a:extLst>
+              <a:ext uri="{FF2B5EF4-FFF2-40B4-BE49-F238E27FC236}">
+                <a16:creationId xmlns:a16="http://schemas.microsoft.com/office/drawing/2014/main" id="{EC81C9B1-CCD1-BE5F-DDB7-FE752A8DBD93}"/>
+              </a:ext>
+            </a:extLst>
+          </p:cNvPr>
+          <p:cNvSpPr>
+            <a:spLocks noGrp="1"/>
+          </p:cNvSpPr>
+          <p:nvPr>
+            <p:ph type="title"/>
+          </p:nvPr>
+        </p:nvSpPr>
+        <p:spPr/>
+        <p:txBody>
+          <a:bodyPr/>
+          <a:lstStyle/>
+          <a:p>
+            <a:r>
+              <a:rPr kumimoji="1" lang="zh-TW" altLang="en-US" dirty="0">
                 <a:latin typeface="Consolas" panose="020B0609020204030204" pitchFamily="49" charset="0"/>
                 <a:ea typeface="BiauKai" panose="02010601000101010101" pitchFamily="2" charset="-120"/>
                 <a:cs typeface="Consolas" panose="020B0609020204030204" pitchFamily="49" charset="0"/>
               </a:rPr>
-              <a:t>有</a:t>
-            </a:r>
-            <a:r>
-              <a:rPr lang="zh-TW" altLang="en-US" sz="1200" dirty="0">
+              <a:t>查詢</a:t>
+            </a:r>
+            <a:r>
+              <a:rPr kumimoji="1" lang="en-US" altLang="zh-TW" dirty="0">
                 <a:latin typeface="Consolas" panose="020B0609020204030204" pitchFamily="49" charset="0"/>
                 <a:ea typeface="BiauKai" panose="02010601000101010101" pitchFamily="2" charset="-120"/>
                 <a:cs typeface="Consolas" panose="020B0609020204030204" pitchFamily="49" charset="0"/>
               </a:rPr>
-              <a:t>已經存在的</a:t>
-            </a:r>
-            <a:r>
-              <a:rPr lang="en-US" altLang="zh-TW" sz="1200" dirty="0">
-                <a:latin typeface="Consolas" panose="020B0609020204030204" pitchFamily="49" charset="0"/>
-                <a:ea typeface="BiauKai" panose="02010601000101010101" pitchFamily="2" charset="-120"/>
-                <a:cs typeface="Consolas" panose="020B0609020204030204" pitchFamily="49" charset="0"/>
-              </a:rPr>
-              <a:t>Liability</a:t>
-            </a:r>
-            <a:endParaRPr lang="zh-TW" altLang="en-US" sz="1200" dirty="0">
+              <a:t>Liability-2</a:t>
+            </a:r>
+            <a:endParaRPr kumimoji="1" lang="zh-TW" altLang="en-US" dirty="0">
               <a:latin typeface="Consolas" panose="020B0609020204030204" pitchFamily="49" charset="0"/>
               <a:ea typeface="BiauKai" panose="02010601000101010101" pitchFamily="2" charset="-120"/>
               <a:cs typeface="Consolas" panose="020B0609020204030204" pitchFamily="49" charset="0"/>
@@ -4479,10 +6071,348 @@
           </a:p>
         </p:txBody>
       </p:sp>
+      <p:pic>
+        <p:nvPicPr>
+          <p:cNvPr id="6" name="圖片 5">
+            <a:extLst>
+              <a:ext uri="{FF2B5EF4-FFF2-40B4-BE49-F238E27FC236}">
+                <a16:creationId xmlns:a16="http://schemas.microsoft.com/office/drawing/2014/main" id="{4034305A-EF54-4C8D-ADC5-ACDD1A019F58}"/>
+              </a:ext>
+            </a:extLst>
+          </p:cNvPr>
+          <p:cNvPicPr>
+            <a:picLocks noChangeAspect="1"/>
+          </p:cNvPicPr>
+          <p:nvPr/>
+        </p:nvPicPr>
+        <p:blipFill>
+          <a:blip r:embed="rId2"/>
+          <a:stretch>
+            <a:fillRect/>
+          </a:stretch>
+        </p:blipFill>
+        <p:spPr>
+          <a:xfrm>
+            <a:off x="910797" y="1600184"/>
+            <a:ext cx="8119533" cy="2217995"/>
+          </a:xfrm>
+          <a:prstGeom prst="rect">
+            <a:avLst/>
+          </a:prstGeom>
+        </p:spPr>
+      </p:pic>
+      <p:grpSp>
+        <p:nvGrpSpPr>
+          <p:cNvPr id="5" name="群組 4">
+            <a:extLst>
+              <a:ext uri="{FF2B5EF4-FFF2-40B4-BE49-F238E27FC236}">
+                <a16:creationId xmlns:a16="http://schemas.microsoft.com/office/drawing/2014/main" id="{E1FDFE70-6647-43CD-B739-56A8AEB3F2C3}"/>
+              </a:ext>
+            </a:extLst>
+          </p:cNvPr>
+          <p:cNvGrpSpPr/>
+          <p:nvPr/>
+        </p:nvGrpSpPr>
+        <p:grpSpPr>
+          <a:xfrm>
+            <a:off x="199535" y="3882575"/>
+            <a:ext cx="13436038" cy="523220"/>
+            <a:chOff x="178325" y="3917997"/>
+            <a:chExt cx="13436038" cy="523220"/>
+          </a:xfrm>
+        </p:grpSpPr>
+        <p:sp>
+          <p:nvSpPr>
+            <p:cNvPr id="19" name="文字方塊 18">
+              <a:extLst>
+                <a:ext uri="{FF2B5EF4-FFF2-40B4-BE49-F238E27FC236}">
+                  <a16:creationId xmlns:a16="http://schemas.microsoft.com/office/drawing/2014/main" id="{856FFC77-8C50-4AFD-92C9-DB0DD2BCEA70}"/>
+                </a:ext>
+              </a:extLst>
+            </p:cNvPr>
+            <p:cNvSpPr txBox="1"/>
+            <p:nvPr/>
+          </p:nvSpPr>
+          <p:spPr>
+            <a:xfrm>
+              <a:off x="199535" y="4194996"/>
+              <a:ext cx="13414828" cy="246221"/>
+            </a:xfrm>
+            <a:prstGeom prst="rect">
+              <a:avLst/>
+            </a:prstGeom>
+            <a:noFill/>
+          </p:spPr>
+          <p:txBody>
+            <a:bodyPr wrap="square">
+              <a:spAutoFit/>
+            </a:bodyPr>
+            <a:lstStyle/>
+            <a:p>
+              <a:r>
+                <a:rPr lang="zh-TW" altLang="en-US" sz="1000" dirty="0">
+                  <a:latin typeface="Consolas" panose="020B0609020204030204" pitchFamily="49" charset="0"/>
+                  <a:ea typeface="BiauKai" panose="02010601000101010101"/>
+                </a:rPr>
+                <a:t>http://127.0.0.1:8000/api/v1/</a:t>
+              </a:r>
+              <a:r>
+                <a:rPr lang="en-US" altLang="zh-TW" sz="1000" dirty="0">
+                  <a:latin typeface="Consolas" panose="020B0609020204030204" pitchFamily="49" charset="0"/>
+                  <a:ea typeface="BiauKai" panose="02010601000101010101"/>
+                </a:rPr>
+                <a:t>Liability/</a:t>
+              </a:r>
+              <a:r>
+                <a:rPr lang="zh-TW" altLang="en-US" sz="1000" dirty="0">
+                  <a:highlight>
+                    <a:srgbClr val="FFFF00"/>
+                  </a:highlight>
+                  <a:latin typeface="Consolas" panose="020B0609020204030204" pitchFamily="49" charset="0"/>
+                  <a:ea typeface="BiauKai" panose="02010601000101010101"/>
+                </a:rPr>
+                <a:t>BillMilstone=記帳段號</a:t>
+              </a:r>
+              <a:r>
+                <a:rPr lang="zh-TW" altLang="en-US" sz="1000" dirty="0">
+                  <a:latin typeface="Consolas" panose="020B0609020204030204" pitchFamily="49" charset="0"/>
+                  <a:ea typeface="BiauKai" panose="02010601000101010101"/>
+                </a:rPr>
+                <a:t>&amp;</a:t>
+              </a:r>
+              <a:r>
+                <a:rPr lang="zh-TW" altLang="en-US" sz="1000" dirty="0">
+                  <a:highlight>
+                    <a:srgbClr val="FFFF00"/>
+                  </a:highlight>
+                  <a:latin typeface="Consolas" panose="020B0609020204030204" pitchFamily="49" charset="0"/>
+                  <a:ea typeface="BiauKai" panose="02010601000101010101"/>
+                </a:rPr>
+                <a:t>PartyName=會員名稱</a:t>
+              </a:r>
+              <a:r>
+                <a:rPr lang="zh-TW" altLang="en-US" sz="1000" dirty="0">
+                  <a:latin typeface="Consolas" panose="020B0609020204030204" pitchFamily="49" charset="0"/>
+                  <a:ea typeface="BiauKai" panose="02010601000101010101"/>
+                </a:rPr>
+                <a:t>&amp;</a:t>
+              </a:r>
+              <a:r>
+                <a:rPr lang="zh-TW" altLang="en-US" sz="1000" dirty="0">
+                  <a:highlight>
+                    <a:srgbClr val="FFFF00"/>
+                  </a:highlight>
+                  <a:latin typeface="Consolas" panose="020B0609020204030204" pitchFamily="49" charset="0"/>
+                  <a:ea typeface="BiauKai" panose="02010601000101010101"/>
+                </a:rPr>
+                <a:t>SubmarineCables=海纜名稱</a:t>
+              </a:r>
+              <a:r>
+                <a:rPr lang="zh-TW" altLang="en-US" sz="1000" dirty="0">
+                  <a:latin typeface="Consolas" panose="020B0609020204030204" pitchFamily="49" charset="0"/>
+                  <a:ea typeface="BiauKai" panose="02010601000101010101"/>
+                </a:rPr>
+                <a:t>&amp;</a:t>
+              </a:r>
+              <a:r>
+                <a:rPr lang="zh-TW" altLang="en-US" sz="1000" dirty="0">
+                  <a:highlight>
+                    <a:srgbClr val="FFFF00"/>
+                  </a:highlight>
+                  <a:latin typeface="Consolas" panose="020B0609020204030204" pitchFamily="49" charset="0"/>
+                  <a:ea typeface="BiauKai" panose="02010601000101010101"/>
+                </a:rPr>
+                <a:t>WorkTitle=海纜作業</a:t>
+              </a:r>
+              <a:r>
+                <a:rPr lang="zh-TW" altLang="en-US" sz="1000" dirty="0">
+                  <a:latin typeface="Consolas" panose="020B0609020204030204" pitchFamily="49" charset="0"/>
+                  <a:ea typeface="BiauKai" panose="02010601000101010101"/>
+                </a:rPr>
+                <a:t>&amp;</a:t>
+              </a:r>
+              <a:r>
+                <a:rPr lang="zh-TW" altLang="en-US" sz="1000" dirty="0">
+                  <a:highlight>
+                    <a:srgbClr val="FFFF00"/>
+                  </a:highlight>
+                  <a:latin typeface="Consolas" panose="020B0609020204030204" pitchFamily="49" charset="0"/>
+                  <a:ea typeface="BiauKai" panose="02010601000101010101"/>
+                </a:rPr>
+                <a:t>startCreateDate=YYYYMMDD</a:t>
+              </a:r>
+              <a:r>
+                <a:rPr lang="zh-TW" altLang="en-US" sz="1000" dirty="0">
+                  <a:latin typeface="Consolas" panose="020B0609020204030204" pitchFamily="49" charset="0"/>
+                  <a:ea typeface="BiauKai" panose="02010601000101010101"/>
+                </a:rPr>
+                <a:t>&amp;</a:t>
+              </a:r>
+              <a:r>
+                <a:rPr lang="zh-TW" altLang="en-US" sz="1000" dirty="0">
+                  <a:highlight>
+                    <a:srgbClr val="FFFF00"/>
+                  </a:highlight>
+                  <a:latin typeface="Consolas" panose="020B0609020204030204" pitchFamily="49" charset="0"/>
+                  <a:ea typeface="BiauKai" panose="02010601000101010101"/>
+                </a:rPr>
+                <a:t>endCreateDate=YYYYMMDD</a:t>
+              </a:r>
+            </a:p>
+          </p:txBody>
+        </p:sp>
+        <p:sp>
+          <p:nvSpPr>
+            <p:cNvPr id="20" name="文字方塊 19">
+              <a:extLst>
+                <a:ext uri="{FF2B5EF4-FFF2-40B4-BE49-F238E27FC236}">
+                  <a16:creationId xmlns:a16="http://schemas.microsoft.com/office/drawing/2014/main" id="{158DFC7B-8BC5-433B-B85C-633D7111F729}"/>
+                </a:ext>
+              </a:extLst>
+            </p:cNvPr>
+            <p:cNvSpPr txBox="1"/>
+            <p:nvPr/>
+          </p:nvSpPr>
+          <p:spPr>
+            <a:xfrm>
+              <a:off x="178325" y="3917997"/>
+              <a:ext cx="2936449" cy="276999"/>
+            </a:xfrm>
+            <a:prstGeom prst="rect">
+              <a:avLst/>
+            </a:prstGeom>
+            <a:noFill/>
+          </p:spPr>
+          <p:txBody>
+            <a:bodyPr wrap="square">
+              <a:spAutoFit/>
+            </a:bodyPr>
+            <a:lstStyle/>
+            <a:p>
+              <a:r>
+                <a:rPr lang="zh-TW" altLang="en-US" sz="1200" dirty="0">
+                  <a:ea typeface="BiauKai" panose="02010601000101010101"/>
+                </a:rPr>
+                <a:t>如果使用者有輸入篩條件就加在URL後面</a:t>
+              </a:r>
+            </a:p>
+          </p:txBody>
+        </p:sp>
+      </p:grpSp>
+      <p:grpSp>
+        <p:nvGrpSpPr>
+          <p:cNvPr id="8" name="群組 7">
+            <a:extLst>
+              <a:ext uri="{FF2B5EF4-FFF2-40B4-BE49-F238E27FC236}">
+                <a16:creationId xmlns:a16="http://schemas.microsoft.com/office/drawing/2014/main" id="{9B514F1D-B188-4C15-B07C-4208F69E531B}"/>
+              </a:ext>
+            </a:extLst>
+          </p:cNvPr>
+          <p:cNvGrpSpPr/>
+          <p:nvPr/>
+        </p:nvGrpSpPr>
+        <p:grpSpPr>
+          <a:xfrm>
+            <a:off x="199535" y="4670137"/>
+            <a:ext cx="13436038" cy="523220"/>
+            <a:chOff x="199535" y="4670137"/>
+            <a:chExt cx="13436038" cy="523220"/>
+          </a:xfrm>
+        </p:grpSpPr>
+        <p:sp>
+          <p:nvSpPr>
+            <p:cNvPr id="21" name="文字方塊 20">
+              <a:extLst>
+                <a:ext uri="{FF2B5EF4-FFF2-40B4-BE49-F238E27FC236}">
+                  <a16:creationId xmlns:a16="http://schemas.microsoft.com/office/drawing/2014/main" id="{E0392450-94B3-4875-B647-2D5ACA722056}"/>
+                </a:ext>
+              </a:extLst>
+            </p:cNvPr>
+            <p:cNvSpPr txBox="1"/>
+            <p:nvPr/>
+          </p:nvSpPr>
+          <p:spPr>
+            <a:xfrm>
+              <a:off x="199535" y="4670137"/>
+              <a:ext cx="1447014" cy="276999"/>
+            </a:xfrm>
+            <a:prstGeom prst="rect">
+              <a:avLst/>
+            </a:prstGeom>
+            <a:noFill/>
+          </p:spPr>
+          <p:txBody>
+            <a:bodyPr wrap="square">
+              <a:spAutoFit/>
+            </a:bodyPr>
+            <a:lstStyle/>
+            <a:p>
+              <a:r>
+                <a:rPr lang="zh-TW" altLang="en-US" sz="1200" dirty="0">
+                  <a:ea typeface="BiauKai" panose="02010601000101010101"/>
+                </a:rPr>
+                <a:t>沒有輸入任何條件</a:t>
+              </a:r>
+            </a:p>
+          </p:txBody>
+        </p:sp>
+        <p:sp>
+          <p:nvSpPr>
+            <p:cNvPr id="25" name="文字方塊 24">
+              <a:extLst>
+                <a:ext uri="{FF2B5EF4-FFF2-40B4-BE49-F238E27FC236}">
+                  <a16:creationId xmlns:a16="http://schemas.microsoft.com/office/drawing/2014/main" id="{DF77FBE4-2050-4055-95B5-67E07ADA6366}"/>
+                </a:ext>
+              </a:extLst>
+            </p:cNvPr>
+            <p:cNvSpPr txBox="1"/>
+            <p:nvPr/>
+          </p:nvSpPr>
+          <p:spPr>
+            <a:xfrm>
+              <a:off x="220745" y="4947136"/>
+              <a:ext cx="13414828" cy="246221"/>
+            </a:xfrm>
+            <a:prstGeom prst="rect">
+              <a:avLst/>
+            </a:prstGeom>
+            <a:noFill/>
+          </p:spPr>
+          <p:txBody>
+            <a:bodyPr wrap="square">
+              <a:spAutoFit/>
+            </a:bodyPr>
+            <a:lstStyle/>
+            <a:p>
+              <a:r>
+                <a:rPr lang="zh-TW" altLang="en-US" sz="1000" dirty="0">
+                  <a:latin typeface="Consolas" panose="020B0609020204030204" pitchFamily="49" charset="0"/>
+                  <a:ea typeface="BiauKai" panose="02010601000101010101"/>
+                </a:rPr>
+                <a:t>http://127.0.0.1:8000/api/v1/</a:t>
+              </a:r>
+              <a:r>
+                <a:rPr lang="en-US" altLang="zh-TW" sz="1000" dirty="0">
+                  <a:latin typeface="Consolas" panose="020B0609020204030204" pitchFamily="49" charset="0"/>
+                  <a:ea typeface="BiauKai" panose="02010601000101010101"/>
+                </a:rPr>
+                <a:t>Liability/all</a:t>
+              </a:r>
+              <a:endParaRPr lang="zh-TW" altLang="en-US" sz="1000" dirty="0">
+                <a:highlight>
+                  <a:srgbClr val="FFFF00"/>
+                </a:highlight>
+                <a:latin typeface="Consolas" panose="020B0609020204030204" pitchFamily="49" charset="0"/>
+                <a:ea typeface="BiauKai" panose="02010601000101010101"/>
+              </a:endParaRPr>
+            </a:p>
+          </p:txBody>
+        </p:sp>
+      </p:grpSp>
     </p:spTree>
     <p:extLst>
       <p:ext uri="{BB962C8B-B14F-4D97-AF65-F5344CB8AC3E}">
-        <p14:creationId xmlns:p14="http://schemas.microsoft.com/office/powerpoint/2010/main" val="711593537"/>
+        <p14:creationId xmlns:p14="http://schemas.microsoft.com/office/powerpoint/2010/main" val="1052792038"/>
       </p:ext>
     </p:extLst>
   </p:cSld>

--- a/CBP專案/Liability API.pptx
+++ b/CBP專案/Liability API.pptx
@@ -9,6 +9,9 @@
     <p:sldId id="262" r:id="rId3"/>
     <p:sldId id="261" r:id="rId4"/>
     <p:sldId id="263" r:id="rId5"/>
+    <p:sldId id="264" r:id="rId6"/>
+    <p:sldId id="265" r:id="rId7"/>
+    <p:sldId id="266" r:id="rId8"/>
   </p:sldIdLst>
   <p:sldSz cx="12192000" cy="6858000"/>
   <p:notesSz cx="6858000" cy="9144000"/>
@@ -262,7 +265,7 @@
           <a:p>
             <a:fld id="{E6B4921D-A753-CA47-8F9B-AC8DE863B4DA}" type="datetimeFigureOut">
               <a:rPr kumimoji="1" lang="zh-TW" altLang="en-US" smtClean="0"/>
-              <a:t>2023/2/4</a:t>
+              <a:t>2023/2/8</a:t>
             </a:fld>
             <a:endParaRPr kumimoji="1" lang="zh-TW" altLang="en-US"/>
           </a:p>
@@ -460,7 +463,7 @@
           <a:p>
             <a:fld id="{E6B4921D-A753-CA47-8F9B-AC8DE863B4DA}" type="datetimeFigureOut">
               <a:rPr kumimoji="1" lang="zh-TW" altLang="en-US" smtClean="0"/>
-              <a:t>2023/2/4</a:t>
+              <a:t>2023/2/8</a:t>
             </a:fld>
             <a:endParaRPr kumimoji="1" lang="zh-TW" altLang="en-US"/>
           </a:p>
@@ -668,7 +671,7 @@
           <a:p>
             <a:fld id="{E6B4921D-A753-CA47-8F9B-AC8DE863B4DA}" type="datetimeFigureOut">
               <a:rPr kumimoji="1" lang="zh-TW" altLang="en-US" smtClean="0"/>
-              <a:t>2023/2/4</a:t>
+              <a:t>2023/2/8</a:t>
             </a:fld>
             <a:endParaRPr kumimoji="1" lang="zh-TW" altLang="en-US"/>
           </a:p>
@@ -866,7 +869,7 @@
           <a:p>
             <a:fld id="{E6B4921D-A753-CA47-8F9B-AC8DE863B4DA}" type="datetimeFigureOut">
               <a:rPr kumimoji="1" lang="zh-TW" altLang="en-US" smtClean="0"/>
-              <a:t>2023/2/4</a:t>
+              <a:t>2023/2/8</a:t>
             </a:fld>
             <a:endParaRPr kumimoji="1" lang="zh-TW" altLang="en-US"/>
           </a:p>
@@ -1141,7 +1144,7 @@
           <a:p>
             <a:fld id="{E6B4921D-A753-CA47-8F9B-AC8DE863B4DA}" type="datetimeFigureOut">
               <a:rPr kumimoji="1" lang="zh-TW" altLang="en-US" smtClean="0"/>
-              <a:t>2023/2/4</a:t>
+              <a:t>2023/2/8</a:t>
             </a:fld>
             <a:endParaRPr kumimoji="1" lang="zh-TW" altLang="en-US"/>
           </a:p>
@@ -1406,7 +1409,7 @@
           <a:p>
             <a:fld id="{E6B4921D-A753-CA47-8F9B-AC8DE863B4DA}" type="datetimeFigureOut">
               <a:rPr kumimoji="1" lang="zh-TW" altLang="en-US" smtClean="0"/>
-              <a:t>2023/2/4</a:t>
+              <a:t>2023/2/8</a:t>
             </a:fld>
             <a:endParaRPr kumimoji="1" lang="zh-TW" altLang="en-US"/>
           </a:p>
@@ -1818,7 +1821,7 @@
           <a:p>
             <a:fld id="{E6B4921D-A753-CA47-8F9B-AC8DE863B4DA}" type="datetimeFigureOut">
               <a:rPr kumimoji="1" lang="zh-TW" altLang="en-US" smtClean="0"/>
-              <a:t>2023/2/4</a:t>
+              <a:t>2023/2/8</a:t>
             </a:fld>
             <a:endParaRPr kumimoji="1" lang="zh-TW" altLang="en-US"/>
           </a:p>
@@ -1959,7 +1962,7 @@
           <a:p>
             <a:fld id="{E6B4921D-A753-CA47-8F9B-AC8DE863B4DA}" type="datetimeFigureOut">
               <a:rPr kumimoji="1" lang="zh-TW" altLang="en-US" smtClean="0"/>
-              <a:t>2023/2/4</a:t>
+              <a:t>2023/2/8</a:t>
             </a:fld>
             <a:endParaRPr kumimoji="1" lang="zh-TW" altLang="en-US"/>
           </a:p>
@@ -2072,7 +2075,7 @@
           <a:p>
             <a:fld id="{E6B4921D-A753-CA47-8F9B-AC8DE863B4DA}" type="datetimeFigureOut">
               <a:rPr kumimoji="1" lang="zh-TW" altLang="en-US" smtClean="0"/>
-              <a:t>2023/2/4</a:t>
+              <a:t>2023/2/8</a:t>
             </a:fld>
             <a:endParaRPr kumimoji="1" lang="zh-TW" altLang="en-US"/>
           </a:p>
@@ -2383,7 +2386,7 @@
           <a:p>
             <a:fld id="{E6B4921D-A753-CA47-8F9B-AC8DE863B4DA}" type="datetimeFigureOut">
               <a:rPr kumimoji="1" lang="zh-TW" altLang="en-US" smtClean="0"/>
-              <a:t>2023/2/4</a:t>
+              <a:t>2023/2/8</a:t>
             </a:fld>
             <a:endParaRPr kumimoji="1" lang="zh-TW" altLang="en-US"/>
           </a:p>
@@ -2671,7 +2674,7 @@
           <a:p>
             <a:fld id="{E6B4921D-A753-CA47-8F9B-AC8DE863B4DA}" type="datetimeFigureOut">
               <a:rPr kumimoji="1" lang="zh-TW" altLang="en-US" smtClean="0"/>
-              <a:t>2023/2/4</a:t>
+              <a:t>2023/2/8</a:t>
             </a:fld>
             <a:endParaRPr kumimoji="1" lang="zh-TW" altLang="en-US"/>
           </a:p>
@@ -2912,7 +2915,7 @@
           <a:p>
             <a:fld id="{E6B4921D-A753-CA47-8F9B-AC8DE863B4DA}" type="datetimeFigureOut">
               <a:rPr kumimoji="1" lang="zh-TW" altLang="en-US" smtClean="0"/>
-              <a:t>2023/2/4</a:t>
+              <a:t>2023/2/8</a:t>
             </a:fld>
             <a:endParaRPr kumimoji="1" lang="zh-TW" altLang="en-US"/>
           </a:p>
@@ -6422,6 +6425,1639 @@
 </p:sld>
 </file>
 
+<file path=ppt/slides/slide5.xml><?xml version="1.0" encoding="utf-8"?>
+<p:sld xmlns:a="http://schemas.openxmlformats.org/drawingml/2006/main" xmlns:r="http://schemas.openxmlformats.org/officeDocument/2006/relationships" xmlns:p="http://schemas.openxmlformats.org/presentationml/2006/main">
+  <p:cSld>
+    <p:spTree>
+      <p:nvGrpSpPr>
+        <p:cNvPr id="1" name=""/>
+        <p:cNvGrpSpPr/>
+        <p:nvPr/>
+      </p:nvGrpSpPr>
+      <p:grpSpPr>
+        <a:xfrm>
+          <a:off x="0" y="0"/>
+          <a:ext cx="0" cy="0"/>
+          <a:chOff x="0" y="0"/>
+          <a:chExt cx="0" cy="0"/>
+        </a:xfrm>
+      </p:grpSpPr>
+      <p:sp>
+        <p:nvSpPr>
+          <p:cNvPr id="2" name="標題 1">
+            <a:extLst>
+              <a:ext uri="{FF2B5EF4-FFF2-40B4-BE49-F238E27FC236}">
+                <a16:creationId xmlns:a16="http://schemas.microsoft.com/office/drawing/2014/main" id="{EC81C9B1-CCD1-BE5F-DDB7-FE752A8DBD93}"/>
+              </a:ext>
+            </a:extLst>
+          </p:cNvPr>
+          <p:cNvSpPr>
+            <a:spLocks noGrp="1"/>
+          </p:cNvSpPr>
+          <p:nvPr>
+            <p:ph type="title"/>
+          </p:nvPr>
+        </p:nvSpPr>
+        <p:spPr/>
+        <p:txBody>
+          <a:bodyPr/>
+          <a:lstStyle/>
+          <a:p>
+            <a:r>
+              <a:rPr kumimoji="1" lang="zh-TW" altLang="en-US" dirty="0">
+                <a:latin typeface="Consolas" panose="020B0609020204030204" pitchFamily="49" charset="0"/>
+                <a:ea typeface="BiauKai" panose="02010601000101010101" pitchFamily="2" charset="-120"/>
+                <a:cs typeface="Consolas" panose="020B0609020204030204" pitchFamily="49" charset="0"/>
+              </a:rPr>
+              <a:t>編輯</a:t>
+            </a:r>
+            <a:r>
+              <a:rPr kumimoji="1" lang="en-US" altLang="zh-TW" dirty="0">
+                <a:latin typeface="Consolas" panose="020B0609020204030204" pitchFamily="49" charset="0"/>
+                <a:ea typeface="BiauKai" panose="02010601000101010101" pitchFamily="2" charset="-120"/>
+                <a:cs typeface="Consolas" panose="020B0609020204030204" pitchFamily="49" charset="0"/>
+              </a:rPr>
+              <a:t>(Update)Liability</a:t>
+            </a:r>
+            <a:endParaRPr kumimoji="1" lang="zh-TW" altLang="en-US" dirty="0">
+              <a:latin typeface="Consolas" panose="020B0609020204030204" pitchFamily="49" charset="0"/>
+              <a:ea typeface="BiauKai" panose="02010601000101010101" pitchFamily="2" charset="-120"/>
+              <a:cs typeface="Consolas" panose="020B0609020204030204" pitchFamily="49" charset="0"/>
+            </a:endParaRPr>
+          </a:p>
+        </p:txBody>
+      </p:sp>
+      <p:pic>
+        <p:nvPicPr>
+          <p:cNvPr id="4" name="圖片 3">
+            <a:extLst>
+              <a:ext uri="{FF2B5EF4-FFF2-40B4-BE49-F238E27FC236}">
+                <a16:creationId xmlns:a16="http://schemas.microsoft.com/office/drawing/2014/main" id="{38FF5AC8-82A8-46B7-A12B-6201598324DF}"/>
+              </a:ext>
+            </a:extLst>
+          </p:cNvPr>
+          <p:cNvPicPr>
+            <a:picLocks noChangeAspect="1"/>
+          </p:cNvPicPr>
+          <p:nvPr/>
+        </p:nvPicPr>
+        <p:blipFill>
+          <a:blip r:embed="rId2"/>
+          <a:stretch>
+            <a:fillRect/>
+          </a:stretch>
+        </p:blipFill>
+        <p:spPr>
+          <a:xfrm>
+            <a:off x="838200" y="1690688"/>
+            <a:ext cx="8948394" cy="1888550"/>
+          </a:xfrm>
+          <a:prstGeom prst="rect">
+            <a:avLst/>
+          </a:prstGeom>
+        </p:spPr>
+      </p:pic>
+      <p:sp>
+        <p:nvSpPr>
+          <p:cNvPr id="14" name="文字方塊 13">
+            <a:extLst>
+              <a:ext uri="{FF2B5EF4-FFF2-40B4-BE49-F238E27FC236}">
+                <a16:creationId xmlns:a16="http://schemas.microsoft.com/office/drawing/2014/main" id="{D18EEEF9-3944-4D80-A651-3B91725FA20E}"/>
+              </a:ext>
+            </a:extLst>
+          </p:cNvPr>
+          <p:cNvSpPr txBox="1"/>
+          <p:nvPr/>
+        </p:nvSpPr>
+        <p:spPr>
+          <a:xfrm>
+            <a:off x="838200" y="4258023"/>
+            <a:ext cx="3608251" cy="1754326"/>
+          </a:xfrm>
+          <a:prstGeom prst="rect">
+            <a:avLst/>
+          </a:prstGeom>
+          <a:noFill/>
+          <a:ln>
+            <a:solidFill>
+              <a:schemeClr val="tx1"/>
+            </a:solidFill>
+          </a:ln>
+        </p:spPr>
+        <p:txBody>
+          <a:bodyPr wrap="square">
+            <a:spAutoFit/>
+          </a:bodyPr>
+          <a:lstStyle/>
+          <a:p>
+            <a:r>
+              <a:rPr lang="en-US" altLang="zh-TW" sz="1200" dirty="0">
+                <a:latin typeface="Consolas" panose="020B0609020204030204" pitchFamily="49" charset="0"/>
+              </a:rPr>
+              <a:t>POST Body</a:t>
+            </a:r>
+          </a:p>
+          <a:p>
+            <a:r>
+              <a:rPr lang="en-US" altLang="zh-TW" sz="1200" dirty="0">
+                <a:latin typeface="Consolas" panose="020B0609020204030204" pitchFamily="49" charset="0"/>
+              </a:rPr>
+              <a:t>{</a:t>
+            </a:r>
+          </a:p>
+          <a:p>
+            <a:r>
+              <a:rPr lang="zh-TW" altLang="en-US" sz="1200" dirty="0">
+                <a:latin typeface="Consolas" panose="020B0609020204030204" pitchFamily="49" charset="0"/>
+              </a:rPr>
+              <a:t>  </a:t>
+            </a:r>
+            <a:r>
+              <a:rPr lang="en-US" altLang="zh-TW" sz="1200" dirty="0">
+                <a:latin typeface="Consolas" panose="020B0609020204030204" pitchFamily="49" charset="0"/>
+              </a:rPr>
+              <a:t>"</a:t>
+            </a:r>
+            <a:r>
+              <a:rPr lang="en-US" altLang="zh-TW" sz="1200" dirty="0" err="1">
+                <a:latin typeface="Consolas" panose="020B0609020204030204" pitchFamily="49" charset="0"/>
+              </a:rPr>
+              <a:t>LBRawID</a:t>
+            </a:r>
+            <a:r>
+              <a:rPr lang="en-US" altLang="zh-TW" sz="1200" dirty="0">
+                <a:latin typeface="Consolas" panose="020B0609020204030204" pitchFamily="49" charset="0"/>
+              </a:rPr>
+              <a:t>": 1,</a:t>
+            </a:r>
+          </a:p>
+          <a:p>
+            <a:r>
+              <a:rPr lang="en-US" altLang="zh-TW" sz="1200" dirty="0">
+                <a:latin typeface="Consolas" panose="020B0609020204030204" pitchFamily="49" charset="0"/>
+              </a:rPr>
+              <a:t>  "</a:t>
+            </a:r>
+            <a:r>
+              <a:rPr lang="en-US" altLang="zh-TW" sz="1200" dirty="0" err="1">
+                <a:latin typeface="Consolas" panose="020B0609020204030204" pitchFamily="49" charset="0"/>
+              </a:rPr>
+              <a:t>SubmarineCable</a:t>
+            </a:r>
+            <a:r>
+              <a:rPr lang="en-US" altLang="zh-TW" sz="1200" dirty="0">
+                <a:latin typeface="Consolas" panose="020B0609020204030204" pitchFamily="49" charset="0"/>
+              </a:rPr>
+              <a:t>": "SJC2",</a:t>
+            </a:r>
+          </a:p>
+          <a:p>
+            <a:r>
+              <a:rPr lang="en-US" altLang="zh-TW" sz="1200" dirty="0">
+                <a:latin typeface="Consolas" panose="020B0609020204030204" pitchFamily="49" charset="0"/>
+              </a:rPr>
+              <a:t>  "</a:t>
+            </a:r>
+            <a:r>
+              <a:rPr lang="en-US" altLang="zh-TW" sz="1200" dirty="0" err="1">
+                <a:latin typeface="Consolas" panose="020B0609020204030204" pitchFamily="49" charset="0"/>
+              </a:rPr>
+              <a:t>BillMilestone</a:t>
+            </a:r>
+            <a:r>
+              <a:rPr lang="en-US" altLang="zh-TW" sz="1200" dirty="0">
+                <a:latin typeface="Consolas" panose="020B0609020204030204" pitchFamily="49" charset="0"/>
+              </a:rPr>
+              <a:t>": "BM12",</a:t>
+            </a:r>
+          </a:p>
+          <a:p>
+            <a:r>
+              <a:rPr lang="en-US" altLang="zh-TW" sz="1200" dirty="0">
+                <a:latin typeface="Consolas" panose="020B0609020204030204" pitchFamily="49" charset="0"/>
+              </a:rPr>
+              <a:t>  "</a:t>
+            </a:r>
+            <a:r>
+              <a:rPr lang="en-US" altLang="zh-TW" sz="1200" dirty="0" err="1">
+                <a:latin typeface="Consolas" panose="020B0609020204030204" pitchFamily="49" charset="0"/>
+              </a:rPr>
+              <a:t>PartyName</a:t>
+            </a:r>
+            <a:r>
+              <a:rPr lang="en-US" altLang="zh-TW" sz="1200" dirty="0">
+                <a:latin typeface="Consolas" panose="020B0609020204030204" pitchFamily="49" charset="0"/>
+              </a:rPr>
+              <a:t>": "VNPT",</a:t>
+            </a:r>
+          </a:p>
+          <a:p>
+            <a:r>
+              <a:rPr lang="en-US" altLang="zh-TW" sz="1200" dirty="0">
+                <a:latin typeface="Consolas" panose="020B0609020204030204" pitchFamily="49" charset="0"/>
+              </a:rPr>
+              <a:t>  "</a:t>
+            </a:r>
+            <a:r>
+              <a:rPr lang="en-US" altLang="zh-TW" sz="1200" dirty="0" err="1">
+                <a:latin typeface="Consolas" panose="020B0609020204030204" pitchFamily="49" charset="0"/>
+              </a:rPr>
+              <a:t>WorkTitle</a:t>
+            </a:r>
+            <a:r>
+              <a:rPr lang="en-US" altLang="zh-TW" sz="1200" dirty="0">
+                <a:latin typeface="Consolas" panose="020B0609020204030204" pitchFamily="49" charset="0"/>
+              </a:rPr>
+              <a:t>": "Construction",</a:t>
+            </a:r>
+          </a:p>
+          <a:p>
+            <a:r>
+              <a:rPr lang="en-US" altLang="zh-TW" sz="1200" dirty="0">
+                <a:latin typeface="Consolas" panose="020B0609020204030204" pitchFamily="49" charset="0"/>
+              </a:rPr>
+              <a:t>  "</a:t>
+            </a:r>
+            <a:r>
+              <a:rPr lang="en-US" altLang="zh-TW" sz="1200" dirty="0" err="1">
+                <a:latin typeface="Consolas" panose="020B0609020204030204" pitchFamily="49" charset="0"/>
+              </a:rPr>
+              <a:t>LBRatio</a:t>
+            </a:r>
+            <a:r>
+              <a:rPr lang="en-US" altLang="zh-TW" sz="1200" dirty="0">
+                <a:latin typeface="Consolas" panose="020B0609020204030204" pitchFamily="49" charset="0"/>
+              </a:rPr>
+              <a:t>": 7.1428571429,</a:t>
+            </a:r>
+          </a:p>
+          <a:p>
+            <a:r>
+              <a:rPr lang="en-US" altLang="zh-TW" sz="1200" dirty="0">
+                <a:latin typeface="Consolas" panose="020B0609020204030204" pitchFamily="49" charset="0"/>
+              </a:rPr>
+              <a:t>}</a:t>
+            </a:r>
+            <a:endParaRPr lang="zh-TW" altLang="en-US" sz="1200" dirty="0">
+              <a:latin typeface="Consolas" panose="020B0609020204030204" pitchFamily="49" charset="0"/>
+            </a:endParaRPr>
+          </a:p>
+        </p:txBody>
+      </p:sp>
+      <p:pic>
+        <p:nvPicPr>
+          <p:cNvPr id="10" name="圖片 9">
+            <a:extLst>
+              <a:ext uri="{FF2B5EF4-FFF2-40B4-BE49-F238E27FC236}">
+                <a16:creationId xmlns:a16="http://schemas.microsoft.com/office/drawing/2014/main" id="{13C58A16-47D9-4549-8AA5-53325DBCA580}"/>
+              </a:ext>
+            </a:extLst>
+          </p:cNvPr>
+          <p:cNvPicPr>
+            <a:picLocks noChangeAspect="1"/>
+          </p:cNvPicPr>
+          <p:nvPr/>
+        </p:nvPicPr>
+        <p:blipFill>
+          <a:blip r:embed="rId3"/>
+          <a:stretch>
+            <a:fillRect/>
+          </a:stretch>
+        </p:blipFill>
+        <p:spPr>
+          <a:xfrm>
+            <a:off x="6611038" y="3676840"/>
+            <a:ext cx="5204475" cy="1356808"/>
+          </a:xfrm>
+          <a:prstGeom prst="rect">
+            <a:avLst/>
+          </a:prstGeom>
+        </p:spPr>
+      </p:pic>
+      <p:sp>
+        <p:nvSpPr>
+          <p:cNvPr id="17" name="矩形 16">
+            <a:extLst>
+              <a:ext uri="{FF2B5EF4-FFF2-40B4-BE49-F238E27FC236}">
+                <a16:creationId xmlns:a16="http://schemas.microsoft.com/office/drawing/2014/main" id="{731879BB-C678-469B-9A20-F0C2D1D17376}"/>
+              </a:ext>
+            </a:extLst>
+          </p:cNvPr>
+          <p:cNvSpPr/>
+          <p:nvPr/>
+        </p:nvSpPr>
+        <p:spPr>
+          <a:xfrm>
+            <a:off x="8136731" y="2283619"/>
+            <a:ext cx="254794" cy="165260"/>
+          </a:xfrm>
+          <a:prstGeom prst="rect">
+            <a:avLst/>
+          </a:prstGeom>
+          <a:noFill/>
+          <a:ln>
+            <a:solidFill>
+              <a:srgbClr val="FF0000"/>
+            </a:solidFill>
+          </a:ln>
+        </p:spPr>
+        <p:style>
+          <a:lnRef idx="2">
+            <a:schemeClr val="accent1">
+              <a:shade val="50000"/>
+            </a:schemeClr>
+          </a:lnRef>
+          <a:fillRef idx="1">
+            <a:schemeClr val="accent1"/>
+          </a:fillRef>
+          <a:effectRef idx="0">
+            <a:schemeClr val="accent1"/>
+          </a:effectRef>
+          <a:fontRef idx="minor">
+            <a:schemeClr val="lt1"/>
+          </a:fontRef>
+        </p:style>
+        <p:txBody>
+          <a:bodyPr rtlCol="0" anchor="ctr"/>
+          <a:lstStyle/>
+          <a:p>
+            <a:pPr algn="ctr"/>
+            <a:endParaRPr lang="zh-TW" altLang="en-US"/>
+          </a:p>
+        </p:txBody>
+      </p:sp>
+      <p:sp>
+        <p:nvSpPr>
+          <p:cNvPr id="18" name="矩形 17">
+            <a:extLst>
+              <a:ext uri="{FF2B5EF4-FFF2-40B4-BE49-F238E27FC236}">
+                <a16:creationId xmlns:a16="http://schemas.microsoft.com/office/drawing/2014/main" id="{6DACD719-BD17-4C57-AFF3-4AB68EE070B3}"/>
+              </a:ext>
+            </a:extLst>
+          </p:cNvPr>
+          <p:cNvSpPr/>
+          <p:nvPr/>
+        </p:nvSpPr>
+        <p:spPr>
+          <a:xfrm>
+            <a:off x="11072813" y="4793455"/>
+            <a:ext cx="319087" cy="191993"/>
+          </a:xfrm>
+          <a:prstGeom prst="rect">
+            <a:avLst/>
+          </a:prstGeom>
+          <a:noFill/>
+          <a:ln>
+            <a:solidFill>
+              <a:srgbClr val="FF0000"/>
+            </a:solidFill>
+          </a:ln>
+        </p:spPr>
+        <p:style>
+          <a:lnRef idx="2">
+            <a:schemeClr val="accent1">
+              <a:shade val="50000"/>
+            </a:schemeClr>
+          </a:lnRef>
+          <a:fillRef idx="1">
+            <a:schemeClr val="accent1"/>
+          </a:fillRef>
+          <a:effectRef idx="0">
+            <a:schemeClr val="accent1"/>
+          </a:effectRef>
+          <a:fontRef idx="minor">
+            <a:schemeClr val="lt1"/>
+          </a:fontRef>
+        </p:style>
+        <p:txBody>
+          <a:bodyPr rtlCol="0" anchor="ctr"/>
+          <a:lstStyle/>
+          <a:p>
+            <a:pPr algn="ctr"/>
+            <a:endParaRPr lang="zh-TW" altLang="en-US"/>
+          </a:p>
+        </p:txBody>
+      </p:sp>
+      <p:cxnSp>
+        <p:nvCxnSpPr>
+          <p:cNvPr id="13" name="直線單箭頭接點 12">
+            <a:extLst>
+              <a:ext uri="{FF2B5EF4-FFF2-40B4-BE49-F238E27FC236}">
+                <a16:creationId xmlns:a16="http://schemas.microsoft.com/office/drawing/2014/main" id="{81AEC1C6-BBCD-4589-BE5D-546039CDDC07}"/>
+              </a:ext>
+            </a:extLst>
+          </p:cNvPr>
+          <p:cNvCxnSpPr>
+            <a:cxnSpLocks/>
+            <a:endCxn id="18" idx="0"/>
+          </p:cNvCxnSpPr>
+          <p:nvPr/>
+        </p:nvCxnSpPr>
+        <p:spPr>
+          <a:xfrm>
+            <a:off x="8282940" y="2448879"/>
+            <a:ext cx="2949417" cy="2344576"/>
+          </a:xfrm>
+          <a:prstGeom prst="straightConnector1">
+            <a:avLst/>
+          </a:prstGeom>
+          <a:ln>
+            <a:solidFill>
+              <a:srgbClr val="FF0000"/>
+            </a:solidFill>
+            <a:tailEnd type="triangle"/>
+          </a:ln>
+        </p:spPr>
+        <p:style>
+          <a:lnRef idx="1">
+            <a:schemeClr val="accent1"/>
+          </a:lnRef>
+          <a:fillRef idx="0">
+            <a:schemeClr val="accent1"/>
+          </a:fillRef>
+          <a:effectRef idx="0">
+            <a:schemeClr val="accent1"/>
+          </a:effectRef>
+          <a:fontRef idx="minor">
+            <a:schemeClr val="tx1"/>
+          </a:fontRef>
+        </p:style>
+      </p:cxnSp>
+      <p:cxnSp>
+        <p:nvCxnSpPr>
+          <p:cNvPr id="22" name="直線單箭頭接點 21">
+            <a:extLst>
+              <a:ext uri="{FF2B5EF4-FFF2-40B4-BE49-F238E27FC236}">
+                <a16:creationId xmlns:a16="http://schemas.microsoft.com/office/drawing/2014/main" id="{246F7924-E449-49B6-A7F1-4111A2AEDE4D}"/>
+              </a:ext>
+            </a:extLst>
+          </p:cNvPr>
+          <p:cNvCxnSpPr>
+            <a:cxnSpLocks/>
+            <a:stCxn id="18" idx="1"/>
+            <a:endCxn id="14" idx="3"/>
+          </p:cNvCxnSpPr>
+          <p:nvPr/>
+        </p:nvCxnSpPr>
+        <p:spPr>
+          <a:xfrm flipH="1">
+            <a:off x="4446451" y="4889452"/>
+            <a:ext cx="6626362" cy="245734"/>
+          </a:xfrm>
+          <a:prstGeom prst="straightConnector1">
+            <a:avLst/>
+          </a:prstGeom>
+          <a:ln>
+            <a:solidFill>
+              <a:srgbClr val="FF0000"/>
+            </a:solidFill>
+            <a:tailEnd type="triangle"/>
+          </a:ln>
+        </p:spPr>
+        <p:style>
+          <a:lnRef idx="1">
+            <a:schemeClr val="accent1"/>
+          </a:lnRef>
+          <a:fillRef idx="0">
+            <a:schemeClr val="accent1"/>
+          </a:fillRef>
+          <a:effectRef idx="0">
+            <a:schemeClr val="accent1"/>
+          </a:effectRef>
+          <a:fontRef idx="minor">
+            <a:schemeClr val="tx1"/>
+          </a:fontRef>
+        </p:style>
+      </p:cxnSp>
+      <p:sp>
+        <p:nvSpPr>
+          <p:cNvPr id="26" name="文字方塊 25">
+            <a:extLst>
+              <a:ext uri="{FF2B5EF4-FFF2-40B4-BE49-F238E27FC236}">
+                <a16:creationId xmlns:a16="http://schemas.microsoft.com/office/drawing/2014/main" id="{2DBADB16-939A-4A9B-9E1C-8127CD8D6841}"/>
+              </a:ext>
+            </a:extLst>
+          </p:cNvPr>
+          <p:cNvSpPr txBox="1"/>
+          <p:nvPr/>
+        </p:nvSpPr>
+        <p:spPr>
+          <a:xfrm>
+            <a:off x="838200" y="3687798"/>
+            <a:ext cx="4337115" cy="461665"/>
+          </a:xfrm>
+          <a:prstGeom prst="rect">
+            <a:avLst/>
+          </a:prstGeom>
+          <a:noFill/>
+          <a:ln>
+            <a:solidFill>
+              <a:schemeClr val="tx1"/>
+            </a:solidFill>
+          </a:ln>
+        </p:spPr>
+        <p:txBody>
+          <a:bodyPr wrap="square">
+            <a:spAutoFit/>
+          </a:bodyPr>
+          <a:lstStyle/>
+          <a:p>
+            <a:r>
+              <a:rPr lang="zh-TW" altLang="en-US" sz="1200" dirty="0">
+                <a:latin typeface="Consolas" panose="020B0609020204030204" pitchFamily="49" charset="0"/>
+                <a:cs typeface="Consolas" panose="020B0609020204030204" pitchFamily="49" charset="0"/>
+              </a:rPr>
+              <a:t>Method: </a:t>
+            </a:r>
+            <a:r>
+              <a:rPr lang="en-US" altLang="zh-TW" sz="1200" dirty="0">
+                <a:latin typeface="Consolas" panose="020B0609020204030204" pitchFamily="49" charset="0"/>
+                <a:cs typeface="Consolas" panose="020B0609020204030204" pitchFamily="49" charset="0"/>
+              </a:rPr>
+              <a:t>POST</a:t>
+            </a:r>
+            <a:endParaRPr lang="zh-TW" altLang="en-US" sz="1200" dirty="0">
+              <a:latin typeface="Consolas" panose="020B0609020204030204" pitchFamily="49" charset="0"/>
+              <a:cs typeface="Consolas" panose="020B0609020204030204" pitchFamily="49" charset="0"/>
+            </a:endParaRPr>
+          </a:p>
+          <a:p>
+            <a:r>
+              <a:rPr lang="zh-TW" altLang="en-US" sz="1200" dirty="0">
+                <a:latin typeface="Consolas" panose="020B0609020204030204" pitchFamily="49" charset="0"/>
+                <a:cs typeface="Consolas" panose="020B0609020204030204" pitchFamily="49" charset="0"/>
+              </a:rPr>
+              <a:t>URL: </a:t>
+            </a:r>
+            <a:r>
+              <a:rPr lang="en-US" altLang="zh-TW" sz="1200" dirty="0">
+                <a:latin typeface="Consolas" panose="020B0609020204030204" pitchFamily="49" charset="0"/>
+                <a:cs typeface="Consolas" panose="020B0609020204030204" pitchFamily="49" charset="0"/>
+                <a:hlinkClick r:id="rId4"/>
+              </a:rPr>
+              <a:t>http://127.0.0.1:8000/api/v1/updateLiability</a:t>
+            </a:r>
+            <a:endParaRPr lang="en-US" altLang="zh-TW" sz="1200" dirty="0">
+              <a:latin typeface="Consolas" panose="020B0609020204030204" pitchFamily="49" charset="0"/>
+              <a:cs typeface="Consolas" panose="020B0609020204030204" pitchFamily="49" charset="0"/>
+            </a:endParaRPr>
+          </a:p>
+        </p:txBody>
+      </p:sp>
+    </p:spTree>
+    <p:extLst>
+      <p:ext uri="{BB962C8B-B14F-4D97-AF65-F5344CB8AC3E}">
+        <p14:creationId xmlns:p14="http://schemas.microsoft.com/office/powerpoint/2010/main" val="2407844997"/>
+      </p:ext>
+    </p:extLst>
+  </p:cSld>
+  <p:clrMapOvr>
+    <a:masterClrMapping/>
+  </p:clrMapOvr>
+</p:sld>
+</file>
+
+<file path=ppt/slides/slide6.xml><?xml version="1.0" encoding="utf-8"?>
+<p:sld xmlns:a="http://schemas.openxmlformats.org/drawingml/2006/main" xmlns:r="http://schemas.openxmlformats.org/officeDocument/2006/relationships" xmlns:p="http://schemas.openxmlformats.org/presentationml/2006/main">
+  <p:cSld>
+    <p:spTree>
+      <p:nvGrpSpPr>
+        <p:cNvPr id="1" name=""/>
+        <p:cNvGrpSpPr/>
+        <p:nvPr/>
+      </p:nvGrpSpPr>
+      <p:grpSpPr>
+        <a:xfrm>
+          <a:off x="0" y="0"/>
+          <a:ext cx="0" cy="0"/>
+          <a:chOff x="0" y="0"/>
+          <a:chExt cx="0" cy="0"/>
+        </a:xfrm>
+      </p:grpSpPr>
+      <p:sp>
+        <p:nvSpPr>
+          <p:cNvPr id="2" name="標題 1">
+            <a:extLst>
+              <a:ext uri="{FF2B5EF4-FFF2-40B4-BE49-F238E27FC236}">
+                <a16:creationId xmlns:a16="http://schemas.microsoft.com/office/drawing/2014/main" id="{EC81C9B1-CCD1-BE5F-DDB7-FE752A8DBD93}"/>
+              </a:ext>
+            </a:extLst>
+          </p:cNvPr>
+          <p:cNvSpPr>
+            <a:spLocks noGrp="1"/>
+          </p:cNvSpPr>
+          <p:nvPr>
+            <p:ph type="title"/>
+          </p:nvPr>
+        </p:nvSpPr>
+        <p:spPr/>
+        <p:txBody>
+          <a:bodyPr/>
+          <a:lstStyle/>
+          <a:p>
+            <a:r>
+              <a:rPr kumimoji="1" lang="zh-TW" altLang="en-US" dirty="0">
+                <a:latin typeface="Consolas" panose="020B0609020204030204" pitchFamily="49" charset="0"/>
+                <a:ea typeface="BiauKai" panose="02010601000101010101" pitchFamily="2" charset="-120"/>
+                <a:cs typeface="Consolas" panose="020B0609020204030204" pitchFamily="49" charset="0"/>
+              </a:rPr>
+              <a:t>終止</a:t>
+            </a:r>
+            <a:r>
+              <a:rPr kumimoji="1" lang="en-US" altLang="zh-TW" dirty="0">
+                <a:latin typeface="Consolas" panose="020B0609020204030204" pitchFamily="49" charset="0"/>
+                <a:ea typeface="BiauKai" panose="02010601000101010101" pitchFamily="2" charset="-120"/>
+                <a:cs typeface="Consolas" panose="020B0609020204030204" pitchFamily="49" charset="0"/>
+              </a:rPr>
+              <a:t>Liability</a:t>
+            </a:r>
+            <a:endParaRPr kumimoji="1" lang="zh-TW" altLang="en-US" dirty="0">
+              <a:latin typeface="Consolas" panose="020B0609020204030204" pitchFamily="49" charset="0"/>
+              <a:ea typeface="BiauKai" panose="02010601000101010101" pitchFamily="2" charset="-120"/>
+              <a:cs typeface="Consolas" panose="020B0609020204030204" pitchFamily="49" charset="0"/>
+            </a:endParaRPr>
+          </a:p>
+        </p:txBody>
+      </p:sp>
+      <p:pic>
+        <p:nvPicPr>
+          <p:cNvPr id="4" name="圖片 3">
+            <a:extLst>
+              <a:ext uri="{FF2B5EF4-FFF2-40B4-BE49-F238E27FC236}">
+                <a16:creationId xmlns:a16="http://schemas.microsoft.com/office/drawing/2014/main" id="{38FF5AC8-82A8-46B7-A12B-6201598324DF}"/>
+              </a:ext>
+            </a:extLst>
+          </p:cNvPr>
+          <p:cNvPicPr>
+            <a:picLocks noChangeAspect="1"/>
+          </p:cNvPicPr>
+          <p:nvPr/>
+        </p:nvPicPr>
+        <p:blipFill>
+          <a:blip r:embed="rId2"/>
+          <a:stretch>
+            <a:fillRect/>
+          </a:stretch>
+        </p:blipFill>
+        <p:spPr>
+          <a:xfrm>
+            <a:off x="838200" y="1690688"/>
+            <a:ext cx="8948394" cy="1888550"/>
+          </a:xfrm>
+          <a:prstGeom prst="rect">
+            <a:avLst/>
+          </a:prstGeom>
+        </p:spPr>
+      </p:pic>
+      <p:sp>
+        <p:nvSpPr>
+          <p:cNvPr id="14" name="文字方塊 13">
+            <a:extLst>
+              <a:ext uri="{FF2B5EF4-FFF2-40B4-BE49-F238E27FC236}">
+                <a16:creationId xmlns:a16="http://schemas.microsoft.com/office/drawing/2014/main" id="{D18EEEF9-3944-4D80-A651-3B91725FA20E}"/>
+              </a:ext>
+            </a:extLst>
+          </p:cNvPr>
+          <p:cNvSpPr txBox="1"/>
+          <p:nvPr/>
+        </p:nvSpPr>
+        <p:spPr>
+          <a:xfrm>
+            <a:off x="838200" y="4258023"/>
+            <a:ext cx="3608251" cy="1015663"/>
+          </a:xfrm>
+          <a:prstGeom prst="rect">
+            <a:avLst/>
+          </a:prstGeom>
+          <a:noFill/>
+          <a:ln>
+            <a:solidFill>
+              <a:schemeClr val="tx1"/>
+            </a:solidFill>
+          </a:ln>
+        </p:spPr>
+        <p:txBody>
+          <a:bodyPr wrap="square">
+            <a:spAutoFit/>
+          </a:bodyPr>
+          <a:lstStyle/>
+          <a:p>
+            <a:r>
+              <a:rPr lang="en-US" altLang="zh-TW" sz="1200" dirty="0">
+                <a:latin typeface="Consolas" panose="020B0609020204030204" pitchFamily="49" charset="0"/>
+              </a:rPr>
+              <a:t>POST Body</a:t>
+            </a:r>
+          </a:p>
+          <a:p>
+            <a:r>
+              <a:rPr lang="en-US" altLang="zh-TW" sz="1200" dirty="0">
+                <a:latin typeface="Consolas" panose="020B0609020204030204" pitchFamily="49" charset="0"/>
+              </a:rPr>
+              <a:t>{</a:t>
+            </a:r>
+          </a:p>
+          <a:p>
+            <a:r>
+              <a:rPr lang="zh-TW" altLang="en-US" sz="1200" dirty="0">
+                <a:latin typeface="Consolas" panose="020B0609020204030204" pitchFamily="49" charset="0"/>
+              </a:rPr>
+              <a:t>  </a:t>
+            </a:r>
+            <a:r>
+              <a:rPr lang="en-US" altLang="zh-TW" sz="1200" dirty="0">
+                <a:latin typeface="Consolas" panose="020B0609020204030204" pitchFamily="49" charset="0"/>
+              </a:rPr>
+              <a:t>"</a:t>
+            </a:r>
+            <a:r>
+              <a:rPr lang="en-US" altLang="zh-TW" sz="1200" dirty="0" err="1">
+                <a:latin typeface="Consolas" panose="020B0609020204030204" pitchFamily="49" charset="0"/>
+              </a:rPr>
+              <a:t>LBRawID</a:t>
+            </a:r>
+            <a:r>
+              <a:rPr lang="en-US" altLang="zh-TW" sz="1200" dirty="0">
+                <a:latin typeface="Consolas" panose="020B0609020204030204" pitchFamily="49" charset="0"/>
+              </a:rPr>
+              <a:t>": 1,</a:t>
+            </a:r>
+          </a:p>
+          <a:p>
+            <a:r>
+              <a:rPr lang="zh-TW" altLang="en-US" sz="1200" dirty="0">
+                <a:latin typeface="Consolas" panose="020B0609020204030204" pitchFamily="49" charset="0"/>
+              </a:rPr>
+              <a:t>  </a:t>
+            </a:r>
+            <a:r>
+              <a:rPr lang="en-US" altLang="zh-TW" sz="1200" dirty="0">
+                <a:latin typeface="Consolas" panose="020B0609020204030204" pitchFamily="49" charset="0"/>
+              </a:rPr>
+              <a:t>"</a:t>
+            </a:r>
+            <a:r>
+              <a:rPr lang="en-US" altLang="zh-TW" sz="1200" dirty="0" err="1">
+                <a:latin typeface="Consolas" panose="020B0609020204030204" pitchFamily="49" charset="0"/>
+              </a:rPr>
+              <a:t>EndDate</a:t>
+            </a:r>
+            <a:r>
+              <a:rPr lang="en-US" altLang="zh-TW" sz="1200" dirty="0">
+                <a:latin typeface="Consolas" panose="020B0609020204030204" pitchFamily="49" charset="0"/>
+              </a:rPr>
+              <a:t>": "2022-10-09 04:05:06"</a:t>
+            </a:r>
+          </a:p>
+          <a:p>
+            <a:r>
+              <a:rPr lang="en-US" altLang="zh-TW" sz="1200" dirty="0">
+                <a:latin typeface="Consolas" panose="020B0609020204030204" pitchFamily="49" charset="0"/>
+              </a:rPr>
+              <a:t>}</a:t>
+            </a:r>
+            <a:endParaRPr lang="zh-TW" altLang="en-US" sz="1200" dirty="0">
+              <a:latin typeface="Consolas" panose="020B0609020204030204" pitchFamily="49" charset="0"/>
+            </a:endParaRPr>
+          </a:p>
+        </p:txBody>
+      </p:sp>
+      <p:sp>
+        <p:nvSpPr>
+          <p:cNvPr id="17" name="矩形 16">
+            <a:extLst>
+              <a:ext uri="{FF2B5EF4-FFF2-40B4-BE49-F238E27FC236}">
+                <a16:creationId xmlns:a16="http://schemas.microsoft.com/office/drawing/2014/main" id="{731879BB-C678-469B-9A20-F0C2D1D17376}"/>
+              </a:ext>
+            </a:extLst>
+          </p:cNvPr>
+          <p:cNvSpPr/>
+          <p:nvPr/>
+        </p:nvSpPr>
+        <p:spPr>
+          <a:xfrm>
+            <a:off x="8860631" y="2283619"/>
+            <a:ext cx="254794" cy="165260"/>
+          </a:xfrm>
+          <a:prstGeom prst="rect">
+            <a:avLst/>
+          </a:prstGeom>
+          <a:noFill/>
+          <a:ln>
+            <a:solidFill>
+              <a:srgbClr val="FF0000"/>
+            </a:solidFill>
+          </a:ln>
+        </p:spPr>
+        <p:style>
+          <a:lnRef idx="2">
+            <a:schemeClr val="accent1">
+              <a:shade val="50000"/>
+            </a:schemeClr>
+          </a:lnRef>
+          <a:fillRef idx="1">
+            <a:schemeClr val="accent1"/>
+          </a:fillRef>
+          <a:effectRef idx="0">
+            <a:schemeClr val="accent1"/>
+          </a:effectRef>
+          <a:fontRef idx="minor">
+            <a:schemeClr val="lt1"/>
+          </a:fontRef>
+        </p:style>
+        <p:txBody>
+          <a:bodyPr rtlCol="0" anchor="ctr"/>
+          <a:lstStyle/>
+          <a:p>
+            <a:pPr algn="ctr"/>
+            <a:endParaRPr lang="zh-TW" altLang="en-US"/>
+          </a:p>
+        </p:txBody>
+      </p:sp>
+      <p:cxnSp>
+        <p:nvCxnSpPr>
+          <p:cNvPr id="13" name="直線單箭頭接點 12">
+            <a:extLst>
+              <a:ext uri="{FF2B5EF4-FFF2-40B4-BE49-F238E27FC236}">
+                <a16:creationId xmlns:a16="http://schemas.microsoft.com/office/drawing/2014/main" id="{81AEC1C6-BBCD-4589-BE5D-546039CDDC07}"/>
+              </a:ext>
+            </a:extLst>
+          </p:cNvPr>
+          <p:cNvCxnSpPr>
+            <a:cxnSpLocks/>
+            <a:endCxn id="14" idx="3"/>
+          </p:cNvCxnSpPr>
+          <p:nvPr/>
+        </p:nvCxnSpPr>
+        <p:spPr>
+          <a:xfrm flipH="1">
+            <a:off x="4446451" y="2448879"/>
+            <a:ext cx="4541577" cy="2316976"/>
+          </a:xfrm>
+          <a:prstGeom prst="straightConnector1">
+            <a:avLst/>
+          </a:prstGeom>
+          <a:ln>
+            <a:solidFill>
+              <a:srgbClr val="FF0000"/>
+            </a:solidFill>
+            <a:tailEnd type="triangle"/>
+          </a:ln>
+        </p:spPr>
+        <p:style>
+          <a:lnRef idx="1">
+            <a:schemeClr val="accent1"/>
+          </a:lnRef>
+          <a:fillRef idx="0">
+            <a:schemeClr val="accent1"/>
+          </a:fillRef>
+          <a:effectRef idx="0">
+            <a:schemeClr val="accent1"/>
+          </a:effectRef>
+          <a:fontRef idx="minor">
+            <a:schemeClr val="tx1"/>
+          </a:fontRef>
+        </p:style>
+      </p:cxnSp>
+      <p:sp>
+        <p:nvSpPr>
+          <p:cNvPr id="26" name="文字方塊 25">
+            <a:extLst>
+              <a:ext uri="{FF2B5EF4-FFF2-40B4-BE49-F238E27FC236}">
+                <a16:creationId xmlns:a16="http://schemas.microsoft.com/office/drawing/2014/main" id="{2DBADB16-939A-4A9B-9E1C-8127CD8D6841}"/>
+              </a:ext>
+            </a:extLst>
+          </p:cNvPr>
+          <p:cNvSpPr txBox="1"/>
+          <p:nvPr/>
+        </p:nvSpPr>
+        <p:spPr>
+          <a:xfrm>
+            <a:off x="838200" y="3687798"/>
+            <a:ext cx="4337115" cy="461665"/>
+          </a:xfrm>
+          <a:prstGeom prst="rect">
+            <a:avLst/>
+          </a:prstGeom>
+          <a:noFill/>
+          <a:ln>
+            <a:solidFill>
+              <a:schemeClr val="tx1"/>
+            </a:solidFill>
+          </a:ln>
+        </p:spPr>
+        <p:txBody>
+          <a:bodyPr wrap="square">
+            <a:spAutoFit/>
+          </a:bodyPr>
+          <a:lstStyle/>
+          <a:p>
+            <a:r>
+              <a:rPr lang="zh-TW" altLang="en-US" sz="1200" dirty="0">
+                <a:latin typeface="Consolas" panose="020B0609020204030204" pitchFamily="49" charset="0"/>
+                <a:cs typeface="Consolas" panose="020B0609020204030204" pitchFamily="49" charset="0"/>
+              </a:rPr>
+              <a:t>Method: </a:t>
+            </a:r>
+            <a:r>
+              <a:rPr lang="en-US" altLang="zh-TW" sz="1200" dirty="0">
+                <a:latin typeface="Consolas" panose="020B0609020204030204" pitchFamily="49" charset="0"/>
+                <a:cs typeface="Consolas" panose="020B0609020204030204" pitchFamily="49" charset="0"/>
+              </a:rPr>
+              <a:t>POST</a:t>
+            </a:r>
+            <a:endParaRPr lang="zh-TW" altLang="en-US" sz="1200" dirty="0">
+              <a:latin typeface="Consolas" panose="020B0609020204030204" pitchFamily="49" charset="0"/>
+              <a:cs typeface="Consolas" panose="020B0609020204030204" pitchFamily="49" charset="0"/>
+            </a:endParaRPr>
+          </a:p>
+          <a:p>
+            <a:r>
+              <a:rPr lang="zh-TW" altLang="en-US" sz="1200" dirty="0">
+                <a:latin typeface="Consolas" panose="020B0609020204030204" pitchFamily="49" charset="0"/>
+                <a:cs typeface="Consolas" panose="020B0609020204030204" pitchFamily="49" charset="0"/>
+              </a:rPr>
+              <a:t>URL: </a:t>
+            </a:r>
+            <a:r>
+              <a:rPr lang="en-US" altLang="zh-TW" sz="1200" dirty="0">
+                <a:latin typeface="Consolas" panose="020B0609020204030204" pitchFamily="49" charset="0"/>
+                <a:cs typeface="Consolas" panose="020B0609020204030204" pitchFamily="49" charset="0"/>
+                <a:hlinkClick r:id="rId3"/>
+              </a:rPr>
+              <a:t>http://127.0.0.1:8000/api/v1/updateLiability</a:t>
+            </a:r>
+            <a:endParaRPr lang="en-US" altLang="zh-TW" sz="1200" dirty="0">
+              <a:latin typeface="Consolas" panose="020B0609020204030204" pitchFamily="49" charset="0"/>
+              <a:cs typeface="Consolas" panose="020B0609020204030204" pitchFamily="49" charset="0"/>
+            </a:endParaRPr>
+          </a:p>
+        </p:txBody>
+      </p:sp>
+    </p:spTree>
+    <p:extLst>
+      <p:ext uri="{BB962C8B-B14F-4D97-AF65-F5344CB8AC3E}">
+        <p14:creationId xmlns:p14="http://schemas.microsoft.com/office/powerpoint/2010/main" val="2672045812"/>
+      </p:ext>
+    </p:extLst>
+  </p:cSld>
+  <p:clrMapOvr>
+    <a:masterClrMapping/>
+  </p:clrMapOvr>
+</p:sld>
+</file>
+
+<file path=ppt/slides/slide7.xml><?xml version="1.0" encoding="utf-8"?>
+<p:sld xmlns:a="http://schemas.openxmlformats.org/drawingml/2006/main" xmlns:r="http://schemas.openxmlformats.org/officeDocument/2006/relationships" xmlns:p="http://schemas.openxmlformats.org/presentationml/2006/main">
+  <p:cSld>
+    <p:spTree>
+      <p:nvGrpSpPr>
+        <p:cNvPr id="1" name=""/>
+        <p:cNvGrpSpPr/>
+        <p:nvPr/>
+      </p:nvGrpSpPr>
+      <p:grpSpPr>
+        <a:xfrm>
+          <a:off x="0" y="0"/>
+          <a:ext cx="0" cy="0"/>
+          <a:chOff x="0" y="0"/>
+          <a:chExt cx="0" cy="0"/>
+        </a:xfrm>
+      </p:grpSpPr>
+      <p:sp>
+        <p:nvSpPr>
+          <p:cNvPr id="2" name="標題 1">
+            <a:extLst>
+              <a:ext uri="{FF2B5EF4-FFF2-40B4-BE49-F238E27FC236}">
+                <a16:creationId xmlns:a16="http://schemas.microsoft.com/office/drawing/2014/main" id="{EC81C9B1-CCD1-BE5F-DDB7-FE752A8DBD93}"/>
+              </a:ext>
+            </a:extLst>
+          </p:cNvPr>
+          <p:cNvSpPr>
+            <a:spLocks noGrp="1"/>
+          </p:cNvSpPr>
+          <p:nvPr>
+            <p:ph type="title"/>
+          </p:nvPr>
+        </p:nvSpPr>
+        <p:spPr/>
+        <p:txBody>
+          <a:bodyPr/>
+          <a:lstStyle/>
+          <a:p>
+            <a:r>
+              <a:rPr kumimoji="1" lang="en-US" altLang="zh-TW" dirty="0">
+                <a:latin typeface="Consolas" panose="020B0609020204030204" pitchFamily="49" charset="0"/>
+                <a:ea typeface="BiauKai" panose="02010601000101010101" pitchFamily="2" charset="-120"/>
+                <a:cs typeface="Consolas" panose="020B0609020204030204" pitchFamily="49" charset="0"/>
+              </a:rPr>
+              <a:t>Liability</a:t>
+            </a:r>
+            <a:r>
+              <a:rPr kumimoji="1" lang="zh-TW" altLang="en-US" dirty="0">
+                <a:latin typeface="Consolas" panose="020B0609020204030204" pitchFamily="49" charset="0"/>
+                <a:ea typeface="BiauKai" panose="02010601000101010101" pitchFamily="2" charset="-120"/>
+                <a:cs typeface="Consolas" panose="020B0609020204030204" pitchFamily="49" charset="0"/>
+              </a:rPr>
+              <a:t>分段</a:t>
+            </a:r>
+          </a:p>
+        </p:txBody>
+      </p:sp>
+      <p:pic>
+        <p:nvPicPr>
+          <p:cNvPr id="4" name="圖片 3">
+            <a:extLst>
+              <a:ext uri="{FF2B5EF4-FFF2-40B4-BE49-F238E27FC236}">
+                <a16:creationId xmlns:a16="http://schemas.microsoft.com/office/drawing/2014/main" id="{38FF5AC8-82A8-46B7-A12B-6201598324DF}"/>
+              </a:ext>
+            </a:extLst>
+          </p:cNvPr>
+          <p:cNvPicPr>
+            <a:picLocks noChangeAspect="1"/>
+          </p:cNvPicPr>
+          <p:nvPr/>
+        </p:nvPicPr>
+        <p:blipFill>
+          <a:blip r:embed="rId2"/>
+          <a:stretch>
+            <a:fillRect/>
+          </a:stretch>
+        </p:blipFill>
+        <p:spPr>
+          <a:xfrm>
+            <a:off x="838200" y="1690688"/>
+            <a:ext cx="8948394" cy="1888550"/>
+          </a:xfrm>
+          <a:prstGeom prst="rect">
+            <a:avLst/>
+          </a:prstGeom>
+        </p:spPr>
+      </p:pic>
+      <p:sp>
+        <p:nvSpPr>
+          <p:cNvPr id="17" name="矩形 16">
+            <a:extLst>
+              <a:ext uri="{FF2B5EF4-FFF2-40B4-BE49-F238E27FC236}">
+                <a16:creationId xmlns:a16="http://schemas.microsoft.com/office/drawing/2014/main" id="{731879BB-C678-469B-9A20-F0C2D1D17376}"/>
+              </a:ext>
+            </a:extLst>
+          </p:cNvPr>
+          <p:cNvSpPr/>
+          <p:nvPr/>
+        </p:nvSpPr>
+        <p:spPr>
+          <a:xfrm>
+            <a:off x="8494871" y="2283619"/>
+            <a:ext cx="254794" cy="165260"/>
+          </a:xfrm>
+          <a:prstGeom prst="rect">
+            <a:avLst/>
+          </a:prstGeom>
+          <a:noFill/>
+          <a:ln>
+            <a:solidFill>
+              <a:srgbClr val="FF0000"/>
+            </a:solidFill>
+          </a:ln>
+        </p:spPr>
+        <p:style>
+          <a:lnRef idx="2">
+            <a:schemeClr val="accent1">
+              <a:shade val="50000"/>
+            </a:schemeClr>
+          </a:lnRef>
+          <a:fillRef idx="1">
+            <a:schemeClr val="accent1"/>
+          </a:fillRef>
+          <a:effectRef idx="0">
+            <a:schemeClr val="accent1"/>
+          </a:effectRef>
+          <a:fontRef idx="minor">
+            <a:schemeClr val="lt1"/>
+          </a:fontRef>
+        </p:style>
+        <p:txBody>
+          <a:bodyPr rtlCol="0" anchor="ctr"/>
+          <a:lstStyle/>
+          <a:p>
+            <a:pPr algn="ctr"/>
+            <a:endParaRPr lang="zh-TW" altLang="en-US"/>
+          </a:p>
+        </p:txBody>
+      </p:sp>
+      <p:sp>
+        <p:nvSpPr>
+          <p:cNvPr id="26" name="文字方塊 25">
+            <a:extLst>
+              <a:ext uri="{FF2B5EF4-FFF2-40B4-BE49-F238E27FC236}">
+                <a16:creationId xmlns:a16="http://schemas.microsoft.com/office/drawing/2014/main" id="{2DBADB16-939A-4A9B-9E1C-8127CD8D6841}"/>
+              </a:ext>
+            </a:extLst>
+          </p:cNvPr>
+          <p:cNvSpPr txBox="1"/>
+          <p:nvPr/>
+        </p:nvSpPr>
+        <p:spPr>
+          <a:xfrm>
+            <a:off x="838200" y="3687798"/>
+            <a:ext cx="4337115" cy="461665"/>
+          </a:xfrm>
+          <a:prstGeom prst="rect">
+            <a:avLst/>
+          </a:prstGeom>
+          <a:noFill/>
+          <a:ln>
+            <a:solidFill>
+              <a:schemeClr val="tx1"/>
+            </a:solidFill>
+          </a:ln>
+        </p:spPr>
+        <p:txBody>
+          <a:bodyPr wrap="square">
+            <a:spAutoFit/>
+          </a:bodyPr>
+          <a:lstStyle/>
+          <a:p>
+            <a:r>
+              <a:rPr lang="zh-TW" altLang="en-US" sz="1200" dirty="0">
+                <a:latin typeface="Consolas" panose="020B0609020204030204" pitchFamily="49" charset="0"/>
+                <a:cs typeface="Consolas" panose="020B0609020204030204" pitchFamily="49" charset="0"/>
+              </a:rPr>
+              <a:t>Method: </a:t>
+            </a:r>
+            <a:r>
+              <a:rPr lang="en-US" altLang="zh-TW" sz="1200" dirty="0">
+                <a:latin typeface="Consolas" panose="020B0609020204030204" pitchFamily="49" charset="0"/>
+                <a:cs typeface="Consolas" panose="020B0609020204030204" pitchFamily="49" charset="0"/>
+              </a:rPr>
+              <a:t>POST</a:t>
+            </a:r>
+            <a:endParaRPr lang="zh-TW" altLang="en-US" sz="1200" dirty="0">
+              <a:latin typeface="Consolas" panose="020B0609020204030204" pitchFamily="49" charset="0"/>
+              <a:cs typeface="Consolas" panose="020B0609020204030204" pitchFamily="49" charset="0"/>
+            </a:endParaRPr>
+          </a:p>
+          <a:p>
+            <a:r>
+              <a:rPr lang="zh-TW" altLang="en-US" sz="1200" dirty="0">
+                <a:latin typeface="Consolas" panose="020B0609020204030204" pitchFamily="49" charset="0"/>
+                <a:cs typeface="Consolas" panose="020B0609020204030204" pitchFamily="49" charset="0"/>
+              </a:rPr>
+              <a:t>URL: </a:t>
+            </a:r>
+            <a:r>
+              <a:rPr lang="en-US" altLang="zh-TW" sz="1200" dirty="0">
+                <a:latin typeface="Consolas" panose="020B0609020204030204" pitchFamily="49" charset="0"/>
+                <a:cs typeface="Consolas" panose="020B0609020204030204" pitchFamily="49" charset="0"/>
+                <a:hlinkClick r:id="rId3"/>
+              </a:rPr>
+              <a:t>http://127.0.0.1:8000/api/v1/deleteLiability</a:t>
+            </a:r>
+            <a:endParaRPr lang="en-US" altLang="zh-TW" sz="1200" dirty="0">
+              <a:latin typeface="Consolas" panose="020B0609020204030204" pitchFamily="49" charset="0"/>
+              <a:cs typeface="Consolas" panose="020B0609020204030204" pitchFamily="49" charset="0"/>
+            </a:endParaRPr>
+          </a:p>
+        </p:txBody>
+      </p:sp>
+      <p:sp>
+        <p:nvSpPr>
+          <p:cNvPr id="10" name="文字方塊 9">
+            <a:extLst>
+              <a:ext uri="{FF2B5EF4-FFF2-40B4-BE49-F238E27FC236}">
+                <a16:creationId xmlns:a16="http://schemas.microsoft.com/office/drawing/2014/main" id="{FE5912A2-E720-4E41-9C70-FF89D77B1B38}"/>
+              </a:ext>
+            </a:extLst>
+          </p:cNvPr>
+          <p:cNvSpPr txBox="1"/>
+          <p:nvPr/>
+        </p:nvSpPr>
+        <p:spPr>
+          <a:xfrm>
+            <a:off x="846486" y="4597086"/>
+            <a:ext cx="4518661" cy="461665"/>
+          </a:xfrm>
+          <a:prstGeom prst="rect">
+            <a:avLst/>
+          </a:prstGeom>
+          <a:noFill/>
+          <a:ln>
+            <a:solidFill>
+              <a:schemeClr val="tx1"/>
+            </a:solidFill>
+          </a:ln>
+        </p:spPr>
+        <p:txBody>
+          <a:bodyPr wrap="square">
+            <a:spAutoFit/>
+          </a:bodyPr>
+          <a:lstStyle/>
+          <a:p>
+            <a:r>
+              <a:rPr lang="zh-TW" altLang="en-US" sz="1200" dirty="0">
+                <a:latin typeface="Consolas" panose="020B0609020204030204" pitchFamily="49" charset="0"/>
+                <a:cs typeface="Consolas" panose="020B0609020204030204" pitchFamily="49" charset="0"/>
+              </a:rPr>
+              <a:t>Method: </a:t>
+            </a:r>
+            <a:r>
+              <a:rPr lang="en-US" altLang="zh-TW" sz="1200" dirty="0">
+                <a:latin typeface="Consolas" panose="020B0609020204030204" pitchFamily="49" charset="0"/>
+                <a:cs typeface="Consolas" panose="020B0609020204030204" pitchFamily="49" charset="0"/>
+              </a:rPr>
+              <a:t>POST</a:t>
+            </a:r>
+            <a:endParaRPr lang="zh-TW" altLang="en-US" sz="1200" dirty="0">
+              <a:latin typeface="Consolas" panose="020B0609020204030204" pitchFamily="49" charset="0"/>
+              <a:cs typeface="Consolas" panose="020B0609020204030204" pitchFamily="49" charset="0"/>
+            </a:endParaRPr>
+          </a:p>
+          <a:p>
+            <a:r>
+              <a:rPr lang="zh-TW" altLang="en-US" sz="1200" dirty="0">
+                <a:latin typeface="Consolas" panose="020B0609020204030204" pitchFamily="49" charset="0"/>
+                <a:cs typeface="Consolas" panose="020B0609020204030204" pitchFamily="49" charset="0"/>
+              </a:rPr>
+              <a:t>URL: </a:t>
+            </a:r>
+            <a:r>
+              <a:rPr lang="en-US" altLang="zh-TW" sz="1200" dirty="0">
+                <a:latin typeface="Consolas" panose="020B0609020204030204" pitchFamily="49" charset="0"/>
+                <a:cs typeface="Consolas" panose="020B0609020204030204" pitchFamily="49" charset="0"/>
+                <a:hlinkClick r:id="rId4"/>
+              </a:rPr>
+              <a:t>http://127.0.0.1:8000/api/v1/batchAddLiability</a:t>
+            </a:r>
+            <a:endParaRPr lang="en-US" altLang="zh-TW" sz="1200" dirty="0">
+              <a:latin typeface="Consolas" panose="020B0609020204030204" pitchFamily="49" charset="0"/>
+              <a:cs typeface="Consolas" panose="020B0609020204030204" pitchFamily="49" charset="0"/>
+            </a:endParaRPr>
+          </a:p>
+        </p:txBody>
+      </p:sp>
+      <p:sp>
+        <p:nvSpPr>
+          <p:cNvPr id="12" name="文字方塊 11">
+            <a:extLst>
+              <a:ext uri="{FF2B5EF4-FFF2-40B4-BE49-F238E27FC236}">
+                <a16:creationId xmlns:a16="http://schemas.microsoft.com/office/drawing/2014/main" id="{C8546668-039F-4246-988E-D4FB87AD63BC}"/>
+              </a:ext>
+            </a:extLst>
+          </p:cNvPr>
+          <p:cNvSpPr txBox="1"/>
+          <p:nvPr/>
+        </p:nvSpPr>
+        <p:spPr>
+          <a:xfrm>
+            <a:off x="5768988" y="3534329"/>
+            <a:ext cx="1569720" cy="646331"/>
+          </a:xfrm>
+          <a:prstGeom prst="rect">
+            <a:avLst/>
+          </a:prstGeom>
+          <a:noFill/>
+          <a:ln>
+            <a:solidFill>
+              <a:schemeClr val="tx1"/>
+            </a:solidFill>
+          </a:ln>
+        </p:spPr>
+        <p:txBody>
+          <a:bodyPr wrap="square">
+            <a:spAutoFit/>
+          </a:bodyPr>
+          <a:lstStyle/>
+          <a:p>
+            <a:r>
+              <a:rPr lang="zh-TW" altLang="en-US" sz="1200" dirty="0">
+                <a:latin typeface="Consolas" panose="020B0609020204030204" pitchFamily="49" charset="0"/>
+              </a:rPr>
+              <a:t>{</a:t>
+            </a:r>
+          </a:p>
+          <a:p>
+            <a:r>
+              <a:rPr lang="zh-TW" altLang="en-US" sz="1200" dirty="0">
+                <a:latin typeface="Consolas" panose="020B0609020204030204" pitchFamily="49" charset="0"/>
+              </a:rPr>
+              <a:t>  "LBRawID": </a:t>
+            </a:r>
+            <a:r>
+              <a:rPr lang="en-US" altLang="zh-TW" sz="1200" dirty="0">
+                <a:latin typeface="Consolas" panose="020B0609020204030204" pitchFamily="49" charset="0"/>
+              </a:rPr>
+              <a:t>1</a:t>
+            </a:r>
+            <a:endParaRPr lang="zh-TW" altLang="en-US" sz="1200" dirty="0">
+              <a:latin typeface="Consolas" panose="020B0609020204030204" pitchFamily="49" charset="0"/>
+            </a:endParaRPr>
+          </a:p>
+          <a:p>
+            <a:r>
+              <a:rPr lang="zh-TW" altLang="en-US" sz="1200" dirty="0">
+                <a:latin typeface="Consolas" panose="020B0609020204030204" pitchFamily="49" charset="0"/>
+              </a:rPr>
+              <a:t>}</a:t>
+            </a:r>
+          </a:p>
+        </p:txBody>
+      </p:sp>
+      <p:cxnSp>
+        <p:nvCxnSpPr>
+          <p:cNvPr id="8" name="直線單箭頭接點 7">
+            <a:extLst>
+              <a:ext uri="{FF2B5EF4-FFF2-40B4-BE49-F238E27FC236}">
+                <a16:creationId xmlns:a16="http://schemas.microsoft.com/office/drawing/2014/main" id="{D0482569-EAEA-48B6-89BF-AFBE3EEE0215}"/>
+              </a:ext>
+            </a:extLst>
+          </p:cNvPr>
+          <p:cNvCxnSpPr>
+            <a:cxnSpLocks/>
+            <a:stCxn id="26" idx="3"/>
+          </p:cNvCxnSpPr>
+          <p:nvPr/>
+        </p:nvCxnSpPr>
+        <p:spPr>
+          <a:xfrm>
+            <a:off x="5175315" y="3918631"/>
+            <a:ext cx="594930" cy="0"/>
+          </a:xfrm>
+          <a:prstGeom prst="straightConnector1">
+            <a:avLst/>
+          </a:prstGeom>
+          <a:ln>
+            <a:solidFill>
+              <a:schemeClr val="tx1"/>
+            </a:solidFill>
+            <a:tailEnd type="triangle"/>
+          </a:ln>
+        </p:spPr>
+        <p:style>
+          <a:lnRef idx="1">
+            <a:schemeClr val="accent1"/>
+          </a:lnRef>
+          <a:fillRef idx="0">
+            <a:schemeClr val="accent1"/>
+          </a:fillRef>
+          <a:effectRef idx="0">
+            <a:schemeClr val="accent1"/>
+          </a:effectRef>
+          <a:fontRef idx="minor">
+            <a:schemeClr val="tx1"/>
+          </a:fontRef>
+        </p:style>
+      </p:cxnSp>
+      <p:sp>
+        <p:nvSpPr>
+          <p:cNvPr id="16" name="文字方塊 15">
+            <a:extLst>
+              <a:ext uri="{FF2B5EF4-FFF2-40B4-BE49-F238E27FC236}">
+                <a16:creationId xmlns:a16="http://schemas.microsoft.com/office/drawing/2014/main" id="{A8A63FD7-AEE4-4988-8DD9-15688B732031}"/>
+              </a:ext>
+            </a:extLst>
+          </p:cNvPr>
+          <p:cNvSpPr txBox="1"/>
+          <p:nvPr/>
+        </p:nvSpPr>
+        <p:spPr>
+          <a:xfrm>
+            <a:off x="5770245" y="4442689"/>
+            <a:ext cx="2979420" cy="2308324"/>
+          </a:xfrm>
+          <a:prstGeom prst="rect">
+            <a:avLst/>
+          </a:prstGeom>
+          <a:noFill/>
+          <a:ln>
+            <a:solidFill>
+              <a:schemeClr val="tx1"/>
+            </a:solidFill>
+          </a:ln>
+        </p:spPr>
+        <p:txBody>
+          <a:bodyPr wrap="square">
+            <a:spAutoFit/>
+          </a:bodyPr>
+          <a:lstStyle/>
+          <a:p>
+            <a:r>
+              <a:rPr lang="en-US" altLang="zh-TW" sz="1200" dirty="0">
+                <a:latin typeface="Consolas" panose="020B0609020204030204" pitchFamily="49" charset="0"/>
+              </a:rPr>
+              <a:t>POST Body</a:t>
+            </a:r>
+          </a:p>
+          <a:p>
+            <a:r>
+              <a:rPr lang="en-US" altLang="zh-TW" sz="1200" dirty="0">
+                <a:latin typeface="Consolas" panose="020B0609020204030204" pitchFamily="49" charset="0"/>
+              </a:rPr>
+              <a:t>[</a:t>
+            </a:r>
+          </a:p>
+          <a:p>
+            <a:r>
+              <a:rPr lang="en-US" altLang="zh-TW" sz="1200" dirty="0">
+                <a:latin typeface="Consolas" panose="020B0609020204030204" pitchFamily="49" charset="0"/>
+              </a:rPr>
+              <a:t>  {</a:t>
+            </a:r>
+          </a:p>
+          <a:p>
+            <a:r>
+              <a:rPr lang="en-US" altLang="zh-TW" sz="1200" dirty="0">
+                <a:latin typeface="Consolas" panose="020B0609020204030204" pitchFamily="49" charset="0"/>
+              </a:rPr>
+              <a:t>    "</a:t>
+            </a:r>
+            <a:r>
+              <a:rPr lang="en-US" altLang="zh-TW" sz="1200" dirty="0" err="1">
+                <a:latin typeface="Consolas" panose="020B0609020204030204" pitchFamily="49" charset="0"/>
+              </a:rPr>
+              <a:t>SubmarineCable</a:t>
+            </a:r>
+            <a:r>
+              <a:rPr lang="en-US" altLang="zh-TW" sz="1200" dirty="0">
+                <a:latin typeface="Consolas" panose="020B0609020204030204" pitchFamily="49" charset="0"/>
+              </a:rPr>
+              <a:t>": "SJC2",</a:t>
+            </a:r>
+          </a:p>
+          <a:p>
+            <a:r>
+              <a:rPr lang="en-US" altLang="zh-TW" sz="1200" dirty="0">
+                <a:latin typeface="Consolas" panose="020B0609020204030204" pitchFamily="49" charset="0"/>
+              </a:rPr>
+              <a:t>    "</a:t>
+            </a:r>
+            <a:r>
+              <a:rPr lang="en-US" altLang="zh-TW" sz="1200" dirty="0" err="1">
+                <a:latin typeface="Consolas" panose="020B0609020204030204" pitchFamily="49" charset="0"/>
+              </a:rPr>
+              <a:t>BillMilestone</a:t>
+            </a:r>
+            <a:r>
+              <a:rPr lang="en-US" altLang="zh-TW" sz="1200" dirty="0">
+                <a:latin typeface="Consolas" panose="020B0609020204030204" pitchFamily="49" charset="0"/>
+              </a:rPr>
+              <a:t>": "BM12",</a:t>
+            </a:r>
+          </a:p>
+          <a:p>
+            <a:r>
+              <a:rPr lang="en-US" altLang="zh-TW" sz="1200" dirty="0">
+                <a:latin typeface="Consolas" panose="020B0609020204030204" pitchFamily="49" charset="0"/>
+              </a:rPr>
+              <a:t>    "</a:t>
+            </a:r>
+            <a:r>
+              <a:rPr lang="en-US" altLang="zh-TW" sz="1200" dirty="0" err="1">
+                <a:latin typeface="Consolas" panose="020B0609020204030204" pitchFamily="49" charset="0"/>
+              </a:rPr>
+              <a:t>PartyName</a:t>
+            </a:r>
+            <a:r>
+              <a:rPr lang="en-US" altLang="zh-TW" sz="1200" dirty="0">
+                <a:latin typeface="Consolas" panose="020B0609020204030204" pitchFamily="49" charset="0"/>
+              </a:rPr>
+              <a:t>": "VNPT",</a:t>
+            </a:r>
+          </a:p>
+          <a:p>
+            <a:r>
+              <a:rPr lang="en-US" altLang="zh-TW" sz="1200" dirty="0">
+                <a:latin typeface="Consolas" panose="020B0609020204030204" pitchFamily="49" charset="0"/>
+              </a:rPr>
+              <a:t>    "</a:t>
+            </a:r>
+            <a:r>
+              <a:rPr lang="en-US" altLang="zh-TW" sz="1200" dirty="0" err="1">
+                <a:latin typeface="Consolas" panose="020B0609020204030204" pitchFamily="49" charset="0"/>
+              </a:rPr>
+              <a:t>WorkTitle</a:t>
+            </a:r>
+            <a:r>
+              <a:rPr lang="en-US" altLang="zh-TW" sz="1200" dirty="0">
+                <a:latin typeface="Consolas" panose="020B0609020204030204" pitchFamily="49" charset="0"/>
+              </a:rPr>
+              <a:t>": "Construction",</a:t>
+            </a:r>
+          </a:p>
+          <a:p>
+            <a:r>
+              <a:rPr lang="en-US" altLang="zh-TW" sz="1200" dirty="0">
+                <a:latin typeface="Consolas" panose="020B0609020204030204" pitchFamily="49" charset="0"/>
+              </a:rPr>
+              <a:t>    "</a:t>
+            </a:r>
+            <a:r>
+              <a:rPr lang="en-US" altLang="zh-TW" sz="1200" dirty="0" err="1">
+                <a:latin typeface="Consolas" panose="020B0609020204030204" pitchFamily="49" charset="0"/>
+              </a:rPr>
+              <a:t>LBRatio</a:t>
+            </a:r>
+            <a:r>
+              <a:rPr lang="en-US" altLang="zh-TW" sz="1200" dirty="0">
+                <a:latin typeface="Consolas" panose="020B0609020204030204" pitchFamily="49" charset="0"/>
+              </a:rPr>
+              <a:t>": 7.1428571429,</a:t>
+            </a:r>
+          </a:p>
+          <a:p>
+            <a:r>
+              <a:rPr lang="en-US" altLang="zh-TW" sz="1200" dirty="0">
+                <a:latin typeface="Consolas" panose="020B0609020204030204" pitchFamily="49" charset="0"/>
+              </a:rPr>
+              <a:t>  },</a:t>
+            </a:r>
+          </a:p>
+          <a:p>
+            <a:r>
+              <a:rPr lang="en-US" altLang="zh-TW" sz="1200" dirty="0">
+                <a:latin typeface="Consolas" panose="020B0609020204030204" pitchFamily="49" charset="0"/>
+              </a:rPr>
+              <a:t>  {…},</a:t>
+            </a:r>
+          </a:p>
+          <a:p>
+            <a:r>
+              <a:rPr lang="en-US" altLang="zh-TW" sz="1200" dirty="0">
+                <a:latin typeface="Consolas" panose="020B0609020204030204" pitchFamily="49" charset="0"/>
+              </a:rPr>
+              <a:t>  {…}</a:t>
+            </a:r>
+          </a:p>
+          <a:p>
+            <a:r>
+              <a:rPr lang="en-US" altLang="zh-TW" sz="1200" dirty="0">
+                <a:latin typeface="Consolas" panose="020B0609020204030204" pitchFamily="49" charset="0"/>
+              </a:rPr>
+              <a:t>]</a:t>
+            </a:r>
+            <a:endParaRPr lang="zh-TW" altLang="en-US" sz="1200" dirty="0">
+              <a:latin typeface="Consolas" panose="020B0609020204030204" pitchFamily="49" charset="0"/>
+            </a:endParaRPr>
+          </a:p>
+        </p:txBody>
+      </p:sp>
+      <p:cxnSp>
+        <p:nvCxnSpPr>
+          <p:cNvPr id="18" name="直線單箭頭接點 17">
+            <a:extLst>
+              <a:ext uri="{FF2B5EF4-FFF2-40B4-BE49-F238E27FC236}">
+                <a16:creationId xmlns:a16="http://schemas.microsoft.com/office/drawing/2014/main" id="{B061D9F2-3838-455B-9BA7-268D4CB5FFA6}"/>
+              </a:ext>
+            </a:extLst>
+          </p:cNvPr>
+          <p:cNvCxnSpPr>
+            <a:cxnSpLocks/>
+          </p:cNvCxnSpPr>
+          <p:nvPr/>
+        </p:nvCxnSpPr>
+        <p:spPr>
+          <a:xfrm>
+            <a:off x="5365147" y="4822249"/>
+            <a:ext cx="405098" cy="0"/>
+          </a:xfrm>
+          <a:prstGeom prst="straightConnector1">
+            <a:avLst/>
+          </a:prstGeom>
+          <a:ln>
+            <a:solidFill>
+              <a:schemeClr val="tx1"/>
+            </a:solidFill>
+            <a:tailEnd type="triangle"/>
+          </a:ln>
+        </p:spPr>
+        <p:style>
+          <a:lnRef idx="1">
+            <a:schemeClr val="accent1"/>
+          </a:lnRef>
+          <a:fillRef idx="0">
+            <a:schemeClr val="accent1"/>
+          </a:fillRef>
+          <a:effectRef idx="0">
+            <a:schemeClr val="accent1"/>
+          </a:effectRef>
+          <a:fontRef idx="minor">
+            <a:schemeClr val="tx1"/>
+          </a:fontRef>
+        </p:style>
+      </p:cxnSp>
+    </p:spTree>
+    <p:extLst>
+      <p:ext uri="{BB962C8B-B14F-4D97-AF65-F5344CB8AC3E}">
+        <p14:creationId xmlns:p14="http://schemas.microsoft.com/office/powerpoint/2010/main" val="4144759711"/>
+      </p:ext>
+    </p:extLst>
+  </p:cSld>
+  <p:clrMapOvr>
+    <a:masterClrMapping/>
+  </p:clrMapOvr>
+</p:sld>
+</file>
+
 <file path=ppt/theme/theme1.xml><?xml version="1.0" encoding="utf-8"?>
 <a:theme xmlns:a="http://schemas.openxmlformats.org/drawingml/2006/main" name="Office 佈景主題">
   <a:themeElements>
